--- a/architecture/applied-genai-testbed.pptx
+++ b/architecture/applied-genai-testbed.pptx
@@ -6,16 +6,30 @@
     <p:sldMasterId id="2147483653" r:id="rId2"/>
   </p:sldMasterIdLst>
   <p:notesMasterIdLst>
-    <p:notesMasterId r:id="rId10"/>
+    <p:notesMasterId r:id="rId24"/>
   </p:notesMasterIdLst>
   <p:sldIdLst>
     <p:sldId id="256" r:id="rId3"/>
     <p:sldId id="269" r:id="rId4"/>
-    <p:sldId id="273" r:id="rId5"/>
-    <p:sldId id="270" r:id="rId6"/>
-    <p:sldId id="275" r:id="rId7"/>
-    <p:sldId id="274" r:id="rId8"/>
-    <p:sldId id="272" r:id="rId9"/>
+    <p:sldId id="276" r:id="rId5"/>
+    <p:sldId id="277" r:id="rId6"/>
+    <p:sldId id="278" r:id="rId7"/>
+    <p:sldId id="279" r:id="rId8"/>
+    <p:sldId id="273" r:id="rId9"/>
+    <p:sldId id="270" r:id="rId10"/>
+    <p:sldId id="275" r:id="rId11"/>
+    <p:sldId id="274" r:id="rId12"/>
+    <p:sldId id="281" r:id="rId13"/>
+    <p:sldId id="282" r:id="rId14"/>
+    <p:sldId id="287" r:id="rId15"/>
+    <p:sldId id="288" r:id="rId16"/>
+    <p:sldId id="289" r:id="rId17"/>
+    <p:sldId id="280" r:id="rId18"/>
+    <p:sldId id="284" r:id="rId19"/>
+    <p:sldId id="285" r:id="rId20"/>
+    <p:sldId id="286" r:id="rId21"/>
+    <p:sldId id="283" r:id="rId22"/>
+    <p:sldId id="272" r:id="rId23"/>
   </p:sldIdLst>
   <p:sldSz cx="12192000" cy="6858000"/>
   <p:notesSz cx="6858000" cy="9144000"/>
@@ -204,7 +218,7 @@
           <a:p>
             <a:fld id="{F3CE3BA1-E673-430F-9BEF-6A3E586025DD}" type="datetimeFigureOut">
               <a:rPr lang="en-US" smtClean="0"/>
-              <a:t>6/16/2025</a:t>
+              <a:t>6/21/2025</a:t>
             </a:fld>
             <a:endParaRPr lang="en-US"/>
           </a:p>
@@ -620,7 +634,7 @@
           <a:p>
             <a:fld id="{7ECF4FCC-419A-451C-A3E8-3263955D83E0}" type="slidenum">
               <a:rPr lang="en-US" smtClean="0"/>
-              <a:t>5</a:t>
+              <a:t>3</a:t>
             </a:fld>
             <a:endParaRPr lang="en-US"/>
           </a:p>
@@ -629,7 +643,7 @@
     </p:spTree>
     <p:extLst>
       <p:ext uri="{BB962C8B-B14F-4D97-AF65-F5344CB8AC3E}">
-        <p14:creationId xmlns:p14="http://schemas.microsoft.com/office/powerpoint/2010/main" val="2172358734"/>
+        <p14:creationId xmlns:p14="http://schemas.microsoft.com/office/powerpoint/2010/main" val="638294783"/>
       </p:ext>
     </p:extLst>
   </p:cSld>
@@ -704,7 +718,343 @@
           <a:p>
             <a:fld id="{7ECF4FCC-419A-451C-A3E8-3263955D83E0}" type="slidenum">
               <a:rPr lang="en-US" smtClean="0"/>
+              <a:t>4</a:t>
+            </a:fld>
+            <a:endParaRPr lang="en-US"/>
+          </a:p>
+        </p:txBody>
+      </p:sp>
+    </p:spTree>
+    <p:extLst>
+      <p:ext uri="{BB962C8B-B14F-4D97-AF65-F5344CB8AC3E}">
+        <p14:creationId xmlns:p14="http://schemas.microsoft.com/office/powerpoint/2010/main" val="3911807283"/>
+      </p:ext>
+    </p:extLst>
+  </p:cSld>
+  <p:clrMapOvr>
+    <a:masterClrMapping/>
+  </p:clrMapOvr>
+</p:notes>
+</file>
+
+<file path=ppt/notesSlides/notesSlide4.xml><?xml version="1.0" encoding="utf-8"?>
+<p:notes xmlns:a="http://schemas.openxmlformats.org/drawingml/2006/main" xmlns:r="http://schemas.openxmlformats.org/officeDocument/2006/relationships" xmlns:p="http://schemas.openxmlformats.org/presentationml/2006/main">
+  <p:cSld>
+    <p:spTree>
+      <p:nvGrpSpPr>
+        <p:cNvPr id="1" name=""/>
+        <p:cNvGrpSpPr/>
+        <p:nvPr/>
+      </p:nvGrpSpPr>
+      <p:grpSpPr>
+        <a:xfrm>
+          <a:off x="0" y="0"/>
+          <a:ext cx="0" cy="0"/>
+          <a:chOff x="0" y="0"/>
+          <a:chExt cx="0" cy="0"/>
+        </a:xfrm>
+      </p:grpSpPr>
+      <p:sp>
+        <p:nvSpPr>
+          <p:cNvPr id="2" name="Slide Image Placeholder 1"/>
+          <p:cNvSpPr>
+            <a:spLocks noGrp="1" noRot="1" noChangeAspect="1"/>
+          </p:cNvSpPr>
+          <p:nvPr>
+            <p:ph type="sldImg"/>
+          </p:nvPr>
+        </p:nvSpPr>
+        <p:spPr/>
+      </p:sp>
+      <p:sp>
+        <p:nvSpPr>
+          <p:cNvPr id="3" name="Notes Placeholder 2"/>
+          <p:cNvSpPr>
+            <a:spLocks noGrp="1"/>
+          </p:cNvSpPr>
+          <p:nvPr>
+            <p:ph type="body" idx="1"/>
+          </p:nvPr>
+        </p:nvSpPr>
+        <p:spPr/>
+        <p:txBody>
+          <a:bodyPr/>
+          <a:lstStyle/>
+          <a:p>
+            <a:endParaRPr lang="en-US" dirty="0"/>
+          </a:p>
+        </p:txBody>
+      </p:sp>
+      <p:sp>
+        <p:nvSpPr>
+          <p:cNvPr id="4" name="Slide Number Placeholder 3"/>
+          <p:cNvSpPr>
+            <a:spLocks noGrp="1"/>
+          </p:cNvSpPr>
+          <p:nvPr>
+            <p:ph type="sldNum" sz="quarter" idx="5"/>
+          </p:nvPr>
+        </p:nvSpPr>
+        <p:spPr/>
+        <p:txBody>
+          <a:bodyPr/>
+          <a:lstStyle/>
+          <a:p>
+            <a:fld id="{7ECF4FCC-419A-451C-A3E8-3263955D83E0}" type="slidenum">
+              <a:rPr lang="en-US" smtClean="0"/>
+              <a:t>5</a:t>
+            </a:fld>
+            <a:endParaRPr lang="en-US"/>
+          </a:p>
+        </p:txBody>
+      </p:sp>
+    </p:spTree>
+    <p:extLst>
+      <p:ext uri="{BB962C8B-B14F-4D97-AF65-F5344CB8AC3E}">
+        <p14:creationId xmlns:p14="http://schemas.microsoft.com/office/powerpoint/2010/main" val="2794302775"/>
+      </p:ext>
+    </p:extLst>
+  </p:cSld>
+  <p:clrMapOvr>
+    <a:masterClrMapping/>
+  </p:clrMapOvr>
+</p:notes>
+</file>
+
+<file path=ppt/notesSlides/notesSlide5.xml><?xml version="1.0" encoding="utf-8"?>
+<p:notes xmlns:a="http://schemas.openxmlformats.org/drawingml/2006/main" xmlns:r="http://schemas.openxmlformats.org/officeDocument/2006/relationships" xmlns:p="http://schemas.openxmlformats.org/presentationml/2006/main">
+  <p:cSld>
+    <p:spTree>
+      <p:nvGrpSpPr>
+        <p:cNvPr id="1" name=""/>
+        <p:cNvGrpSpPr/>
+        <p:nvPr/>
+      </p:nvGrpSpPr>
+      <p:grpSpPr>
+        <a:xfrm>
+          <a:off x="0" y="0"/>
+          <a:ext cx="0" cy="0"/>
+          <a:chOff x="0" y="0"/>
+          <a:chExt cx="0" cy="0"/>
+        </a:xfrm>
+      </p:grpSpPr>
+      <p:sp>
+        <p:nvSpPr>
+          <p:cNvPr id="2" name="Slide Image Placeholder 1"/>
+          <p:cNvSpPr>
+            <a:spLocks noGrp="1" noRot="1" noChangeAspect="1"/>
+          </p:cNvSpPr>
+          <p:nvPr>
+            <p:ph type="sldImg"/>
+          </p:nvPr>
+        </p:nvSpPr>
+        <p:spPr/>
+      </p:sp>
+      <p:sp>
+        <p:nvSpPr>
+          <p:cNvPr id="3" name="Notes Placeholder 2"/>
+          <p:cNvSpPr>
+            <a:spLocks noGrp="1"/>
+          </p:cNvSpPr>
+          <p:nvPr>
+            <p:ph type="body" idx="1"/>
+          </p:nvPr>
+        </p:nvSpPr>
+        <p:spPr/>
+        <p:txBody>
+          <a:bodyPr/>
+          <a:lstStyle/>
+          <a:p>
+            <a:endParaRPr lang="en-US" dirty="0"/>
+          </a:p>
+        </p:txBody>
+      </p:sp>
+      <p:sp>
+        <p:nvSpPr>
+          <p:cNvPr id="4" name="Slide Number Placeholder 3"/>
+          <p:cNvSpPr>
+            <a:spLocks noGrp="1"/>
+          </p:cNvSpPr>
+          <p:nvPr>
+            <p:ph type="sldNum" sz="quarter" idx="5"/>
+          </p:nvPr>
+        </p:nvSpPr>
+        <p:spPr/>
+        <p:txBody>
+          <a:bodyPr/>
+          <a:lstStyle/>
+          <a:p>
+            <a:fld id="{7ECF4FCC-419A-451C-A3E8-3263955D83E0}" type="slidenum">
+              <a:rPr lang="en-US" smtClean="0"/>
               <a:t>6</a:t>
+            </a:fld>
+            <a:endParaRPr lang="en-US"/>
+          </a:p>
+        </p:txBody>
+      </p:sp>
+    </p:spTree>
+    <p:extLst>
+      <p:ext uri="{BB962C8B-B14F-4D97-AF65-F5344CB8AC3E}">
+        <p14:creationId xmlns:p14="http://schemas.microsoft.com/office/powerpoint/2010/main" val="419292547"/>
+      </p:ext>
+    </p:extLst>
+  </p:cSld>
+  <p:clrMapOvr>
+    <a:masterClrMapping/>
+  </p:clrMapOvr>
+</p:notes>
+</file>
+
+<file path=ppt/notesSlides/notesSlide6.xml><?xml version="1.0" encoding="utf-8"?>
+<p:notes xmlns:a="http://schemas.openxmlformats.org/drawingml/2006/main" xmlns:r="http://schemas.openxmlformats.org/officeDocument/2006/relationships" xmlns:p="http://schemas.openxmlformats.org/presentationml/2006/main">
+  <p:cSld>
+    <p:spTree>
+      <p:nvGrpSpPr>
+        <p:cNvPr id="1" name=""/>
+        <p:cNvGrpSpPr/>
+        <p:nvPr/>
+      </p:nvGrpSpPr>
+      <p:grpSpPr>
+        <a:xfrm>
+          <a:off x="0" y="0"/>
+          <a:ext cx="0" cy="0"/>
+          <a:chOff x="0" y="0"/>
+          <a:chExt cx="0" cy="0"/>
+        </a:xfrm>
+      </p:grpSpPr>
+      <p:sp>
+        <p:nvSpPr>
+          <p:cNvPr id="2" name="Slide Image Placeholder 1"/>
+          <p:cNvSpPr>
+            <a:spLocks noGrp="1" noRot="1" noChangeAspect="1"/>
+          </p:cNvSpPr>
+          <p:nvPr>
+            <p:ph type="sldImg"/>
+          </p:nvPr>
+        </p:nvSpPr>
+        <p:spPr/>
+      </p:sp>
+      <p:sp>
+        <p:nvSpPr>
+          <p:cNvPr id="3" name="Notes Placeholder 2"/>
+          <p:cNvSpPr>
+            <a:spLocks noGrp="1"/>
+          </p:cNvSpPr>
+          <p:nvPr>
+            <p:ph type="body" idx="1"/>
+          </p:nvPr>
+        </p:nvSpPr>
+        <p:spPr/>
+        <p:txBody>
+          <a:bodyPr/>
+          <a:lstStyle/>
+          <a:p>
+            <a:endParaRPr lang="en-US" dirty="0"/>
+          </a:p>
+        </p:txBody>
+      </p:sp>
+      <p:sp>
+        <p:nvSpPr>
+          <p:cNvPr id="4" name="Slide Number Placeholder 3"/>
+          <p:cNvSpPr>
+            <a:spLocks noGrp="1"/>
+          </p:cNvSpPr>
+          <p:nvPr>
+            <p:ph type="sldNum" sz="quarter" idx="5"/>
+          </p:nvPr>
+        </p:nvSpPr>
+        <p:spPr/>
+        <p:txBody>
+          <a:bodyPr/>
+          <a:lstStyle/>
+          <a:p>
+            <a:fld id="{7ECF4FCC-419A-451C-A3E8-3263955D83E0}" type="slidenum">
+              <a:rPr lang="en-US" smtClean="0"/>
+              <a:t>9</a:t>
+            </a:fld>
+            <a:endParaRPr lang="en-US"/>
+          </a:p>
+        </p:txBody>
+      </p:sp>
+    </p:spTree>
+    <p:extLst>
+      <p:ext uri="{BB962C8B-B14F-4D97-AF65-F5344CB8AC3E}">
+        <p14:creationId xmlns:p14="http://schemas.microsoft.com/office/powerpoint/2010/main" val="2172358734"/>
+      </p:ext>
+    </p:extLst>
+  </p:cSld>
+  <p:clrMapOvr>
+    <a:masterClrMapping/>
+  </p:clrMapOvr>
+</p:notes>
+</file>
+
+<file path=ppt/notesSlides/notesSlide7.xml><?xml version="1.0" encoding="utf-8"?>
+<p:notes xmlns:a="http://schemas.openxmlformats.org/drawingml/2006/main" xmlns:r="http://schemas.openxmlformats.org/officeDocument/2006/relationships" xmlns:p="http://schemas.openxmlformats.org/presentationml/2006/main">
+  <p:cSld>
+    <p:spTree>
+      <p:nvGrpSpPr>
+        <p:cNvPr id="1" name=""/>
+        <p:cNvGrpSpPr/>
+        <p:nvPr/>
+      </p:nvGrpSpPr>
+      <p:grpSpPr>
+        <a:xfrm>
+          <a:off x="0" y="0"/>
+          <a:ext cx="0" cy="0"/>
+          <a:chOff x="0" y="0"/>
+          <a:chExt cx="0" cy="0"/>
+        </a:xfrm>
+      </p:grpSpPr>
+      <p:sp>
+        <p:nvSpPr>
+          <p:cNvPr id="2" name="Slide Image Placeholder 1"/>
+          <p:cNvSpPr>
+            <a:spLocks noGrp="1" noRot="1" noChangeAspect="1"/>
+          </p:cNvSpPr>
+          <p:nvPr>
+            <p:ph type="sldImg"/>
+          </p:nvPr>
+        </p:nvSpPr>
+        <p:spPr/>
+      </p:sp>
+      <p:sp>
+        <p:nvSpPr>
+          <p:cNvPr id="3" name="Notes Placeholder 2"/>
+          <p:cNvSpPr>
+            <a:spLocks noGrp="1"/>
+          </p:cNvSpPr>
+          <p:nvPr>
+            <p:ph type="body" idx="1"/>
+          </p:nvPr>
+        </p:nvSpPr>
+        <p:spPr/>
+        <p:txBody>
+          <a:bodyPr/>
+          <a:lstStyle/>
+          <a:p>
+            <a:endParaRPr lang="en-US" dirty="0"/>
+          </a:p>
+        </p:txBody>
+      </p:sp>
+      <p:sp>
+        <p:nvSpPr>
+          <p:cNvPr id="4" name="Slide Number Placeholder 3"/>
+          <p:cNvSpPr>
+            <a:spLocks noGrp="1"/>
+          </p:cNvSpPr>
+          <p:nvPr>
+            <p:ph type="sldNum" sz="quarter" idx="5"/>
+          </p:nvPr>
+        </p:nvSpPr>
+        <p:spPr/>
+        <p:txBody>
+          <a:bodyPr/>
+          <a:lstStyle/>
+          <a:p>
+            <a:fld id="{7ECF4FCC-419A-451C-A3E8-3263955D83E0}" type="slidenum">
+              <a:rPr lang="en-US" smtClean="0"/>
+              <a:t>10</a:t>
             </a:fld>
             <a:endParaRPr lang="en-US"/>
           </a:p>
@@ -714,6 +1064,174 @@
     <p:extLst>
       <p:ext uri="{BB962C8B-B14F-4D97-AF65-F5344CB8AC3E}">
         <p14:creationId xmlns:p14="http://schemas.microsoft.com/office/powerpoint/2010/main" val="138910861"/>
+      </p:ext>
+    </p:extLst>
+  </p:cSld>
+  <p:clrMapOvr>
+    <a:masterClrMapping/>
+  </p:clrMapOvr>
+</p:notes>
+</file>
+
+<file path=ppt/notesSlides/notesSlide8.xml><?xml version="1.0" encoding="utf-8"?>
+<p:notes xmlns:a="http://schemas.openxmlformats.org/drawingml/2006/main" xmlns:r="http://schemas.openxmlformats.org/officeDocument/2006/relationships" xmlns:p="http://schemas.openxmlformats.org/presentationml/2006/main">
+  <p:cSld>
+    <p:spTree>
+      <p:nvGrpSpPr>
+        <p:cNvPr id="1" name=""/>
+        <p:cNvGrpSpPr/>
+        <p:nvPr/>
+      </p:nvGrpSpPr>
+      <p:grpSpPr>
+        <a:xfrm>
+          <a:off x="0" y="0"/>
+          <a:ext cx="0" cy="0"/>
+          <a:chOff x="0" y="0"/>
+          <a:chExt cx="0" cy="0"/>
+        </a:xfrm>
+      </p:grpSpPr>
+      <p:sp>
+        <p:nvSpPr>
+          <p:cNvPr id="2" name="Slide Image Placeholder 1"/>
+          <p:cNvSpPr>
+            <a:spLocks noGrp="1" noRot="1" noChangeAspect="1"/>
+          </p:cNvSpPr>
+          <p:nvPr>
+            <p:ph type="sldImg"/>
+          </p:nvPr>
+        </p:nvSpPr>
+        <p:spPr/>
+      </p:sp>
+      <p:sp>
+        <p:nvSpPr>
+          <p:cNvPr id="3" name="Notes Placeholder 2"/>
+          <p:cNvSpPr>
+            <a:spLocks noGrp="1"/>
+          </p:cNvSpPr>
+          <p:nvPr>
+            <p:ph type="body" idx="1"/>
+          </p:nvPr>
+        </p:nvSpPr>
+        <p:spPr/>
+        <p:txBody>
+          <a:bodyPr/>
+          <a:lstStyle/>
+          <a:p>
+            <a:endParaRPr lang="en-US" dirty="0"/>
+          </a:p>
+        </p:txBody>
+      </p:sp>
+      <p:sp>
+        <p:nvSpPr>
+          <p:cNvPr id="4" name="Slide Number Placeholder 3"/>
+          <p:cNvSpPr>
+            <a:spLocks noGrp="1"/>
+          </p:cNvSpPr>
+          <p:nvPr>
+            <p:ph type="sldNum" sz="quarter" idx="5"/>
+          </p:nvPr>
+        </p:nvSpPr>
+        <p:spPr/>
+        <p:txBody>
+          <a:bodyPr/>
+          <a:lstStyle/>
+          <a:p>
+            <a:fld id="{7ECF4FCC-419A-451C-A3E8-3263955D83E0}" type="slidenum">
+              <a:rPr lang="en-US" smtClean="0"/>
+              <a:t>12</a:t>
+            </a:fld>
+            <a:endParaRPr lang="en-US"/>
+          </a:p>
+        </p:txBody>
+      </p:sp>
+    </p:spTree>
+    <p:extLst>
+      <p:ext uri="{BB962C8B-B14F-4D97-AF65-F5344CB8AC3E}">
+        <p14:creationId xmlns:p14="http://schemas.microsoft.com/office/powerpoint/2010/main" val="1557314398"/>
+      </p:ext>
+    </p:extLst>
+  </p:cSld>
+  <p:clrMapOvr>
+    <a:masterClrMapping/>
+  </p:clrMapOvr>
+</p:notes>
+</file>
+
+<file path=ppt/notesSlides/notesSlide9.xml><?xml version="1.0" encoding="utf-8"?>
+<p:notes xmlns:a="http://schemas.openxmlformats.org/drawingml/2006/main" xmlns:r="http://schemas.openxmlformats.org/officeDocument/2006/relationships" xmlns:p="http://schemas.openxmlformats.org/presentationml/2006/main">
+  <p:cSld>
+    <p:spTree>
+      <p:nvGrpSpPr>
+        <p:cNvPr id="1" name=""/>
+        <p:cNvGrpSpPr/>
+        <p:nvPr/>
+      </p:nvGrpSpPr>
+      <p:grpSpPr>
+        <a:xfrm>
+          <a:off x="0" y="0"/>
+          <a:ext cx="0" cy="0"/>
+          <a:chOff x="0" y="0"/>
+          <a:chExt cx="0" cy="0"/>
+        </a:xfrm>
+      </p:grpSpPr>
+      <p:sp>
+        <p:nvSpPr>
+          <p:cNvPr id="2" name="Slide Image Placeholder 1"/>
+          <p:cNvSpPr>
+            <a:spLocks noGrp="1" noRot="1" noChangeAspect="1"/>
+          </p:cNvSpPr>
+          <p:nvPr>
+            <p:ph type="sldImg"/>
+          </p:nvPr>
+        </p:nvSpPr>
+        <p:spPr/>
+      </p:sp>
+      <p:sp>
+        <p:nvSpPr>
+          <p:cNvPr id="3" name="Notes Placeholder 2"/>
+          <p:cNvSpPr>
+            <a:spLocks noGrp="1"/>
+          </p:cNvSpPr>
+          <p:nvPr>
+            <p:ph type="body" idx="1"/>
+          </p:nvPr>
+        </p:nvSpPr>
+        <p:spPr/>
+        <p:txBody>
+          <a:bodyPr/>
+          <a:lstStyle/>
+          <a:p>
+            <a:endParaRPr lang="en-US" dirty="0"/>
+          </a:p>
+        </p:txBody>
+      </p:sp>
+      <p:sp>
+        <p:nvSpPr>
+          <p:cNvPr id="4" name="Slide Number Placeholder 3"/>
+          <p:cNvSpPr>
+            <a:spLocks noGrp="1"/>
+          </p:cNvSpPr>
+          <p:nvPr>
+            <p:ph type="sldNum" sz="quarter" idx="5"/>
+          </p:nvPr>
+        </p:nvSpPr>
+        <p:spPr/>
+        <p:txBody>
+          <a:bodyPr/>
+          <a:lstStyle/>
+          <a:p>
+            <a:fld id="{7ECF4FCC-419A-451C-A3E8-3263955D83E0}" type="slidenum">
+              <a:rPr lang="en-US" smtClean="0"/>
+              <a:t>15</a:t>
+            </a:fld>
+            <a:endParaRPr lang="en-US"/>
+          </a:p>
+        </p:txBody>
+      </p:sp>
+    </p:spTree>
+    <p:extLst>
+      <p:ext uri="{BB962C8B-B14F-4D97-AF65-F5344CB8AC3E}">
+        <p14:creationId xmlns:p14="http://schemas.microsoft.com/office/powerpoint/2010/main" val="2437328413"/>
       </p:ext>
     </p:extLst>
   </p:cSld>
@@ -931,7 +1449,7 @@
           <a:p>
             <a:fld id="{EAEF7DD5-05CF-4070-A37B-F3D86CA7436A}" type="datetime1">
               <a:rPr lang="en-US" smtClean="0"/>
-              <a:t>6/16/2025</a:t>
+              <a:t>6/21/2025</a:t>
             </a:fld>
             <a:endParaRPr lang="en-US"/>
           </a:p>
@@ -1212,7 +1730,7 @@
           <a:p>
             <a:fld id="{EAEF7DD5-05CF-4070-A37B-F3D86CA7436A}" type="datetime1">
               <a:rPr lang="en-US" smtClean="0"/>
-              <a:t>6/19/2025</a:t>
+              <a:t>6/21/2025</a:t>
             </a:fld>
             <a:endParaRPr lang="en-US"/>
           </a:p>
@@ -1506,7 +2024,7 @@
           <a:p>
             <a:fld id="{8D07980B-565F-4C1B-86E2-9DD7F71A6AB0}" type="datetime1">
               <a:rPr lang="en-US" smtClean="0"/>
-              <a:t>6/16/2025</a:t>
+              <a:t>6/21/2025</a:t>
             </a:fld>
             <a:endParaRPr lang="en-US"/>
           </a:p>
@@ -1647,7 +2165,7 @@
           <a:p>
             <a:fld id="{8D07980B-565F-4C1B-86E2-9DD7F71A6AB0}" type="datetime1">
               <a:rPr lang="en-US" smtClean="0"/>
-              <a:t>6/16/2025</a:t>
+              <a:t>6/21/2025</a:t>
             </a:fld>
             <a:endParaRPr lang="en-US"/>
           </a:p>
@@ -2027,7 +2545,7 @@
           <a:p>
             <a:fld id="{75959440-8438-4EDA-9196-A17F81AACF8F}" type="datetime1">
               <a:rPr lang="en-US" smtClean="0"/>
-              <a:t>6/16/2025</a:t>
+              <a:t>6/21/2025</a:t>
             </a:fld>
             <a:endParaRPr lang="en-US"/>
           </a:p>
@@ -2177,7 +2695,7 @@
           <a:p>
             <a:fld id="{8560C548-7D6B-4ED8-8D7A-50BD43960FA7}" type="datetime1">
               <a:rPr lang="en-US" smtClean="0"/>
-              <a:t>6/16/2025</a:t>
+              <a:t>6/21/2025</a:t>
             </a:fld>
             <a:endParaRPr lang="en-US"/>
           </a:p>
@@ -2351,7 +2869,7 @@
           <a:p>
             <a:fld id="{79DDC6F4-6430-4F64-890C-465BC48B69C9}" type="datetime1">
               <a:rPr lang="en-US" smtClean="0"/>
-              <a:t>6/16/2025</a:t>
+              <a:t>6/21/2025</a:t>
             </a:fld>
             <a:endParaRPr lang="en-US"/>
           </a:p>
@@ -2949,7 +3467,7 @@
           <a:p>
             <a:fld id="{4DD03BCF-C762-49F0-9F81-92EC2B9DD1DA}" type="datetime1">
               <a:rPr lang="en-US" smtClean="0"/>
-              <a:t>6/16/2025</a:t>
+              <a:t>6/21/2025</a:t>
             </a:fld>
             <a:endParaRPr lang="en-US"/>
           </a:p>
@@ -3499,19 +4017,14 @@
           <a:p>
             <a:r>
               <a:rPr lang="en-US" sz="1600" dirty="0"/>
-              <a:t>6/16/25, Version 1.0  (Started 6/16/25)</a:t>
+              <a:t>6/21/25, Version 1.0  (Started 6/16/25)</a:t>
             </a:r>
           </a:p>
           <a:p>
             <a:r>
               <a:rPr lang="en-US" sz="1600" dirty="0"/>
-              <a:t>Location: …</a:t>
-            </a:r>
-            <a:r>
-              <a:rPr lang="en-US" sz="1600" dirty="0" err="1"/>
-              <a:t>tbd</a:t>
-            </a:r>
-            <a:endParaRPr lang="en-US" sz="1600" dirty="0"/>
+              <a:t>Location: /articles-repo/architecture/</a:t>
+            </a:r>
           </a:p>
         </p:txBody>
       </p:sp>
@@ -3544,10 +4057,3796 @@
           </a:p>
         </p:txBody>
       </p:sp>
+      <p:sp>
+        <p:nvSpPr>
+          <p:cNvPr id="5" name="Rectangle 4">
+            <a:extLst>
+              <a:ext uri="{FF2B5EF4-FFF2-40B4-BE49-F238E27FC236}">
+                <a16:creationId xmlns:a16="http://schemas.microsoft.com/office/drawing/2014/main" id="{E761D7BF-328E-A394-10A1-177AA87FDC6F}"/>
+              </a:ext>
+            </a:extLst>
+          </p:cNvPr>
+          <p:cNvSpPr/>
+          <p:nvPr/>
+        </p:nvSpPr>
+        <p:spPr>
+          <a:xfrm>
+            <a:off x="2957884" y="4698507"/>
+            <a:ext cx="6599583" cy="485743"/>
+          </a:xfrm>
+          <a:prstGeom prst="rect">
+            <a:avLst/>
+          </a:prstGeom>
+          <a:noFill/>
+        </p:spPr>
+        <p:style>
+          <a:lnRef idx="2">
+            <a:schemeClr val="accent1">
+              <a:shade val="15000"/>
+            </a:schemeClr>
+          </a:lnRef>
+          <a:fillRef idx="1">
+            <a:schemeClr val="accent1"/>
+          </a:fillRef>
+          <a:effectRef idx="0">
+            <a:schemeClr val="accent1"/>
+          </a:effectRef>
+          <a:fontRef idx="minor">
+            <a:schemeClr val="lt1"/>
+          </a:fontRef>
+        </p:style>
+        <p:txBody>
+          <a:bodyPr rtlCol="0" anchor="ctr"/>
+          <a:lstStyle/>
+          <a:p>
+            <a:pPr algn="ctr"/>
+            <a:r>
+              <a:rPr lang="en-US" dirty="0">
+                <a:solidFill>
+                  <a:srgbClr val="C808C8"/>
+                </a:solidFill>
+              </a:rPr>
+              <a:t>Applied GenAI Starter Notes for Advanced Developers</a:t>
+            </a:r>
+          </a:p>
+        </p:txBody>
+      </p:sp>
     </p:spTree>
     <p:extLst>
       <p:ext uri="{BB962C8B-B14F-4D97-AF65-F5344CB8AC3E}">
         <p14:creationId xmlns:p14="http://schemas.microsoft.com/office/powerpoint/2010/main" val="3636684159"/>
+      </p:ext>
+    </p:extLst>
+  </p:cSld>
+  <p:clrMapOvr>
+    <a:masterClrMapping/>
+  </p:clrMapOvr>
+</p:sld>
+</file>
+
+<file path=ppt/slides/slide10.xml><?xml version="1.0" encoding="utf-8"?>
+<p:sld xmlns:a="http://schemas.openxmlformats.org/drawingml/2006/main" xmlns:r="http://schemas.openxmlformats.org/officeDocument/2006/relationships" xmlns:p="http://schemas.openxmlformats.org/presentationml/2006/main">
+  <p:cSld>
+    <p:spTree>
+      <p:nvGrpSpPr>
+        <p:cNvPr id="1" name=""/>
+        <p:cNvGrpSpPr/>
+        <p:nvPr/>
+      </p:nvGrpSpPr>
+      <p:grpSpPr>
+        <a:xfrm>
+          <a:off x="0" y="0"/>
+          <a:ext cx="0" cy="0"/>
+          <a:chOff x="0" y="0"/>
+          <a:chExt cx="0" cy="0"/>
+        </a:xfrm>
+      </p:grpSpPr>
+      <p:sp>
+        <p:nvSpPr>
+          <p:cNvPr id="4" name="Title 3">
+            <a:extLst>
+              <a:ext uri="{FF2B5EF4-FFF2-40B4-BE49-F238E27FC236}">
+                <a16:creationId xmlns:a16="http://schemas.microsoft.com/office/drawing/2014/main" id="{0D0E3244-86CC-ED51-EFBC-B4D48F99AEED}"/>
+              </a:ext>
+            </a:extLst>
+          </p:cNvPr>
+          <p:cNvSpPr>
+            <a:spLocks noGrp="1"/>
+          </p:cNvSpPr>
+          <p:nvPr>
+            <p:ph type="title"/>
+          </p:nvPr>
+        </p:nvSpPr>
+        <p:spPr/>
+        <p:txBody>
+          <a:bodyPr/>
+          <a:lstStyle/>
+          <a:p>
+            <a:r>
+              <a:rPr lang="en-US" dirty="0"/>
+              <a:t>Strategic work: Platform</a:t>
+            </a:r>
+          </a:p>
+        </p:txBody>
+      </p:sp>
+      <p:sp>
+        <p:nvSpPr>
+          <p:cNvPr id="3" name="Content Placeholder 2">
+            <a:extLst>
+              <a:ext uri="{FF2B5EF4-FFF2-40B4-BE49-F238E27FC236}">
+                <a16:creationId xmlns:a16="http://schemas.microsoft.com/office/drawing/2014/main" id="{5F640BAD-5564-4449-341E-F0DC31C356F5}"/>
+              </a:ext>
+            </a:extLst>
+          </p:cNvPr>
+          <p:cNvSpPr>
+            <a:spLocks noGrp="1"/>
+          </p:cNvSpPr>
+          <p:nvPr>
+            <p:ph idx="1"/>
+          </p:nvPr>
+        </p:nvSpPr>
+        <p:spPr>
+          <a:ln>
+            <a:noFill/>
+          </a:ln>
+        </p:spPr>
+        <p:txBody>
+          <a:bodyPr/>
+          <a:lstStyle/>
+          <a:p>
+            <a:pPr marL="342900" indent="-342900">
+              <a:buFont typeface="+mj-lt"/>
+              <a:buAutoNum type="arabicPeriod"/>
+            </a:pPr>
+            <a:r>
+              <a:rPr lang="en-US" sz="1800" dirty="0"/>
+              <a:t>Multi-user</a:t>
+            </a:r>
+          </a:p>
+          <a:p>
+            <a:pPr marL="342900" indent="-342900">
+              <a:buFont typeface="+mj-lt"/>
+              <a:buAutoNum type="arabicPeriod"/>
+            </a:pPr>
+            <a:r>
+              <a:rPr lang="en-US" sz="1800" dirty="0" err="1"/>
+              <a:t>Mulit</a:t>
+            </a:r>
+            <a:r>
+              <a:rPr lang="en-US" sz="1800" dirty="0"/>
+              <a:t>-tenanted</a:t>
+            </a:r>
+          </a:p>
+          <a:p>
+            <a:pPr marL="342900" indent="-342900">
+              <a:buFont typeface="+mj-lt"/>
+              <a:buAutoNum type="arabicPeriod"/>
+            </a:pPr>
+            <a:r>
+              <a:rPr lang="en-US" sz="1800" dirty="0"/>
+              <a:t>Web based deployment</a:t>
+            </a:r>
+          </a:p>
+          <a:p>
+            <a:pPr marL="342900" indent="-342900">
+              <a:buFont typeface="+mj-lt"/>
+              <a:buAutoNum type="arabicPeriod"/>
+            </a:pPr>
+            <a:r>
+              <a:rPr lang="en-US" sz="1800" dirty="0"/>
+              <a:t>Mobile – Responsive UX version</a:t>
+            </a:r>
+          </a:p>
+          <a:p>
+            <a:pPr marL="342900" indent="-342900">
+              <a:buFont typeface="+mj-lt"/>
+              <a:buAutoNum type="arabicPeriod"/>
+            </a:pPr>
+            <a:r>
+              <a:rPr lang="en-US" sz="1800" dirty="0"/>
+              <a:t>Mobile – Native using Google Flutter</a:t>
+            </a:r>
+          </a:p>
+        </p:txBody>
+      </p:sp>
+      <p:sp>
+        <p:nvSpPr>
+          <p:cNvPr id="2" name="Slide Number Placeholder 1">
+            <a:extLst>
+              <a:ext uri="{FF2B5EF4-FFF2-40B4-BE49-F238E27FC236}">
+                <a16:creationId xmlns:a16="http://schemas.microsoft.com/office/drawing/2014/main" id="{58065E80-6FA4-305C-D89F-9C4C2F48B179}"/>
+              </a:ext>
+            </a:extLst>
+          </p:cNvPr>
+          <p:cNvSpPr>
+            <a:spLocks noGrp="1"/>
+          </p:cNvSpPr>
+          <p:nvPr>
+            <p:ph type="sldNum" sz="quarter" idx="12"/>
+          </p:nvPr>
+        </p:nvSpPr>
+        <p:spPr/>
+        <p:txBody>
+          <a:bodyPr/>
+          <a:lstStyle/>
+          <a:p>
+            <a:fld id="{80473052-BA07-4FC5-9696-A0F7625044DE}" type="slidenum">
+              <a:rPr lang="en-US" smtClean="0"/>
+              <a:t>10</a:t>
+            </a:fld>
+            <a:endParaRPr lang="en-US"/>
+          </a:p>
+        </p:txBody>
+      </p:sp>
+      <p:sp>
+        <p:nvSpPr>
+          <p:cNvPr id="5" name="Text Placeholder 4">
+            <a:extLst>
+              <a:ext uri="{FF2B5EF4-FFF2-40B4-BE49-F238E27FC236}">
+                <a16:creationId xmlns:a16="http://schemas.microsoft.com/office/drawing/2014/main" id="{A4AD4569-5AAB-6E49-B8EF-7B66196C5C92}"/>
+              </a:ext>
+            </a:extLst>
+          </p:cNvPr>
+          <p:cNvSpPr>
+            <a:spLocks noGrp="1"/>
+          </p:cNvSpPr>
+          <p:nvPr>
+            <p:ph type="body" sz="quarter" idx="13"/>
+          </p:nvPr>
+        </p:nvSpPr>
+        <p:spPr>
+          <a:xfrm>
+            <a:off x="9348833" y="1225211"/>
+            <a:ext cx="2556768" cy="2627598"/>
+          </a:xfrm>
+        </p:spPr>
+        <p:txBody>
+          <a:bodyPr/>
+          <a:lstStyle/>
+          <a:p>
+            <a:r>
+              <a:rPr lang="en-US" dirty="0" err="1"/>
+              <a:t>Devops</a:t>
+            </a:r>
+            <a:endParaRPr lang="en-US" dirty="0"/>
+          </a:p>
+          <a:p>
+            <a:r>
+              <a:rPr lang="en-US" dirty="0"/>
+              <a:t>Google Cloud</a:t>
+            </a:r>
+          </a:p>
+          <a:p>
+            <a:r>
+              <a:rPr lang="en-US" dirty="0"/>
+              <a:t>React stack from </a:t>
+            </a:r>
+            <a:r>
+              <a:rPr lang="en-US" dirty="0" err="1"/>
+              <a:t>Copilotkit</a:t>
+            </a:r>
+            <a:r>
+              <a:rPr lang="en-US" dirty="0"/>
+              <a:t> or Assistant </a:t>
+            </a:r>
+            <a:r>
+              <a:rPr lang="en-US" dirty="0" err="1"/>
+              <a:t>Ux</a:t>
+            </a:r>
+            <a:endParaRPr lang="en-US" dirty="0"/>
+          </a:p>
+          <a:p>
+            <a:r>
+              <a:rPr lang="en-US" dirty="0"/>
+              <a:t>Flutter</a:t>
+            </a:r>
+          </a:p>
+          <a:p>
+            <a:endParaRPr lang="en-US" dirty="0"/>
+          </a:p>
+          <a:p>
+            <a:endParaRPr lang="en-US" dirty="0"/>
+          </a:p>
+        </p:txBody>
+      </p:sp>
+      <p:sp>
+        <p:nvSpPr>
+          <p:cNvPr id="6" name="Text Placeholder 5">
+            <a:extLst>
+              <a:ext uri="{FF2B5EF4-FFF2-40B4-BE49-F238E27FC236}">
+                <a16:creationId xmlns:a16="http://schemas.microsoft.com/office/drawing/2014/main" id="{A1CDB29D-6882-3B8A-8CEB-BCF193FF1395}"/>
+              </a:ext>
+            </a:extLst>
+          </p:cNvPr>
+          <p:cNvSpPr>
+            <a:spLocks noGrp="1"/>
+          </p:cNvSpPr>
+          <p:nvPr>
+            <p:ph type="body" sz="quarter" idx="14"/>
+          </p:nvPr>
+        </p:nvSpPr>
+        <p:spPr/>
+        <p:txBody>
+          <a:bodyPr/>
+          <a:lstStyle/>
+          <a:p>
+            <a:r>
+              <a:rPr lang="en-US" dirty="0"/>
+              <a:t>Notes/Technologies</a:t>
+            </a:r>
+          </a:p>
+        </p:txBody>
+      </p:sp>
+    </p:spTree>
+    <p:extLst>
+      <p:ext uri="{BB962C8B-B14F-4D97-AF65-F5344CB8AC3E}">
+        <p14:creationId xmlns:p14="http://schemas.microsoft.com/office/powerpoint/2010/main" val="873046487"/>
+      </p:ext>
+    </p:extLst>
+  </p:cSld>
+  <p:clrMapOvr>
+    <a:masterClrMapping/>
+  </p:clrMapOvr>
+</p:sld>
+</file>
+
+<file path=ppt/slides/slide11.xml><?xml version="1.0" encoding="utf-8"?>
+<p:sld xmlns:a="http://schemas.openxmlformats.org/drawingml/2006/main" xmlns:r="http://schemas.openxmlformats.org/officeDocument/2006/relationships" xmlns:p="http://schemas.openxmlformats.org/presentationml/2006/main">
+  <p:cSld>
+    <p:spTree>
+      <p:nvGrpSpPr>
+        <p:cNvPr id="1" name=""/>
+        <p:cNvGrpSpPr/>
+        <p:nvPr/>
+      </p:nvGrpSpPr>
+      <p:grpSpPr>
+        <a:xfrm>
+          <a:off x="0" y="0"/>
+          <a:ext cx="0" cy="0"/>
+          <a:chOff x="0" y="0"/>
+          <a:chExt cx="0" cy="0"/>
+        </a:xfrm>
+      </p:grpSpPr>
+      <p:sp>
+        <p:nvSpPr>
+          <p:cNvPr id="2" name="Title 1">
+            <a:extLst>
+              <a:ext uri="{FF2B5EF4-FFF2-40B4-BE49-F238E27FC236}">
+                <a16:creationId xmlns:a16="http://schemas.microsoft.com/office/drawing/2014/main" id="{0AE687A3-72B9-622D-CE85-D3794DACED67}"/>
+              </a:ext>
+            </a:extLst>
+          </p:cNvPr>
+          <p:cNvSpPr>
+            <a:spLocks noGrp="1"/>
+          </p:cNvSpPr>
+          <p:nvPr>
+            <p:ph type="ctrTitle"/>
+          </p:nvPr>
+        </p:nvSpPr>
+        <p:spPr/>
+        <p:txBody>
+          <a:bodyPr/>
+          <a:lstStyle/>
+          <a:p>
+            <a:r>
+              <a:rPr lang="en-US" dirty="0"/>
+              <a:t>Tactical work</a:t>
+            </a:r>
+            <a:br>
+              <a:rPr lang="en-US" dirty="0"/>
+            </a:br>
+            <a:r>
+              <a:rPr lang="en-US" sz="2800" i="1" dirty="0">
+                <a:solidFill>
+                  <a:srgbClr val="00B050"/>
+                </a:solidFill>
+              </a:rPr>
+              <a:t>- Vertical Templates for Application -</a:t>
+            </a:r>
+            <a:endParaRPr lang="en-US" i="1" dirty="0">
+              <a:solidFill>
+                <a:srgbClr val="00B050"/>
+              </a:solidFill>
+            </a:endParaRPr>
+          </a:p>
+        </p:txBody>
+      </p:sp>
+      <p:sp>
+        <p:nvSpPr>
+          <p:cNvPr id="4" name="Slide Number Placeholder 3">
+            <a:extLst>
+              <a:ext uri="{FF2B5EF4-FFF2-40B4-BE49-F238E27FC236}">
+                <a16:creationId xmlns:a16="http://schemas.microsoft.com/office/drawing/2014/main" id="{8DF40182-E6B8-520F-7A96-E1EF7B5AFB9F}"/>
+              </a:ext>
+            </a:extLst>
+          </p:cNvPr>
+          <p:cNvSpPr>
+            <a:spLocks noGrp="1"/>
+          </p:cNvSpPr>
+          <p:nvPr>
+            <p:ph type="sldNum" sz="quarter" idx="12"/>
+          </p:nvPr>
+        </p:nvSpPr>
+        <p:spPr/>
+        <p:txBody>
+          <a:bodyPr/>
+          <a:lstStyle/>
+          <a:p>
+            <a:fld id="{80473052-BA07-4FC5-9696-A0F7625044DE}" type="slidenum">
+              <a:rPr lang="en-US" smtClean="0"/>
+              <a:t>11</a:t>
+            </a:fld>
+            <a:endParaRPr lang="en-US"/>
+          </a:p>
+        </p:txBody>
+      </p:sp>
+    </p:spTree>
+    <p:extLst>
+      <p:ext uri="{BB962C8B-B14F-4D97-AF65-F5344CB8AC3E}">
+        <p14:creationId xmlns:p14="http://schemas.microsoft.com/office/powerpoint/2010/main" val="1122112406"/>
+      </p:ext>
+    </p:extLst>
+  </p:cSld>
+  <p:clrMapOvr>
+    <a:masterClrMapping/>
+  </p:clrMapOvr>
+</p:sld>
+</file>
+
+<file path=ppt/slides/slide12.xml><?xml version="1.0" encoding="utf-8"?>
+<p:sld xmlns:a="http://schemas.openxmlformats.org/drawingml/2006/main" xmlns:r="http://schemas.openxmlformats.org/officeDocument/2006/relationships" xmlns:p="http://schemas.openxmlformats.org/presentationml/2006/main">
+  <p:cSld>
+    <p:spTree>
+      <p:nvGrpSpPr>
+        <p:cNvPr id="1" name=""/>
+        <p:cNvGrpSpPr/>
+        <p:nvPr/>
+      </p:nvGrpSpPr>
+      <p:grpSpPr>
+        <a:xfrm>
+          <a:off x="0" y="0"/>
+          <a:ext cx="0" cy="0"/>
+          <a:chOff x="0" y="0"/>
+          <a:chExt cx="0" cy="0"/>
+        </a:xfrm>
+      </p:grpSpPr>
+      <p:sp>
+        <p:nvSpPr>
+          <p:cNvPr id="4" name="Title 3">
+            <a:extLst>
+              <a:ext uri="{FF2B5EF4-FFF2-40B4-BE49-F238E27FC236}">
+                <a16:creationId xmlns:a16="http://schemas.microsoft.com/office/drawing/2014/main" id="{0D0E3244-86CC-ED51-EFBC-B4D48F99AEED}"/>
+              </a:ext>
+            </a:extLst>
+          </p:cNvPr>
+          <p:cNvSpPr>
+            <a:spLocks noGrp="1"/>
+          </p:cNvSpPr>
+          <p:nvPr>
+            <p:ph type="title"/>
+          </p:nvPr>
+        </p:nvSpPr>
+        <p:spPr/>
+        <p:txBody>
+          <a:bodyPr/>
+          <a:lstStyle/>
+          <a:p>
+            <a:r>
+              <a:rPr lang="en-US" dirty="0"/>
+              <a:t>Tactical App Template</a:t>
+            </a:r>
+          </a:p>
+        </p:txBody>
+      </p:sp>
+      <p:sp>
+        <p:nvSpPr>
+          <p:cNvPr id="3" name="Content Placeholder 2">
+            <a:extLst>
+              <a:ext uri="{FF2B5EF4-FFF2-40B4-BE49-F238E27FC236}">
+                <a16:creationId xmlns:a16="http://schemas.microsoft.com/office/drawing/2014/main" id="{5F640BAD-5564-4449-341E-F0DC31C356F5}"/>
+              </a:ext>
+            </a:extLst>
+          </p:cNvPr>
+          <p:cNvSpPr>
+            <a:spLocks noGrp="1"/>
+          </p:cNvSpPr>
+          <p:nvPr>
+            <p:ph idx="1"/>
+          </p:nvPr>
+        </p:nvSpPr>
+        <p:spPr>
+          <a:ln>
+            <a:noFill/>
+          </a:ln>
+        </p:spPr>
+        <p:txBody>
+          <a:bodyPr/>
+          <a:lstStyle/>
+          <a:p>
+            <a:pPr marL="342900" indent="-342900">
+              <a:buFont typeface="+mj-lt"/>
+              <a:buAutoNum type="arabicPeriod"/>
+            </a:pPr>
+            <a:r>
+              <a:rPr lang="en-US" sz="1800" dirty="0"/>
+              <a:t>Assistant-</a:t>
+            </a:r>
+            <a:r>
+              <a:rPr lang="en-US" sz="1800" dirty="0" err="1"/>
+              <a:t>ui</a:t>
+            </a:r>
+            <a:r>
+              <a:rPr lang="en-US" sz="1800" dirty="0"/>
+              <a:t> chat</a:t>
+            </a:r>
+          </a:p>
+          <a:p>
+            <a:pPr marL="342900" indent="-342900">
+              <a:buFont typeface="+mj-lt"/>
+              <a:buAutoNum type="arabicPeriod"/>
+            </a:pPr>
+            <a:r>
+              <a:rPr lang="en-US" sz="1800" dirty="0"/>
+              <a:t>LLM integration</a:t>
+            </a:r>
+          </a:p>
+          <a:p>
+            <a:pPr marL="342900" indent="-342900">
+              <a:buFont typeface="+mj-lt"/>
+              <a:buAutoNum type="arabicPeriod"/>
+            </a:pPr>
+            <a:r>
+              <a:rPr lang="en-US" sz="1800" dirty="0"/>
+              <a:t>MCP Tools integration</a:t>
+            </a:r>
+          </a:p>
+          <a:p>
+            <a:pPr marL="342900" indent="-342900">
+              <a:buFont typeface="+mj-lt"/>
+              <a:buAutoNum type="arabicPeriod"/>
+            </a:pPr>
+            <a:r>
+              <a:rPr lang="en-US" sz="1800" dirty="0"/>
+              <a:t>Vector integration with MCP tools</a:t>
+            </a:r>
+          </a:p>
+          <a:p>
+            <a:pPr marL="342900" indent="-342900">
+              <a:buFont typeface="+mj-lt"/>
+              <a:buAutoNum type="arabicPeriod"/>
+            </a:pPr>
+            <a:r>
+              <a:rPr lang="en-US" sz="1800" dirty="0"/>
+              <a:t>Agentic Sockets implementation for MCP and Agents</a:t>
+            </a:r>
+          </a:p>
+          <a:p>
+            <a:pPr marL="342900" indent="-342900">
+              <a:buFont typeface="+mj-lt"/>
+              <a:buAutoNum type="arabicPeriod"/>
+            </a:pPr>
+            <a:r>
+              <a:rPr lang="en-US" sz="1800" dirty="0" err="1"/>
+              <a:t>CrewAI</a:t>
+            </a:r>
+            <a:r>
+              <a:rPr lang="en-US" sz="1800" dirty="0"/>
+              <a:t> integration</a:t>
+            </a:r>
+          </a:p>
+          <a:p>
+            <a:pPr marL="342900" indent="-342900">
+              <a:buFont typeface="+mj-lt"/>
+              <a:buAutoNum type="arabicPeriod"/>
+            </a:pPr>
+            <a:r>
+              <a:rPr lang="en-US" sz="1800" dirty="0"/>
+              <a:t>Few </a:t>
+            </a:r>
+            <a:r>
+              <a:rPr lang="en-US" sz="1800" dirty="0" err="1"/>
+              <a:t>CrewAI</a:t>
+            </a:r>
+            <a:r>
+              <a:rPr lang="en-US" sz="1800" dirty="0"/>
+              <a:t> apps</a:t>
+            </a:r>
+          </a:p>
+        </p:txBody>
+      </p:sp>
+      <p:sp>
+        <p:nvSpPr>
+          <p:cNvPr id="2" name="Slide Number Placeholder 1">
+            <a:extLst>
+              <a:ext uri="{FF2B5EF4-FFF2-40B4-BE49-F238E27FC236}">
+                <a16:creationId xmlns:a16="http://schemas.microsoft.com/office/drawing/2014/main" id="{58065E80-6FA4-305C-D89F-9C4C2F48B179}"/>
+              </a:ext>
+            </a:extLst>
+          </p:cNvPr>
+          <p:cNvSpPr>
+            <a:spLocks noGrp="1"/>
+          </p:cNvSpPr>
+          <p:nvPr>
+            <p:ph type="sldNum" sz="quarter" idx="12"/>
+          </p:nvPr>
+        </p:nvSpPr>
+        <p:spPr/>
+        <p:txBody>
+          <a:bodyPr/>
+          <a:lstStyle/>
+          <a:p>
+            <a:fld id="{80473052-BA07-4FC5-9696-A0F7625044DE}" type="slidenum">
+              <a:rPr lang="en-US" smtClean="0"/>
+              <a:t>12</a:t>
+            </a:fld>
+            <a:endParaRPr lang="en-US"/>
+          </a:p>
+        </p:txBody>
+      </p:sp>
+      <p:sp>
+        <p:nvSpPr>
+          <p:cNvPr id="5" name="Text Placeholder 4">
+            <a:extLst>
+              <a:ext uri="{FF2B5EF4-FFF2-40B4-BE49-F238E27FC236}">
+                <a16:creationId xmlns:a16="http://schemas.microsoft.com/office/drawing/2014/main" id="{A4AD4569-5AAB-6E49-B8EF-7B66196C5C92}"/>
+              </a:ext>
+            </a:extLst>
+          </p:cNvPr>
+          <p:cNvSpPr>
+            <a:spLocks noGrp="1"/>
+          </p:cNvSpPr>
+          <p:nvPr>
+            <p:ph type="body" sz="quarter" idx="13"/>
+          </p:nvPr>
+        </p:nvSpPr>
+        <p:spPr>
+          <a:xfrm>
+            <a:off x="9348833" y="1225211"/>
+            <a:ext cx="2556768" cy="2627598"/>
+          </a:xfrm>
+        </p:spPr>
+        <p:txBody>
+          <a:bodyPr/>
+          <a:lstStyle/>
+          <a:p>
+            <a:r>
+              <a:rPr lang="en-US" dirty="0"/>
+              <a:t>Assistant UI</a:t>
+            </a:r>
+          </a:p>
+          <a:p>
+            <a:r>
+              <a:rPr lang="en-US" dirty="0"/>
+              <a:t>MCP</a:t>
+            </a:r>
+          </a:p>
+          <a:p>
+            <a:r>
+              <a:rPr lang="en-US" dirty="0" err="1"/>
+              <a:t>CrewAI</a:t>
+            </a:r>
+            <a:endParaRPr lang="en-US" dirty="0"/>
+          </a:p>
+          <a:p>
+            <a:r>
+              <a:rPr lang="en-US" dirty="0"/>
+              <a:t>Follow Cross-Pollination slide for collaboration notes</a:t>
+            </a:r>
+          </a:p>
+          <a:p>
+            <a:r>
+              <a:rPr lang="en-US" dirty="0"/>
+              <a:t>Use Duane’s assistant-</a:t>
+            </a:r>
+            <a:r>
+              <a:rPr lang="en-US" dirty="0" err="1"/>
+              <a:t>ui</a:t>
+            </a:r>
+            <a:r>
+              <a:rPr lang="en-US" dirty="0"/>
+              <a:t> repo as a starting point</a:t>
+            </a:r>
+          </a:p>
+          <a:p>
+            <a:endParaRPr lang="en-US" dirty="0"/>
+          </a:p>
+          <a:p>
+            <a:endParaRPr lang="en-US" dirty="0"/>
+          </a:p>
+        </p:txBody>
+      </p:sp>
+      <p:sp>
+        <p:nvSpPr>
+          <p:cNvPr id="6" name="Text Placeholder 5">
+            <a:extLst>
+              <a:ext uri="{FF2B5EF4-FFF2-40B4-BE49-F238E27FC236}">
+                <a16:creationId xmlns:a16="http://schemas.microsoft.com/office/drawing/2014/main" id="{A1CDB29D-6882-3B8A-8CEB-BCF193FF1395}"/>
+              </a:ext>
+            </a:extLst>
+          </p:cNvPr>
+          <p:cNvSpPr>
+            <a:spLocks noGrp="1"/>
+          </p:cNvSpPr>
+          <p:nvPr>
+            <p:ph type="body" sz="quarter" idx="14"/>
+          </p:nvPr>
+        </p:nvSpPr>
+        <p:spPr/>
+        <p:txBody>
+          <a:bodyPr/>
+          <a:lstStyle/>
+          <a:p>
+            <a:r>
+              <a:rPr lang="en-US" dirty="0"/>
+              <a:t>Notes/Technologies</a:t>
+            </a:r>
+          </a:p>
+        </p:txBody>
+      </p:sp>
+    </p:spTree>
+    <p:extLst>
+      <p:ext uri="{BB962C8B-B14F-4D97-AF65-F5344CB8AC3E}">
+        <p14:creationId xmlns:p14="http://schemas.microsoft.com/office/powerpoint/2010/main" val="3961468895"/>
+      </p:ext>
+    </p:extLst>
+  </p:cSld>
+  <p:clrMapOvr>
+    <a:masterClrMapping/>
+  </p:clrMapOvr>
+</p:sld>
+</file>
+
+<file path=ppt/slides/slide13.xml><?xml version="1.0" encoding="utf-8"?>
+<p:sld xmlns:a="http://schemas.openxmlformats.org/drawingml/2006/main" xmlns:r="http://schemas.openxmlformats.org/officeDocument/2006/relationships" xmlns:p="http://schemas.openxmlformats.org/presentationml/2006/main">
+  <p:cSld>
+    <p:spTree>
+      <p:nvGrpSpPr>
+        <p:cNvPr id="1" name=""/>
+        <p:cNvGrpSpPr/>
+        <p:nvPr/>
+      </p:nvGrpSpPr>
+      <p:grpSpPr>
+        <a:xfrm>
+          <a:off x="0" y="0"/>
+          <a:ext cx="0" cy="0"/>
+          <a:chOff x="0" y="0"/>
+          <a:chExt cx="0" cy="0"/>
+        </a:xfrm>
+      </p:grpSpPr>
+      <p:sp>
+        <p:nvSpPr>
+          <p:cNvPr id="2" name="Title 1">
+            <a:extLst>
+              <a:ext uri="{FF2B5EF4-FFF2-40B4-BE49-F238E27FC236}">
+                <a16:creationId xmlns:a16="http://schemas.microsoft.com/office/drawing/2014/main" id="{0AE687A3-72B9-622D-CE85-D3794DACED67}"/>
+              </a:ext>
+            </a:extLst>
+          </p:cNvPr>
+          <p:cNvSpPr>
+            <a:spLocks noGrp="1"/>
+          </p:cNvSpPr>
+          <p:nvPr>
+            <p:ph type="ctrTitle"/>
+          </p:nvPr>
+        </p:nvSpPr>
+        <p:spPr/>
+        <p:txBody>
+          <a:bodyPr>
+            <a:normAutofit/>
+          </a:bodyPr>
+          <a:lstStyle/>
+          <a:p>
+            <a:r>
+              <a:rPr lang="en-US" dirty="0"/>
+              <a:t>A Value Framework for Applied GenAI</a:t>
+            </a:r>
+            <a:endParaRPr lang="en-US" i="1" dirty="0">
+              <a:solidFill>
+                <a:srgbClr val="00B050"/>
+              </a:solidFill>
+            </a:endParaRPr>
+          </a:p>
+        </p:txBody>
+      </p:sp>
+      <p:sp>
+        <p:nvSpPr>
+          <p:cNvPr id="4" name="Slide Number Placeholder 3">
+            <a:extLst>
+              <a:ext uri="{FF2B5EF4-FFF2-40B4-BE49-F238E27FC236}">
+                <a16:creationId xmlns:a16="http://schemas.microsoft.com/office/drawing/2014/main" id="{8DF40182-E6B8-520F-7A96-E1EF7B5AFB9F}"/>
+              </a:ext>
+            </a:extLst>
+          </p:cNvPr>
+          <p:cNvSpPr>
+            <a:spLocks noGrp="1"/>
+          </p:cNvSpPr>
+          <p:nvPr>
+            <p:ph type="sldNum" sz="quarter" idx="12"/>
+          </p:nvPr>
+        </p:nvSpPr>
+        <p:spPr/>
+        <p:txBody>
+          <a:bodyPr/>
+          <a:lstStyle/>
+          <a:p>
+            <a:fld id="{80473052-BA07-4FC5-9696-A0F7625044DE}" type="slidenum">
+              <a:rPr lang="en-US" smtClean="0"/>
+              <a:t>13</a:t>
+            </a:fld>
+            <a:endParaRPr lang="en-US"/>
+          </a:p>
+        </p:txBody>
+      </p:sp>
+    </p:spTree>
+    <p:extLst>
+      <p:ext uri="{BB962C8B-B14F-4D97-AF65-F5344CB8AC3E}">
+        <p14:creationId xmlns:p14="http://schemas.microsoft.com/office/powerpoint/2010/main" val="2022635810"/>
+      </p:ext>
+    </p:extLst>
+  </p:cSld>
+  <p:clrMapOvr>
+    <a:masterClrMapping/>
+  </p:clrMapOvr>
+</p:sld>
+</file>
+
+<file path=ppt/slides/slide14.xml><?xml version="1.0" encoding="utf-8"?>
+<p:sld xmlns:a="http://schemas.openxmlformats.org/drawingml/2006/main" xmlns:r="http://schemas.openxmlformats.org/officeDocument/2006/relationships" xmlns:p="http://schemas.openxmlformats.org/presentationml/2006/main">
+  <p:cSld>
+    <p:spTree>
+      <p:nvGrpSpPr>
+        <p:cNvPr id="1" name=""/>
+        <p:cNvGrpSpPr/>
+        <p:nvPr/>
+      </p:nvGrpSpPr>
+      <p:grpSpPr>
+        <a:xfrm>
+          <a:off x="0" y="0"/>
+          <a:ext cx="0" cy="0"/>
+          <a:chOff x="0" y="0"/>
+          <a:chExt cx="0" cy="0"/>
+        </a:xfrm>
+      </p:grpSpPr>
+      <p:sp>
+        <p:nvSpPr>
+          <p:cNvPr id="4" name="Title 3">
+            <a:extLst>
+              <a:ext uri="{FF2B5EF4-FFF2-40B4-BE49-F238E27FC236}">
+                <a16:creationId xmlns:a16="http://schemas.microsoft.com/office/drawing/2014/main" id="{0D0E3244-86CC-ED51-EFBC-B4D48F99AEED}"/>
+              </a:ext>
+            </a:extLst>
+          </p:cNvPr>
+          <p:cNvSpPr>
+            <a:spLocks noGrp="1"/>
+          </p:cNvSpPr>
+          <p:nvPr>
+            <p:ph type="title"/>
+          </p:nvPr>
+        </p:nvSpPr>
+        <p:spPr/>
+        <p:txBody>
+          <a:bodyPr/>
+          <a:lstStyle/>
+          <a:p>
+            <a:r>
+              <a:rPr lang="en-US" dirty="0"/>
+              <a:t>Thought</a:t>
+            </a:r>
+          </a:p>
+        </p:txBody>
+      </p:sp>
+      <p:sp>
+        <p:nvSpPr>
+          <p:cNvPr id="3" name="Slide Number Placeholder 2">
+            <a:extLst>
+              <a:ext uri="{FF2B5EF4-FFF2-40B4-BE49-F238E27FC236}">
+                <a16:creationId xmlns:a16="http://schemas.microsoft.com/office/drawing/2014/main" id="{08336154-486A-B2F4-8DBD-C508C65D328D}"/>
+              </a:ext>
+            </a:extLst>
+          </p:cNvPr>
+          <p:cNvSpPr>
+            <a:spLocks noGrp="1"/>
+          </p:cNvSpPr>
+          <p:nvPr>
+            <p:ph type="sldNum" sz="quarter" idx="12"/>
+          </p:nvPr>
+        </p:nvSpPr>
+        <p:spPr/>
+        <p:txBody>
+          <a:bodyPr/>
+          <a:lstStyle/>
+          <a:p>
+            <a:fld id="{80473052-BA07-4FC5-9696-A0F7625044DE}" type="slidenum">
+              <a:rPr lang="en-US" smtClean="0"/>
+              <a:t>14</a:t>
+            </a:fld>
+            <a:endParaRPr lang="en-US"/>
+          </a:p>
+        </p:txBody>
+      </p:sp>
+      <p:pic>
+        <p:nvPicPr>
+          <p:cNvPr id="6" name="Picture 5">
+            <a:extLst>
+              <a:ext uri="{FF2B5EF4-FFF2-40B4-BE49-F238E27FC236}">
+                <a16:creationId xmlns:a16="http://schemas.microsoft.com/office/drawing/2014/main" id="{B1D132D0-6BD6-345D-2403-55F888A224F8}"/>
+              </a:ext>
+            </a:extLst>
+          </p:cNvPr>
+          <p:cNvPicPr>
+            <a:picLocks noChangeAspect="1"/>
+          </p:cNvPicPr>
+          <p:nvPr/>
+        </p:nvPicPr>
+        <p:blipFill>
+          <a:blip r:embed="rId2"/>
+          <a:stretch>
+            <a:fillRect/>
+          </a:stretch>
+        </p:blipFill>
+        <p:spPr>
+          <a:xfrm>
+            <a:off x="3201587" y="728876"/>
+            <a:ext cx="4355933" cy="5810036"/>
+          </a:xfrm>
+          <a:prstGeom prst="rect">
+            <a:avLst/>
+          </a:prstGeom>
+        </p:spPr>
+      </p:pic>
+    </p:spTree>
+    <p:extLst>
+      <p:ext uri="{BB962C8B-B14F-4D97-AF65-F5344CB8AC3E}">
+        <p14:creationId xmlns:p14="http://schemas.microsoft.com/office/powerpoint/2010/main" val="2858074126"/>
+      </p:ext>
+    </p:extLst>
+  </p:cSld>
+  <p:clrMapOvr>
+    <a:masterClrMapping/>
+  </p:clrMapOvr>
+</p:sld>
+</file>
+
+<file path=ppt/slides/slide15.xml><?xml version="1.0" encoding="utf-8"?>
+<p:sld xmlns:a="http://schemas.openxmlformats.org/drawingml/2006/main" xmlns:r="http://schemas.openxmlformats.org/officeDocument/2006/relationships" xmlns:p="http://schemas.openxmlformats.org/presentationml/2006/main">
+  <p:cSld>
+    <p:spTree>
+      <p:nvGrpSpPr>
+        <p:cNvPr id="1" name=""/>
+        <p:cNvGrpSpPr/>
+        <p:nvPr/>
+      </p:nvGrpSpPr>
+      <p:grpSpPr>
+        <a:xfrm>
+          <a:off x="0" y="0"/>
+          <a:ext cx="0" cy="0"/>
+          <a:chOff x="0" y="0"/>
+          <a:chExt cx="0" cy="0"/>
+        </a:xfrm>
+      </p:grpSpPr>
+      <p:sp>
+        <p:nvSpPr>
+          <p:cNvPr id="4" name="Title 3">
+            <a:extLst>
+              <a:ext uri="{FF2B5EF4-FFF2-40B4-BE49-F238E27FC236}">
+                <a16:creationId xmlns:a16="http://schemas.microsoft.com/office/drawing/2014/main" id="{0D0E3244-86CC-ED51-EFBC-B4D48F99AEED}"/>
+              </a:ext>
+            </a:extLst>
+          </p:cNvPr>
+          <p:cNvSpPr>
+            <a:spLocks noGrp="1"/>
+          </p:cNvSpPr>
+          <p:nvPr>
+            <p:ph type="title"/>
+          </p:nvPr>
+        </p:nvSpPr>
+        <p:spPr/>
+        <p:txBody>
+          <a:bodyPr/>
+          <a:lstStyle/>
+          <a:p>
+            <a:r>
+              <a:rPr lang="en-US" dirty="0"/>
+              <a:t>Challenges and Necessities….</a:t>
+            </a:r>
+          </a:p>
+        </p:txBody>
+      </p:sp>
+      <p:sp>
+        <p:nvSpPr>
+          <p:cNvPr id="3" name="Content Placeholder 2">
+            <a:extLst>
+              <a:ext uri="{FF2B5EF4-FFF2-40B4-BE49-F238E27FC236}">
+                <a16:creationId xmlns:a16="http://schemas.microsoft.com/office/drawing/2014/main" id="{5F640BAD-5564-4449-341E-F0DC31C356F5}"/>
+              </a:ext>
+            </a:extLst>
+          </p:cNvPr>
+          <p:cNvSpPr>
+            <a:spLocks noGrp="1"/>
+          </p:cNvSpPr>
+          <p:nvPr>
+            <p:ph idx="4294967295"/>
+          </p:nvPr>
+        </p:nvSpPr>
+        <p:spPr>
+          <a:xfrm>
+            <a:off x="838200" y="1026635"/>
+            <a:ext cx="10515600" cy="1583215"/>
+          </a:xfrm>
+          <a:ln>
+            <a:noFill/>
+          </a:ln>
+        </p:spPr>
+        <p:txBody>
+          <a:bodyPr/>
+          <a:lstStyle/>
+          <a:p>
+            <a:pPr marL="342900" indent="-342900">
+              <a:buFont typeface="+mj-lt"/>
+              <a:buAutoNum type="arabicPeriod"/>
+            </a:pPr>
+            <a:r>
+              <a:rPr lang="en-US" sz="1800" dirty="0"/>
+              <a:t>Multiple vendors: OpenAI, MS Copilot, Aws Bedrock, Google…</a:t>
+            </a:r>
+            <a:r>
+              <a:rPr lang="en-US" sz="1800" dirty="0" err="1"/>
+              <a:t>etc</a:t>
+            </a:r>
+            <a:endParaRPr lang="en-US" sz="1800" dirty="0"/>
+          </a:p>
+          <a:p>
+            <a:pPr marL="342900" indent="-342900">
+              <a:buFont typeface="+mj-lt"/>
+              <a:buAutoNum type="arabicPeriod"/>
+            </a:pPr>
+            <a:r>
+              <a:rPr lang="en-US" sz="1800" dirty="0"/>
+              <a:t>Multiple libraries: LangChain, Llama Index, Assistant UI, </a:t>
+            </a:r>
+            <a:r>
+              <a:rPr lang="en-US" sz="1800" dirty="0" err="1"/>
+              <a:t>CopilotKit</a:t>
+            </a:r>
+            <a:r>
+              <a:rPr lang="en-US" sz="1800" dirty="0"/>
+              <a:t>, </a:t>
+            </a:r>
+            <a:r>
+              <a:rPr lang="en-US" sz="1800" dirty="0" err="1"/>
+              <a:t>CrewAI</a:t>
+            </a:r>
+            <a:r>
+              <a:rPr lang="en-US" sz="1800" dirty="0"/>
+              <a:t>, MCP, A2A</a:t>
+            </a:r>
+          </a:p>
+          <a:p>
+            <a:pPr marL="342900" indent="-342900">
+              <a:buFont typeface="+mj-lt"/>
+              <a:buAutoNum type="arabicPeriod"/>
+            </a:pPr>
+            <a:r>
+              <a:rPr lang="en-US" sz="1800" dirty="0"/>
+              <a:t>Changing fast, really fast</a:t>
+            </a:r>
+          </a:p>
+          <a:p>
+            <a:pPr marL="342900" indent="-342900">
+              <a:buFont typeface="+mj-lt"/>
+              <a:buAutoNum type="arabicPeriod"/>
+            </a:pPr>
+            <a:r>
+              <a:rPr lang="en-US" sz="1800" dirty="0"/>
+              <a:t>Indecisiveness: Which vendor to choose, which library to choose?</a:t>
+            </a:r>
+          </a:p>
+        </p:txBody>
+      </p:sp>
+      <p:sp>
+        <p:nvSpPr>
+          <p:cNvPr id="2" name="Slide Number Placeholder 1">
+            <a:extLst>
+              <a:ext uri="{FF2B5EF4-FFF2-40B4-BE49-F238E27FC236}">
+                <a16:creationId xmlns:a16="http://schemas.microsoft.com/office/drawing/2014/main" id="{58065E80-6FA4-305C-D89F-9C4C2F48B179}"/>
+              </a:ext>
+            </a:extLst>
+          </p:cNvPr>
+          <p:cNvSpPr>
+            <a:spLocks noGrp="1"/>
+          </p:cNvSpPr>
+          <p:nvPr>
+            <p:ph type="sldNum" sz="quarter" idx="12"/>
+          </p:nvPr>
+        </p:nvSpPr>
+        <p:spPr/>
+        <p:txBody>
+          <a:bodyPr/>
+          <a:lstStyle/>
+          <a:p>
+            <a:fld id="{80473052-BA07-4FC5-9696-A0F7625044DE}" type="slidenum">
+              <a:rPr lang="en-US" smtClean="0"/>
+              <a:t>15</a:t>
+            </a:fld>
+            <a:endParaRPr lang="en-US"/>
+          </a:p>
+        </p:txBody>
+      </p:sp>
+      <p:sp>
+        <p:nvSpPr>
+          <p:cNvPr id="5" name="Content Placeholder 2">
+            <a:extLst>
+              <a:ext uri="{FF2B5EF4-FFF2-40B4-BE49-F238E27FC236}">
+                <a16:creationId xmlns:a16="http://schemas.microsoft.com/office/drawing/2014/main" id="{1A4D8C0D-1D51-0B0A-46C8-401EFF40C7F0}"/>
+              </a:ext>
+            </a:extLst>
+          </p:cNvPr>
+          <p:cNvSpPr txBox="1">
+            <a:spLocks/>
+          </p:cNvSpPr>
+          <p:nvPr/>
+        </p:nvSpPr>
+        <p:spPr>
+          <a:xfrm>
+            <a:off x="838200" y="3456543"/>
+            <a:ext cx="10515600" cy="1982232"/>
+          </a:xfrm>
+          <a:prstGeom prst="rect">
+            <a:avLst/>
+          </a:prstGeom>
+          <a:ln>
+            <a:noFill/>
+          </a:ln>
+        </p:spPr>
+        <p:txBody>
+          <a:bodyPr vert="horz" lIns="91440" tIns="45720" rIns="91440" bIns="45720" rtlCol="0">
+            <a:normAutofit/>
+          </a:bodyPr>
+          <a:lstStyle>
+            <a:lvl1pPr marL="228600" indent="-228600" algn="l" defTabSz="914400" rtl="0" eaLnBrk="1" latinLnBrk="0" hangingPunct="1">
+              <a:lnSpc>
+                <a:spcPct val="90000"/>
+              </a:lnSpc>
+              <a:spcBef>
+                <a:spcPts val="1000"/>
+              </a:spcBef>
+              <a:buFont typeface="Arial" panose="020B0604020202020204" pitchFamily="34" charset="0"/>
+              <a:buChar char="•"/>
+              <a:defRPr sz="2800" kern="1200">
+                <a:solidFill>
+                  <a:schemeClr val="tx1"/>
+                </a:solidFill>
+                <a:latin typeface="+mn-lt"/>
+                <a:ea typeface="+mn-ea"/>
+                <a:cs typeface="+mn-cs"/>
+              </a:defRPr>
+            </a:lvl1pPr>
+            <a:lvl2pPr marL="685800" indent="-228600" algn="l" defTabSz="914400" rtl="0" eaLnBrk="1" latinLnBrk="0" hangingPunct="1">
+              <a:lnSpc>
+                <a:spcPct val="90000"/>
+              </a:lnSpc>
+              <a:spcBef>
+                <a:spcPts val="500"/>
+              </a:spcBef>
+              <a:buFont typeface="Arial" panose="020B0604020202020204" pitchFamily="34" charset="0"/>
+              <a:buChar char="•"/>
+              <a:defRPr sz="2400" kern="1200">
+                <a:solidFill>
+                  <a:schemeClr val="tx1"/>
+                </a:solidFill>
+                <a:latin typeface="+mn-lt"/>
+                <a:ea typeface="+mn-ea"/>
+                <a:cs typeface="+mn-cs"/>
+              </a:defRPr>
+            </a:lvl2pPr>
+            <a:lvl3pPr marL="1143000" indent="-228600" algn="l" defTabSz="914400" rtl="0" eaLnBrk="1" latinLnBrk="0" hangingPunct="1">
+              <a:lnSpc>
+                <a:spcPct val="90000"/>
+              </a:lnSpc>
+              <a:spcBef>
+                <a:spcPts val="500"/>
+              </a:spcBef>
+              <a:buFont typeface="Arial" panose="020B0604020202020204" pitchFamily="34" charset="0"/>
+              <a:buChar char="•"/>
+              <a:defRPr sz="2000" kern="1200">
+                <a:solidFill>
+                  <a:schemeClr val="tx1"/>
+                </a:solidFill>
+                <a:latin typeface="+mn-lt"/>
+                <a:ea typeface="+mn-ea"/>
+                <a:cs typeface="+mn-cs"/>
+              </a:defRPr>
+            </a:lvl3pPr>
+            <a:lvl4pPr marL="1600200" indent="-228600" algn="l" defTabSz="914400" rtl="0" eaLnBrk="1" latinLnBrk="0" hangingPunct="1">
+              <a:lnSpc>
+                <a:spcPct val="90000"/>
+              </a:lnSpc>
+              <a:spcBef>
+                <a:spcPts val="500"/>
+              </a:spcBef>
+              <a:buFont typeface="Arial" panose="020B0604020202020204" pitchFamily="34" charset="0"/>
+              <a:buChar char="•"/>
+              <a:defRPr sz="1800" kern="1200">
+                <a:solidFill>
+                  <a:schemeClr val="tx1"/>
+                </a:solidFill>
+                <a:latin typeface="+mn-lt"/>
+                <a:ea typeface="+mn-ea"/>
+                <a:cs typeface="+mn-cs"/>
+              </a:defRPr>
+            </a:lvl4pPr>
+            <a:lvl5pPr marL="2057400" indent="-228600" algn="l" defTabSz="914400" rtl="0" eaLnBrk="1" latinLnBrk="0" hangingPunct="1">
+              <a:lnSpc>
+                <a:spcPct val="90000"/>
+              </a:lnSpc>
+              <a:spcBef>
+                <a:spcPts val="500"/>
+              </a:spcBef>
+              <a:buFont typeface="Arial" panose="020B0604020202020204" pitchFamily="34" charset="0"/>
+              <a:buChar char="•"/>
+              <a:defRPr sz="1800" kern="1200">
+                <a:solidFill>
+                  <a:schemeClr val="tx1"/>
+                </a:solidFill>
+                <a:latin typeface="+mn-lt"/>
+                <a:ea typeface="+mn-ea"/>
+                <a:cs typeface="+mn-cs"/>
+              </a:defRPr>
+            </a:lvl5pPr>
+            <a:lvl6pPr marL="2514600" indent="-228600" algn="l" defTabSz="914400" rtl="0" eaLnBrk="1" latinLnBrk="0" hangingPunct="1">
+              <a:lnSpc>
+                <a:spcPct val="90000"/>
+              </a:lnSpc>
+              <a:spcBef>
+                <a:spcPts val="500"/>
+              </a:spcBef>
+              <a:buFont typeface="Arial" panose="020B0604020202020204" pitchFamily="34" charset="0"/>
+              <a:buChar char="•"/>
+              <a:defRPr sz="1800" kern="1200">
+                <a:solidFill>
+                  <a:schemeClr val="tx1"/>
+                </a:solidFill>
+                <a:latin typeface="+mn-lt"/>
+                <a:ea typeface="+mn-ea"/>
+                <a:cs typeface="+mn-cs"/>
+              </a:defRPr>
+            </a:lvl6pPr>
+            <a:lvl7pPr marL="2971800" indent="-228600" algn="l" defTabSz="914400" rtl="0" eaLnBrk="1" latinLnBrk="0" hangingPunct="1">
+              <a:lnSpc>
+                <a:spcPct val="90000"/>
+              </a:lnSpc>
+              <a:spcBef>
+                <a:spcPts val="500"/>
+              </a:spcBef>
+              <a:buFont typeface="Arial" panose="020B0604020202020204" pitchFamily="34" charset="0"/>
+              <a:buChar char="•"/>
+              <a:defRPr sz="1800" kern="1200">
+                <a:solidFill>
+                  <a:schemeClr val="tx1"/>
+                </a:solidFill>
+                <a:latin typeface="+mn-lt"/>
+                <a:ea typeface="+mn-ea"/>
+                <a:cs typeface="+mn-cs"/>
+              </a:defRPr>
+            </a:lvl7pPr>
+            <a:lvl8pPr marL="3429000" indent="-228600" algn="l" defTabSz="914400" rtl="0" eaLnBrk="1" latinLnBrk="0" hangingPunct="1">
+              <a:lnSpc>
+                <a:spcPct val="90000"/>
+              </a:lnSpc>
+              <a:spcBef>
+                <a:spcPts val="500"/>
+              </a:spcBef>
+              <a:buFont typeface="Arial" panose="020B0604020202020204" pitchFamily="34" charset="0"/>
+              <a:buChar char="•"/>
+              <a:defRPr sz="1800" kern="1200">
+                <a:solidFill>
+                  <a:schemeClr val="tx1"/>
+                </a:solidFill>
+                <a:latin typeface="+mn-lt"/>
+                <a:ea typeface="+mn-ea"/>
+                <a:cs typeface="+mn-cs"/>
+              </a:defRPr>
+            </a:lvl8pPr>
+            <a:lvl9pPr marL="3886200" indent="-228600" algn="l" defTabSz="914400" rtl="0" eaLnBrk="1" latinLnBrk="0" hangingPunct="1">
+              <a:lnSpc>
+                <a:spcPct val="90000"/>
+              </a:lnSpc>
+              <a:spcBef>
+                <a:spcPts val="500"/>
+              </a:spcBef>
+              <a:buFont typeface="Arial" panose="020B0604020202020204" pitchFamily="34" charset="0"/>
+              <a:buChar char="•"/>
+              <a:defRPr sz="1800" kern="1200">
+                <a:solidFill>
+                  <a:schemeClr val="tx1"/>
+                </a:solidFill>
+                <a:latin typeface="+mn-lt"/>
+                <a:ea typeface="+mn-ea"/>
+                <a:cs typeface="+mn-cs"/>
+              </a:defRPr>
+            </a:lvl9pPr>
+          </a:lstStyle>
+          <a:p>
+            <a:pPr marL="342900" indent="-342900">
+              <a:buFont typeface="+mj-lt"/>
+              <a:buAutoNum type="arabicPeriod"/>
+            </a:pPr>
+            <a:r>
+              <a:rPr lang="en-US" sz="1800" dirty="0"/>
+              <a:t>So…..</a:t>
+            </a:r>
+          </a:p>
+          <a:p>
+            <a:pPr marL="342900" indent="-342900">
+              <a:buFont typeface="+mj-lt"/>
+              <a:buAutoNum type="arabicPeriod"/>
+            </a:pPr>
+            <a:r>
+              <a:rPr lang="en-US" sz="1800" dirty="0"/>
+              <a:t>Focus on opportunistic value?</a:t>
+            </a:r>
+          </a:p>
+          <a:p>
+            <a:pPr marL="342900" indent="-342900">
+              <a:buFont typeface="+mj-lt"/>
+              <a:buAutoNum type="arabicPeriod"/>
+            </a:pPr>
+            <a:r>
+              <a:rPr lang="en-US" sz="1800" dirty="0"/>
+              <a:t>Quick Value: Value Today </a:t>
+            </a:r>
+          </a:p>
+          <a:p>
+            <a:pPr marL="342900" indent="-342900">
+              <a:buFont typeface="+mj-lt"/>
+              <a:buAutoNum type="arabicPeriod"/>
+            </a:pPr>
+            <a:r>
+              <a:rPr lang="en-US" sz="1800" dirty="0"/>
+              <a:t>Constant Pivot Architectures: Innovation (as early as) tomorrow</a:t>
+            </a:r>
+          </a:p>
+          <a:p>
+            <a:pPr marL="342900" indent="-342900">
+              <a:buFont typeface="+mj-lt"/>
+              <a:buAutoNum type="arabicPeriod"/>
+            </a:pPr>
+            <a:r>
+              <a:rPr lang="en-US" sz="1800" dirty="0"/>
+              <a:t>Hybrid Approaches: Both Vendors and on Premise…with “Value” at </a:t>
+            </a:r>
+            <a:r>
+              <a:rPr lang="en-US" sz="1800"/>
+              <a:t>the center</a:t>
+            </a:r>
+            <a:endParaRPr lang="en-US" sz="1800" dirty="0"/>
+          </a:p>
+        </p:txBody>
+      </p:sp>
+      <p:sp>
+        <p:nvSpPr>
+          <p:cNvPr id="6" name="Rectangle 5">
+            <a:extLst>
+              <a:ext uri="{FF2B5EF4-FFF2-40B4-BE49-F238E27FC236}">
+                <a16:creationId xmlns:a16="http://schemas.microsoft.com/office/drawing/2014/main" id="{82A58581-610F-29B6-25EE-434A3EF9DFE6}"/>
+              </a:ext>
+            </a:extLst>
+          </p:cNvPr>
+          <p:cNvSpPr/>
+          <p:nvPr/>
+        </p:nvSpPr>
+        <p:spPr>
+          <a:xfrm>
+            <a:off x="1291010" y="2772178"/>
+            <a:ext cx="4604966" cy="485743"/>
+          </a:xfrm>
+          <a:prstGeom prst="rect">
+            <a:avLst/>
+          </a:prstGeom>
+          <a:noFill/>
+        </p:spPr>
+        <p:style>
+          <a:lnRef idx="2">
+            <a:schemeClr val="accent1">
+              <a:shade val="15000"/>
+            </a:schemeClr>
+          </a:lnRef>
+          <a:fillRef idx="1">
+            <a:schemeClr val="accent1"/>
+          </a:fillRef>
+          <a:effectRef idx="0">
+            <a:schemeClr val="accent1"/>
+          </a:effectRef>
+          <a:fontRef idx="minor">
+            <a:schemeClr val="lt1"/>
+          </a:fontRef>
+        </p:style>
+        <p:txBody>
+          <a:bodyPr rtlCol="0" anchor="ctr"/>
+          <a:lstStyle/>
+          <a:p>
+            <a:pPr algn="ctr"/>
+            <a:r>
+              <a:rPr lang="en-US" dirty="0">
+                <a:solidFill>
+                  <a:srgbClr val="C808C8"/>
+                </a:solidFill>
+              </a:rPr>
+              <a:t>May be….</a:t>
+            </a:r>
+          </a:p>
+        </p:txBody>
+      </p:sp>
+      <p:cxnSp>
+        <p:nvCxnSpPr>
+          <p:cNvPr id="8" name="Connector: Elbow 7">
+            <a:extLst>
+              <a:ext uri="{FF2B5EF4-FFF2-40B4-BE49-F238E27FC236}">
+                <a16:creationId xmlns:a16="http://schemas.microsoft.com/office/drawing/2014/main" id="{5F1212A5-1525-ADF0-D341-179C033F78E0}"/>
+              </a:ext>
+            </a:extLst>
+          </p:cNvPr>
+          <p:cNvCxnSpPr>
+            <a:cxnSpLocks/>
+            <a:stCxn id="6" idx="1"/>
+            <a:endCxn id="5" idx="1"/>
+          </p:cNvCxnSpPr>
+          <p:nvPr/>
+        </p:nvCxnSpPr>
+        <p:spPr>
+          <a:xfrm rot="10800000" flipV="1">
+            <a:off x="838200" y="3015049"/>
+            <a:ext cx="452810" cy="1432609"/>
+          </a:xfrm>
+          <a:prstGeom prst="bentConnector3">
+            <a:avLst>
+              <a:gd name="adj1" fmla="val 150485"/>
+            </a:avLst>
+          </a:prstGeom>
+          <a:ln>
+            <a:tailEnd type="triangle"/>
+          </a:ln>
+        </p:spPr>
+        <p:style>
+          <a:lnRef idx="2">
+            <a:schemeClr val="accent1"/>
+          </a:lnRef>
+          <a:fillRef idx="0">
+            <a:schemeClr val="accent1"/>
+          </a:fillRef>
+          <a:effectRef idx="1">
+            <a:schemeClr val="accent1"/>
+          </a:effectRef>
+          <a:fontRef idx="minor">
+            <a:schemeClr val="tx1"/>
+          </a:fontRef>
+        </p:style>
+      </p:cxnSp>
+    </p:spTree>
+    <p:extLst>
+      <p:ext uri="{BB962C8B-B14F-4D97-AF65-F5344CB8AC3E}">
+        <p14:creationId xmlns:p14="http://schemas.microsoft.com/office/powerpoint/2010/main" val="1486518904"/>
+      </p:ext>
+    </p:extLst>
+  </p:cSld>
+  <p:clrMapOvr>
+    <a:masterClrMapping/>
+  </p:clrMapOvr>
+</p:sld>
+</file>
+
+<file path=ppt/slides/slide16.xml><?xml version="1.0" encoding="utf-8"?>
+<p:sld xmlns:a="http://schemas.openxmlformats.org/drawingml/2006/main" xmlns:r="http://schemas.openxmlformats.org/officeDocument/2006/relationships" xmlns:p="http://schemas.openxmlformats.org/presentationml/2006/main">
+  <p:cSld>
+    <p:spTree>
+      <p:nvGrpSpPr>
+        <p:cNvPr id="1" name=""/>
+        <p:cNvGrpSpPr/>
+        <p:nvPr/>
+      </p:nvGrpSpPr>
+      <p:grpSpPr>
+        <a:xfrm>
+          <a:off x="0" y="0"/>
+          <a:ext cx="0" cy="0"/>
+          <a:chOff x="0" y="0"/>
+          <a:chExt cx="0" cy="0"/>
+        </a:xfrm>
+      </p:grpSpPr>
+      <p:sp>
+        <p:nvSpPr>
+          <p:cNvPr id="2" name="Title 1">
+            <a:extLst>
+              <a:ext uri="{FF2B5EF4-FFF2-40B4-BE49-F238E27FC236}">
+                <a16:creationId xmlns:a16="http://schemas.microsoft.com/office/drawing/2014/main" id="{0AE687A3-72B9-622D-CE85-D3794DACED67}"/>
+              </a:ext>
+            </a:extLst>
+          </p:cNvPr>
+          <p:cNvSpPr>
+            <a:spLocks noGrp="1"/>
+          </p:cNvSpPr>
+          <p:nvPr>
+            <p:ph type="ctrTitle"/>
+          </p:nvPr>
+        </p:nvSpPr>
+        <p:spPr/>
+        <p:txBody>
+          <a:bodyPr/>
+          <a:lstStyle/>
+          <a:p>
+            <a:r>
+              <a:rPr lang="en-US" dirty="0"/>
+              <a:t>Key References</a:t>
+            </a:r>
+            <a:endParaRPr lang="en-US" i="1" dirty="0">
+              <a:solidFill>
+                <a:srgbClr val="00B050"/>
+              </a:solidFill>
+            </a:endParaRPr>
+          </a:p>
+        </p:txBody>
+      </p:sp>
+      <p:sp>
+        <p:nvSpPr>
+          <p:cNvPr id="4" name="Slide Number Placeholder 3">
+            <a:extLst>
+              <a:ext uri="{FF2B5EF4-FFF2-40B4-BE49-F238E27FC236}">
+                <a16:creationId xmlns:a16="http://schemas.microsoft.com/office/drawing/2014/main" id="{8DF40182-E6B8-520F-7A96-E1EF7B5AFB9F}"/>
+              </a:ext>
+            </a:extLst>
+          </p:cNvPr>
+          <p:cNvSpPr>
+            <a:spLocks noGrp="1"/>
+          </p:cNvSpPr>
+          <p:nvPr>
+            <p:ph type="sldNum" sz="quarter" idx="12"/>
+          </p:nvPr>
+        </p:nvSpPr>
+        <p:spPr/>
+        <p:txBody>
+          <a:bodyPr/>
+          <a:lstStyle/>
+          <a:p>
+            <a:fld id="{80473052-BA07-4FC5-9696-A0F7625044DE}" type="slidenum">
+              <a:rPr lang="en-US" smtClean="0"/>
+              <a:t>16</a:t>
+            </a:fld>
+            <a:endParaRPr lang="en-US"/>
+          </a:p>
+        </p:txBody>
+      </p:sp>
+    </p:spTree>
+    <p:extLst>
+      <p:ext uri="{BB962C8B-B14F-4D97-AF65-F5344CB8AC3E}">
+        <p14:creationId xmlns:p14="http://schemas.microsoft.com/office/powerpoint/2010/main" val="3506852934"/>
+      </p:ext>
+    </p:extLst>
+  </p:cSld>
+  <p:clrMapOvr>
+    <a:masterClrMapping/>
+  </p:clrMapOvr>
+</p:sld>
+</file>
+
+<file path=ppt/slides/slide17.xml><?xml version="1.0" encoding="utf-8"?>
+<p:sld xmlns:a="http://schemas.openxmlformats.org/drawingml/2006/main" xmlns:r="http://schemas.openxmlformats.org/officeDocument/2006/relationships" xmlns:p="http://schemas.openxmlformats.org/presentationml/2006/main">
+  <p:cSld>
+    <p:spTree>
+      <p:nvGrpSpPr>
+        <p:cNvPr id="1" name=""/>
+        <p:cNvGrpSpPr/>
+        <p:nvPr/>
+      </p:nvGrpSpPr>
+      <p:grpSpPr>
+        <a:xfrm>
+          <a:off x="0" y="0"/>
+          <a:ext cx="0" cy="0"/>
+          <a:chOff x="0" y="0"/>
+          <a:chExt cx="0" cy="0"/>
+        </a:xfrm>
+      </p:grpSpPr>
+      <p:sp>
+        <p:nvSpPr>
+          <p:cNvPr id="4" name="Title 3">
+            <a:extLst>
+              <a:ext uri="{FF2B5EF4-FFF2-40B4-BE49-F238E27FC236}">
+                <a16:creationId xmlns:a16="http://schemas.microsoft.com/office/drawing/2014/main" id="{B6780DC8-0F69-09B9-3693-249C8845B085}"/>
+              </a:ext>
+            </a:extLst>
+          </p:cNvPr>
+          <p:cNvSpPr>
+            <a:spLocks noGrp="1"/>
+          </p:cNvSpPr>
+          <p:nvPr>
+            <p:ph type="title"/>
+          </p:nvPr>
+        </p:nvSpPr>
+        <p:spPr/>
+        <p:txBody>
+          <a:bodyPr/>
+          <a:lstStyle/>
+          <a:p>
+            <a:r>
+              <a:rPr lang="en-US" dirty="0"/>
+              <a:t>Key References: Libraries and Companies</a:t>
+            </a:r>
+          </a:p>
+        </p:txBody>
+      </p:sp>
+      <p:sp>
+        <p:nvSpPr>
+          <p:cNvPr id="3" name="Slide Number Placeholder 2">
+            <a:extLst>
+              <a:ext uri="{FF2B5EF4-FFF2-40B4-BE49-F238E27FC236}">
+                <a16:creationId xmlns:a16="http://schemas.microsoft.com/office/drawing/2014/main" id="{62C3FC39-DA47-74BD-16DF-A2D67154BD62}"/>
+              </a:ext>
+            </a:extLst>
+          </p:cNvPr>
+          <p:cNvSpPr>
+            <a:spLocks noGrp="1"/>
+          </p:cNvSpPr>
+          <p:nvPr>
+            <p:ph type="sldNum" sz="quarter" idx="12"/>
+          </p:nvPr>
+        </p:nvSpPr>
+        <p:spPr/>
+        <p:txBody>
+          <a:bodyPr/>
+          <a:lstStyle/>
+          <a:p>
+            <a:fld id="{80473052-BA07-4FC5-9696-A0F7625044DE}" type="slidenum">
+              <a:rPr lang="en-US" smtClean="0"/>
+              <a:t>17</a:t>
+            </a:fld>
+            <a:endParaRPr lang="en-US"/>
+          </a:p>
+        </p:txBody>
+      </p:sp>
+      <p:graphicFrame>
+        <p:nvGraphicFramePr>
+          <p:cNvPr id="5" name="Table 4">
+            <a:extLst>
+              <a:ext uri="{FF2B5EF4-FFF2-40B4-BE49-F238E27FC236}">
+                <a16:creationId xmlns:a16="http://schemas.microsoft.com/office/drawing/2014/main" id="{EBB13454-47D9-9C24-B983-F1A034920ED2}"/>
+              </a:ext>
+            </a:extLst>
+          </p:cNvPr>
+          <p:cNvGraphicFramePr>
+            <a:graphicFrameLocks noGrp="1"/>
+          </p:cNvGraphicFramePr>
+          <p:nvPr>
+            <p:extLst>
+              <p:ext uri="{D42A27DB-BD31-4B8C-83A1-F6EECF244321}">
+                <p14:modId xmlns:p14="http://schemas.microsoft.com/office/powerpoint/2010/main" val="1439170088"/>
+              </p:ext>
+            </p:extLst>
+          </p:nvPr>
+        </p:nvGraphicFramePr>
+        <p:xfrm>
+          <a:off x="552448" y="1043516"/>
+          <a:ext cx="11087104" cy="4079240"/>
+        </p:xfrm>
+        <a:graphic>
+          <a:graphicData uri="http://schemas.openxmlformats.org/drawingml/2006/table">
+            <a:tbl>
+              <a:tblPr firstRow="1" bandRow="1">
+                <a:tableStyleId>{5940675A-B579-460E-94D1-54222C63F5DA}</a:tableStyleId>
+              </a:tblPr>
+              <a:tblGrid>
+                <a:gridCol w="495302">
+                  <a:extLst>
+                    <a:ext uri="{9D8B030D-6E8A-4147-A177-3AD203B41FA5}">
+                      <a16:colId xmlns:a16="http://schemas.microsoft.com/office/drawing/2014/main" val="1085893701"/>
+                    </a:ext>
+                  </a:extLst>
+                </a:gridCol>
+                <a:gridCol w="838198">
+                  <a:extLst>
+                    <a:ext uri="{9D8B030D-6E8A-4147-A177-3AD203B41FA5}">
+                      <a16:colId xmlns:a16="http://schemas.microsoft.com/office/drawing/2014/main" val="3623498126"/>
+                    </a:ext>
+                  </a:extLst>
+                </a:gridCol>
+                <a:gridCol w="3648075">
+                  <a:extLst>
+                    <a:ext uri="{9D8B030D-6E8A-4147-A177-3AD203B41FA5}">
+                      <a16:colId xmlns:a16="http://schemas.microsoft.com/office/drawing/2014/main" val="1235041197"/>
+                    </a:ext>
+                  </a:extLst>
+                </a:gridCol>
+                <a:gridCol w="6105529">
+                  <a:extLst>
+                    <a:ext uri="{9D8B030D-6E8A-4147-A177-3AD203B41FA5}">
+                      <a16:colId xmlns:a16="http://schemas.microsoft.com/office/drawing/2014/main" val="1647297921"/>
+                    </a:ext>
+                  </a:extLst>
+                </a:gridCol>
+              </a:tblGrid>
+              <a:tr h="370840">
+                <a:tc>
+                  <a:txBody>
+                    <a:bodyPr/>
+                    <a:lstStyle/>
+                    <a:p>
+                      <a:r>
+                        <a:rPr lang="en-US" sz="1200" dirty="0"/>
+                        <a:t>#</a:t>
+                      </a:r>
+                    </a:p>
+                  </a:txBody>
+                  <a:tcPr>
+                    <a:solidFill>
+                      <a:schemeClr val="accent2">
+                        <a:lumMod val="20000"/>
+                        <a:lumOff val="80000"/>
+                      </a:schemeClr>
+                    </a:solidFill>
+                  </a:tcPr>
+                </a:tc>
+                <a:tc>
+                  <a:txBody>
+                    <a:bodyPr/>
+                    <a:lstStyle/>
+                    <a:p>
+                      <a:r>
+                        <a:rPr lang="en-US" sz="1200" dirty="0"/>
+                        <a:t>Dt</a:t>
+                      </a:r>
+                    </a:p>
+                  </a:txBody>
+                  <a:tcPr>
+                    <a:solidFill>
+                      <a:schemeClr val="accent2">
+                        <a:lumMod val="20000"/>
+                        <a:lumOff val="80000"/>
+                      </a:schemeClr>
+                    </a:solidFill>
+                  </a:tcPr>
+                </a:tc>
+                <a:tc>
+                  <a:txBody>
+                    <a:bodyPr/>
+                    <a:lstStyle/>
+                    <a:p>
+                      <a:r>
+                        <a:rPr lang="en-US" sz="1200" dirty="0"/>
+                        <a:t>Item</a:t>
+                      </a:r>
+                    </a:p>
+                  </a:txBody>
+                  <a:tcPr>
+                    <a:solidFill>
+                      <a:schemeClr val="accent2">
+                        <a:lumMod val="20000"/>
+                        <a:lumOff val="80000"/>
+                      </a:schemeClr>
+                    </a:solidFill>
+                  </a:tcPr>
+                </a:tc>
+                <a:tc>
+                  <a:txBody>
+                    <a:bodyPr/>
+                    <a:lstStyle/>
+                    <a:p>
+                      <a:r>
+                        <a:rPr lang="en-US" sz="1200" dirty="0"/>
+                        <a:t>Description</a:t>
+                      </a:r>
+                    </a:p>
+                  </a:txBody>
+                  <a:tcPr>
+                    <a:solidFill>
+                      <a:schemeClr val="accent2">
+                        <a:lumMod val="20000"/>
+                        <a:lumOff val="80000"/>
+                      </a:schemeClr>
+                    </a:solidFill>
+                  </a:tcPr>
+                </a:tc>
+                <a:extLst>
+                  <a:ext uri="{0D108BD9-81ED-4DB2-BD59-A6C34878D82A}">
+                    <a16:rowId xmlns:a16="http://schemas.microsoft.com/office/drawing/2014/main" val="2610551403"/>
+                  </a:ext>
+                </a:extLst>
+              </a:tr>
+              <a:tr h="370840">
+                <a:tc>
+                  <a:txBody>
+                    <a:bodyPr/>
+                    <a:lstStyle/>
+                    <a:p>
+                      <a:r>
+                        <a:rPr lang="en-US" sz="1200" dirty="0"/>
+                        <a:t>1</a:t>
+                      </a:r>
+                    </a:p>
+                  </a:txBody>
+                  <a:tcPr/>
+                </a:tc>
+                <a:tc>
+                  <a:txBody>
+                    <a:bodyPr/>
+                    <a:lstStyle/>
+                    <a:p>
+                      <a:r>
+                        <a:rPr lang="en-US" sz="1200" dirty="0"/>
+                        <a:t>6/21/25</a:t>
+                      </a:r>
+                    </a:p>
+                  </a:txBody>
+                  <a:tcPr/>
+                </a:tc>
+                <a:tc>
+                  <a:txBody>
+                    <a:bodyPr/>
+                    <a:lstStyle/>
+                    <a:p>
+                      <a:r>
+                        <a:rPr lang="en-US" sz="1200" dirty="0"/>
+                        <a:t>LangChain</a:t>
+                      </a:r>
+                    </a:p>
+                  </a:txBody>
+                  <a:tcPr/>
+                </a:tc>
+                <a:tc>
+                  <a:txBody>
+                    <a:bodyPr/>
+                    <a:lstStyle/>
+                    <a:p>
+                      <a:endParaRPr lang="en-US" sz="1200"/>
+                    </a:p>
+                  </a:txBody>
+                  <a:tcPr/>
+                </a:tc>
+                <a:extLst>
+                  <a:ext uri="{0D108BD9-81ED-4DB2-BD59-A6C34878D82A}">
+                    <a16:rowId xmlns:a16="http://schemas.microsoft.com/office/drawing/2014/main" val="2089251083"/>
+                  </a:ext>
+                </a:extLst>
+              </a:tr>
+              <a:tr h="370840">
+                <a:tc>
+                  <a:txBody>
+                    <a:bodyPr/>
+                    <a:lstStyle/>
+                    <a:p>
+                      <a:endParaRPr lang="en-US" sz="1200"/>
+                    </a:p>
+                  </a:txBody>
+                  <a:tcPr/>
+                </a:tc>
+                <a:tc>
+                  <a:txBody>
+                    <a:bodyPr/>
+                    <a:lstStyle/>
+                    <a:p>
+                      <a:endParaRPr lang="en-US" sz="1200"/>
+                    </a:p>
+                  </a:txBody>
+                  <a:tcPr/>
+                </a:tc>
+                <a:tc>
+                  <a:txBody>
+                    <a:bodyPr/>
+                    <a:lstStyle/>
+                    <a:p>
+                      <a:r>
+                        <a:rPr lang="en-US" sz="1200" dirty="0"/>
+                        <a:t>Llama index</a:t>
+                      </a:r>
+                    </a:p>
+                  </a:txBody>
+                  <a:tcPr/>
+                </a:tc>
+                <a:tc>
+                  <a:txBody>
+                    <a:bodyPr/>
+                    <a:lstStyle/>
+                    <a:p>
+                      <a:endParaRPr lang="en-US" sz="1200"/>
+                    </a:p>
+                  </a:txBody>
+                  <a:tcPr/>
+                </a:tc>
+                <a:extLst>
+                  <a:ext uri="{0D108BD9-81ED-4DB2-BD59-A6C34878D82A}">
+                    <a16:rowId xmlns:a16="http://schemas.microsoft.com/office/drawing/2014/main" val="2744664031"/>
+                  </a:ext>
+                </a:extLst>
+              </a:tr>
+              <a:tr h="370840">
+                <a:tc>
+                  <a:txBody>
+                    <a:bodyPr/>
+                    <a:lstStyle/>
+                    <a:p>
+                      <a:endParaRPr lang="en-US" sz="1200"/>
+                    </a:p>
+                  </a:txBody>
+                  <a:tcPr/>
+                </a:tc>
+                <a:tc>
+                  <a:txBody>
+                    <a:bodyPr/>
+                    <a:lstStyle/>
+                    <a:p>
+                      <a:endParaRPr lang="en-US" sz="1200"/>
+                    </a:p>
+                  </a:txBody>
+                  <a:tcPr/>
+                </a:tc>
+                <a:tc>
+                  <a:txBody>
+                    <a:bodyPr/>
+                    <a:lstStyle/>
+                    <a:p>
+                      <a:r>
+                        <a:rPr lang="en-US" sz="1200" dirty="0"/>
+                        <a:t>Hugging face</a:t>
+                      </a:r>
+                    </a:p>
+                  </a:txBody>
+                  <a:tcPr/>
+                </a:tc>
+                <a:tc>
+                  <a:txBody>
+                    <a:bodyPr/>
+                    <a:lstStyle/>
+                    <a:p>
+                      <a:endParaRPr lang="en-US" sz="1200"/>
+                    </a:p>
+                  </a:txBody>
+                  <a:tcPr/>
+                </a:tc>
+                <a:extLst>
+                  <a:ext uri="{0D108BD9-81ED-4DB2-BD59-A6C34878D82A}">
+                    <a16:rowId xmlns:a16="http://schemas.microsoft.com/office/drawing/2014/main" val="1993520166"/>
+                  </a:ext>
+                </a:extLst>
+              </a:tr>
+              <a:tr h="370840">
+                <a:tc>
+                  <a:txBody>
+                    <a:bodyPr/>
+                    <a:lstStyle/>
+                    <a:p>
+                      <a:endParaRPr lang="en-US" sz="1200"/>
+                    </a:p>
+                  </a:txBody>
+                  <a:tcPr/>
+                </a:tc>
+                <a:tc>
+                  <a:txBody>
+                    <a:bodyPr/>
+                    <a:lstStyle/>
+                    <a:p>
+                      <a:endParaRPr lang="en-US" sz="1200" dirty="0"/>
+                    </a:p>
+                  </a:txBody>
+                  <a:tcPr/>
+                </a:tc>
+                <a:tc>
+                  <a:txBody>
+                    <a:bodyPr/>
+                    <a:lstStyle/>
+                    <a:p>
+                      <a:r>
+                        <a:rPr lang="en-US" sz="1200" dirty="0"/>
+                        <a:t>OpenAI</a:t>
+                      </a:r>
+                    </a:p>
+                  </a:txBody>
+                  <a:tcPr/>
+                </a:tc>
+                <a:tc>
+                  <a:txBody>
+                    <a:bodyPr/>
+                    <a:lstStyle/>
+                    <a:p>
+                      <a:endParaRPr lang="en-US" sz="1200" dirty="0"/>
+                    </a:p>
+                  </a:txBody>
+                  <a:tcPr/>
+                </a:tc>
+                <a:extLst>
+                  <a:ext uri="{0D108BD9-81ED-4DB2-BD59-A6C34878D82A}">
+                    <a16:rowId xmlns:a16="http://schemas.microsoft.com/office/drawing/2014/main" val="3271882266"/>
+                  </a:ext>
+                </a:extLst>
+              </a:tr>
+              <a:tr h="370840">
+                <a:tc>
+                  <a:txBody>
+                    <a:bodyPr/>
+                    <a:lstStyle/>
+                    <a:p>
+                      <a:endParaRPr lang="en-US" sz="1200" dirty="0"/>
+                    </a:p>
+                  </a:txBody>
+                  <a:tcPr/>
+                </a:tc>
+                <a:tc>
+                  <a:txBody>
+                    <a:bodyPr/>
+                    <a:lstStyle/>
+                    <a:p>
+                      <a:endParaRPr lang="en-US" sz="1200" dirty="0"/>
+                    </a:p>
+                  </a:txBody>
+                  <a:tcPr/>
+                </a:tc>
+                <a:tc>
+                  <a:txBody>
+                    <a:bodyPr/>
+                    <a:lstStyle/>
+                    <a:p>
+                      <a:r>
+                        <a:rPr lang="en-US" sz="1200" dirty="0"/>
+                        <a:t>Assistant UI</a:t>
+                      </a:r>
+                    </a:p>
+                  </a:txBody>
+                  <a:tcPr/>
+                </a:tc>
+                <a:tc>
+                  <a:txBody>
+                    <a:bodyPr/>
+                    <a:lstStyle/>
+                    <a:p>
+                      <a:endParaRPr lang="en-US" sz="1200" dirty="0"/>
+                    </a:p>
+                  </a:txBody>
+                  <a:tcPr/>
+                </a:tc>
+                <a:extLst>
+                  <a:ext uri="{0D108BD9-81ED-4DB2-BD59-A6C34878D82A}">
+                    <a16:rowId xmlns:a16="http://schemas.microsoft.com/office/drawing/2014/main" val="2737562533"/>
+                  </a:ext>
+                </a:extLst>
+              </a:tr>
+              <a:tr h="370840">
+                <a:tc>
+                  <a:txBody>
+                    <a:bodyPr/>
+                    <a:lstStyle/>
+                    <a:p>
+                      <a:endParaRPr lang="en-US" sz="1200" dirty="0"/>
+                    </a:p>
+                  </a:txBody>
+                  <a:tcPr/>
+                </a:tc>
+                <a:tc>
+                  <a:txBody>
+                    <a:bodyPr/>
+                    <a:lstStyle/>
+                    <a:p>
+                      <a:endParaRPr lang="en-US" sz="1200" dirty="0"/>
+                    </a:p>
+                  </a:txBody>
+                  <a:tcPr/>
+                </a:tc>
+                <a:tc>
+                  <a:txBody>
+                    <a:bodyPr/>
+                    <a:lstStyle/>
+                    <a:p>
+                      <a:r>
+                        <a:rPr lang="en-US" sz="1200" dirty="0"/>
+                        <a:t>Chroma DB</a:t>
+                      </a:r>
+                    </a:p>
+                  </a:txBody>
+                  <a:tcPr/>
+                </a:tc>
+                <a:tc>
+                  <a:txBody>
+                    <a:bodyPr/>
+                    <a:lstStyle/>
+                    <a:p>
+                      <a:endParaRPr lang="en-US" sz="1200" dirty="0"/>
+                    </a:p>
+                  </a:txBody>
+                  <a:tcPr/>
+                </a:tc>
+                <a:extLst>
+                  <a:ext uri="{0D108BD9-81ED-4DB2-BD59-A6C34878D82A}">
+                    <a16:rowId xmlns:a16="http://schemas.microsoft.com/office/drawing/2014/main" val="4045382501"/>
+                  </a:ext>
+                </a:extLst>
+              </a:tr>
+              <a:tr h="370840">
+                <a:tc>
+                  <a:txBody>
+                    <a:bodyPr/>
+                    <a:lstStyle/>
+                    <a:p>
+                      <a:endParaRPr lang="en-US" sz="1200" dirty="0"/>
+                    </a:p>
+                  </a:txBody>
+                  <a:tcPr/>
+                </a:tc>
+                <a:tc>
+                  <a:txBody>
+                    <a:bodyPr/>
+                    <a:lstStyle/>
+                    <a:p>
+                      <a:endParaRPr lang="en-US" sz="1200" dirty="0"/>
+                    </a:p>
+                  </a:txBody>
+                  <a:tcPr/>
+                </a:tc>
+                <a:tc>
+                  <a:txBody>
+                    <a:bodyPr/>
+                    <a:lstStyle/>
+                    <a:p>
+                      <a:r>
+                        <a:rPr lang="en-US" sz="1200" dirty="0"/>
+                        <a:t>Crew AI</a:t>
+                      </a:r>
+                    </a:p>
+                  </a:txBody>
+                  <a:tcPr/>
+                </a:tc>
+                <a:tc>
+                  <a:txBody>
+                    <a:bodyPr/>
+                    <a:lstStyle/>
+                    <a:p>
+                      <a:endParaRPr lang="en-US" sz="1200" dirty="0"/>
+                    </a:p>
+                  </a:txBody>
+                  <a:tcPr/>
+                </a:tc>
+                <a:extLst>
+                  <a:ext uri="{0D108BD9-81ED-4DB2-BD59-A6C34878D82A}">
+                    <a16:rowId xmlns:a16="http://schemas.microsoft.com/office/drawing/2014/main" val="2395828522"/>
+                  </a:ext>
+                </a:extLst>
+              </a:tr>
+              <a:tr h="370840">
+                <a:tc>
+                  <a:txBody>
+                    <a:bodyPr/>
+                    <a:lstStyle/>
+                    <a:p>
+                      <a:endParaRPr lang="en-US" sz="1200" dirty="0"/>
+                    </a:p>
+                  </a:txBody>
+                  <a:tcPr/>
+                </a:tc>
+                <a:tc>
+                  <a:txBody>
+                    <a:bodyPr/>
+                    <a:lstStyle/>
+                    <a:p>
+                      <a:endParaRPr lang="en-US" sz="1200" dirty="0"/>
+                    </a:p>
+                  </a:txBody>
+                  <a:tcPr/>
+                </a:tc>
+                <a:tc>
+                  <a:txBody>
+                    <a:bodyPr/>
+                    <a:lstStyle/>
+                    <a:p>
+                      <a:r>
+                        <a:rPr lang="en-US" sz="1200" dirty="0"/>
+                        <a:t>Google ADK</a:t>
+                      </a:r>
+                    </a:p>
+                  </a:txBody>
+                  <a:tcPr/>
+                </a:tc>
+                <a:tc>
+                  <a:txBody>
+                    <a:bodyPr/>
+                    <a:lstStyle/>
+                    <a:p>
+                      <a:endParaRPr lang="en-US" sz="1200" dirty="0"/>
+                    </a:p>
+                  </a:txBody>
+                  <a:tcPr/>
+                </a:tc>
+                <a:extLst>
+                  <a:ext uri="{0D108BD9-81ED-4DB2-BD59-A6C34878D82A}">
+                    <a16:rowId xmlns:a16="http://schemas.microsoft.com/office/drawing/2014/main" val="3775368327"/>
+                  </a:ext>
+                </a:extLst>
+              </a:tr>
+              <a:tr h="370840">
+                <a:tc>
+                  <a:txBody>
+                    <a:bodyPr/>
+                    <a:lstStyle/>
+                    <a:p>
+                      <a:endParaRPr lang="en-US" sz="1200" dirty="0"/>
+                    </a:p>
+                  </a:txBody>
+                  <a:tcPr/>
+                </a:tc>
+                <a:tc>
+                  <a:txBody>
+                    <a:bodyPr/>
+                    <a:lstStyle/>
+                    <a:p>
+                      <a:endParaRPr lang="en-US" sz="1200" dirty="0"/>
+                    </a:p>
+                  </a:txBody>
+                  <a:tcPr/>
+                </a:tc>
+                <a:tc>
+                  <a:txBody>
+                    <a:bodyPr/>
+                    <a:lstStyle/>
+                    <a:p>
+                      <a:r>
+                        <a:rPr lang="en-US" sz="1200" dirty="0"/>
+                        <a:t>Google A2A</a:t>
+                      </a:r>
+                    </a:p>
+                  </a:txBody>
+                  <a:tcPr/>
+                </a:tc>
+                <a:tc>
+                  <a:txBody>
+                    <a:bodyPr/>
+                    <a:lstStyle/>
+                    <a:p>
+                      <a:endParaRPr lang="en-US" sz="1200" dirty="0"/>
+                    </a:p>
+                  </a:txBody>
+                  <a:tcPr/>
+                </a:tc>
+                <a:extLst>
+                  <a:ext uri="{0D108BD9-81ED-4DB2-BD59-A6C34878D82A}">
+                    <a16:rowId xmlns:a16="http://schemas.microsoft.com/office/drawing/2014/main" val="573029930"/>
+                  </a:ext>
+                </a:extLst>
+              </a:tr>
+              <a:tr h="370840">
+                <a:tc>
+                  <a:txBody>
+                    <a:bodyPr/>
+                    <a:lstStyle/>
+                    <a:p>
+                      <a:endParaRPr lang="en-US" sz="1200" dirty="0"/>
+                    </a:p>
+                  </a:txBody>
+                  <a:tcPr/>
+                </a:tc>
+                <a:tc>
+                  <a:txBody>
+                    <a:bodyPr/>
+                    <a:lstStyle/>
+                    <a:p>
+                      <a:endParaRPr lang="en-US" sz="1200" dirty="0"/>
+                    </a:p>
+                  </a:txBody>
+                  <a:tcPr/>
+                </a:tc>
+                <a:tc>
+                  <a:txBody>
+                    <a:bodyPr/>
+                    <a:lstStyle/>
+                    <a:p>
+                      <a:endParaRPr lang="en-US" sz="1200" dirty="0"/>
+                    </a:p>
+                  </a:txBody>
+                  <a:tcPr/>
+                </a:tc>
+                <a:tc>
+                  <a:txBody>
+                    <a:bodyPr/>
+                    <a:lstStyle/>
+                    <a:p>
+                      <a:endParaRPr lang="en-US" sz="1200" dirty="0"/>
+                    </a:p>
+                  </a:txBody>
+                  <a:tcPr/>
+                </a:tc>
+                <a:extLst>
+                  <a:ext uri="{0D108BD9-81ED-4DB2-BD59-A6C34878D82A}">
+                    <a16:rowId xmlns:a16="http://schemas.microsoft.com/office/drawing/2014/main" val="3250879918"/>
+                  </a:ext>
+                </a:extLst>
+              </a:tr>
+            </a:tbl>
+          </a:graphicData>
+        </a:graphic>
+      </p:graphicFrame>
+    </p:spTree>
+    <p:extLst>
+      <p:ext uri="{BB962C8B-B14F-4D97-AF65-F5344CB8AC3E}">
+        <p14:creationId xmlns:p14="http://schemas.microsoft.com/office/powerpoint/2010/main" val="1326968126"/>
+      </p:ext>
+    </p:extLst>
+  </p:cSld>
+  <p:clrMapOvr>
+    <a:masterClrMapping/>
+  </p:clrMapOvr>
+</p:sld>
+</file>
+
+<file path=ppt/slides/slide18.xml><?xml version="1.0" encoding="utf-8"?>
+<p:sld xmlns:a="http://schemas.openxmlformats.org/drawingml/2006/main" xmlns:r="http://schemas.openxmlformats.org/officeDocument/2006/relationships" xmlns:p="http://schemas.openxmlformats.org/presentationml/2006/main">
+  <p:cSld>
+    <p:spTree>
+      <p:nvGrpSpPr>
+        <p:cNvPr id="1" name=""/>
+        <p:cNvGrpSpPr/>
+        <p:nvPr/>
+      </p:nvGrpSpPr>
+      <p:grpSpPr>
+        <a:xfrm>
+          <a:off x="0" y="0"/>
+          <a:ext cx="0" cy="0"/>
+          <a:chOff x="0" y="0"/>
+          <a:chExt cx="0" cy="0"/>
+        </a:xfrm>
+      </p:grpSpPr>
+      <p:sp>
+        <p:nvSpPr>
+          <p:cNvPr id="4" name="Title 3">
+            <a:extLst>
+              <a:ext uri="{FF2B5EF4-FFF2-40B4-BE49-F238E27FC236}">
+                <a16:creationId xmlns:a16="http://schemas.microsoft.com/office/drawing/2014/main" id="{B6780DC8-0F69-09B9-3693-249C8845B085}"/>
+              </a:ext>
+            </a:extLst>
+          </p:cNvPr>
+          <p:cNvSpPr>
+            <a:spLocks noGrp="1"/>
+          </p:cNvSpPr>
+          <p:nvPr>
+            <p:ph type="title"/>
+          </p:nvPr>
+        </p:nvSpPr>
+        <p:spPr/>
+        <p:txBody>
+          <a:bodyPr/>
+          <a:lstStyle/>
+          <a:p>
+            <a:r>
+              <a:rPr lang="en-US" dirty="0"/>
+              <a:t>Key References: Concepts</a:t>
+            </a:r>
+          </a:p>
+        </p:txBody>
+      </p:sp>
+      <p:sp>
+        <p:nvSpPr>
+          <p:cNvPr id="3" name="Slide Number Placeholder 2">
+            <a:extLst>
+              <a:ext uri="{FF2B5EF4-FFF2-40B4-BE49-F238E27FC236}">
+                <a16:creationId xmlns:a16="http://schemas.microsoft.com/office/drawing/2014/main" id="{62C3FC39-DA47-74BD-16DF-A2D67154BD62}"/>
+              </a:ext>
+            </a:extLst>
+          </p:cNvPr>
+          <p:cNvSpPr>
+            <a:spLocks noGrp="1"/>
+          </p:cNvSpPr>
+          <p:nvPr>
+            <p:ph type="sldNum" sz="quarter" idx="12"/>
+          </p:nvPr>
+        </p:nvSpPr>
+        <p:spPr/>
+        <p:txBody>
+          <a:bodyPr/>
+          <a:lstStyle/>
+          <a:p>
+            <a:fld id="{80473052-BA07-4FC5-9696-A0F7625044DE}" type="slidenum">
+              <a:rPr lang="en-US" smtClean="0"/>
+              <a:t>18</a:t>
+            </a:fld>
+            <a:endParaRPr lang="en-US"/>
+          </a:p>
+        </p:txBody>
+      </p:sp>
+      <p:graphicFrame>
+        <p:nvGraphicFramePr>
+          <p:cNvPr id="5" name="Table 4">
+            <a:extLst>
+              <a:ext uri="{FF2B5EF4-FFF2-40B4-BE49-F238E27FC236}">
+                <a16:creationId xmlns:a16="http://schemas.microsoft.com/office/drawing/2014/main" id="{EBB13454-47D9-9C24-B983-F1A034920ED2}"/>
+              </a:ext>
+            </a:extLst>
+          </p:cNvPr>
+          <p:cNvGraphicFramePr>
+            <a:graphicFrameLocks noGrp="1"/>
+          </p:cNvGraphicFramePr>
+          <p:nvPr>
+            <p:extLst>
+              <p:ext uri="{D42A27DB-BD31-4B8C-83A1-F6EECF244321}">
+                <p14:modId xmlns:p14="http://schemas.microsoft.com/office/powerpoint/2010/main" val="1372128328"/>
+              </p:ext>
+            </p:extLst>
+          </p:nvPr>
+        </p:nvGraphicFramePr>
+        <p:xfrm>
+          <a:off x="552448" y="1043516"/>
+          <a:ext cx="11087104" cy="4079240"/>
+        </p:xfrm>
+        <a:graphic>
+          <a:graphicData uri="http://schemas.openxmlformats.org/drawingml/2006/table">
+            <a:tbl>
+              <a:tblPr firstRow="1" bandRow="1">
+                <a:tableStyleId>{5940675A-B579-460E-94D1-54222C63F5DA}</a:tableStyleId>
+              </a:tblPr>
+              <a:tblGrid>
+                <a:gridCol w="495302">
+                  <a:extLst>
+                    <a:ext uri="{9D8B030D-6E8A-4147-A177-3AD203B41FA5}">
+                      <a16:colId xmlns:a16="http://schemas.microsoft.com/office/drawing/2014/main" val="1085893701"/>
+                    </a:ext>
+                  </a:extLst>
+                </a:gridCol>
+                <a:gridCol w="838198">
+                  <a:extLst>
+                    <a:ext uri="{9D8B030D-6E8A-4147-A177-3AD203B41FA5}">
+                      <a16:colId xmlns:a16="http://schemas.microsoft.com/office/drawing/2014/main" val="3623498126"/>
+                    </a:ext>
+                  </a:extLst>
+                </a:gridCol>
+                <a:gridCol w="3648075">
+                  <a:extLst>
+                    <a:ext uri="{9D8B030D-6E8A-4147-A177-3AD203B41FA5}">
+                      <a16:colId xmlns:a16="http://schemas.microsoft.com/office/drawing/2014/main" val="1235041197"/>
+                    </a:ext>
+                  </a:extLst>
+                </a:gridCol>
+                <a:gridCol w="6105529">
+                  <a:extLst>
+                    <a:ext uri="{9D8B030D-6E8A-4147-A177-3AD203B41FA5}">
+                      <a16:colId xmlns:a16="http://schemas.microsoft.com/office/drawing/2014/main" val="1647297921"/>
+                    </a:ext>
+                  </a:extLst>
+                </a:gridCol>
+              </a:tblGrid>
+              <a:tr h="370840">
+                <a:tc>
+                  <a:txBody>
+                    <a:bodyPr/>
+                    <a:lstStyle/>
+                    <a:p>
+                      <a:r>
+                        <a:rPr lang="en-US" sz="1200" dirty="0"/>
+                        <a:t>#</a:t>
+                      </a:r>
+                    </a:p>
+                  </a:txBody>
+                  <a:tcPr>
+                    <a:solidFill>
+                      <a:schemeClr val="accent2">
+                        <a:lumMod val="20000"/>
+                        <a:lumOff val="80000"/>
+                      </a:schemeClr>
+                    </a:solidFill>
+                  </a:tcPr>
+                </a:tc>
+                <a:tc>
+                  <a:txBody>
+                    <a:bodyPr/>
+                    <a:lstStyle/>
+                    <a:p>
+                      <a:r>
+                        <a:rPr lang="en-US" sz="1200" dirty="0"/>
+                        <a:t>Dt</a:t>
+                      </a:r>
+                    </a:p>
+                  </a:txBody>
+                  <a:tcPr>
+                    <a:solidFill>
+                      <a:schemeClr val="accent2">
+                        <a:lumMod val="20000"/>
+                        <a:lumOff val="80000"/>
+                      </a:schemeClr>
+                    </a:solidFill>
+                  </a:tcPr>
+                </a:tc>
+                <a:tc>
+                  <a:txBody>
+                    <a:bodyPr/>
+                    <a:lstStyle/>
+                    <a:p>
+                      <a:r>
+                        <a:rPr lang="en-US" sz="1200" dirty="0"/>
+                        <a:t>Item</a:t>
+                      </a:r>
+                    </a:p>
+                  </a:txBody>
+                  <a:tcPr>
+                    <a:solidFill>
+                      <a:schemeClr val="accent2">
+                        <a:lumMod val="20000"/>
+                        <a:lumOff val="80000"/>
+                      </a:schemeClr>
+                    </a:solidFill>
+                  </a:tcPr>
+                </a:tc>
+                <a:tc>
+                  <a:txBody>
+                    <a:bodyPr/>
+                    <a:lstStyle/>
+                    <a:p>
+                      <a:r>
+                        <a:rPr lang="en-US" sz="1200" dirty="0"/>
+                        <a:t>Description</a:t>
+                      </a:r>
+                    </a:p>
+                  </a:txBody>
+                  <a:tcPr>
+                    <a:solidFill>
+                      <a:schemeClr val="accent2">
+                        <a:lumMod val="20000"/>
+                        <a:lumOff val="80000"/>
+                      </a:schemeClr>
+                    </a:solidFill>
+                  </a:tcPr>
+                </a:tc>
+                <a:extLst>
+                  <a:ext uri="{0D108BD9-81ED-4DB2-BD59-A6C34878D82A}">
+                    <a16:rowId xmlns:a16="http://schemas.microsoft.com/office/drawing/2014/main" val="2610551403"/>
+                  </a:ext>
+                </a:extLst>
+              </a:tr>
+              <a:tr h="370840">
+                <a:tc>
+                  <a:txBody>
+                    <a:bodyPr/>
+                    <a:lstStyle/>
+                    <a:p>
+                      <a:r>
+                        <a:rPr lang="en-US" sz="1200" dirty="0"/>
+                        <a:t>1</a:t>
+                      </a:r>
+                    </a:p>
+                  </a:txBody>
+                  <a:tcPr/>
+                </a:tc>
+                <a:tc>
+                  <a:txBody>
+                    <a:bodyPr/>
+                    <a:lstStyle/>
+                    <a:p>
+                      <a:r>
+                        <a:rPr lang="en-US" sz="1200" dirty="0"/>
+                        <a:t>6/21/25</a:t>
+                      </a:r>
+                    </a:p>
+                  </a:txBody>
+                  <a:tcPr/>
+                </a:tc>
+                <a:tc>
+                  <a:txBody>
+                    <a:bodyPr/>
+                    <a:lstStyle/>
+                    <a:p>
+                      <a:r>
+                        <a:rPr lang="en-US" sz="1200" dirty="0"/>
+                        <a:t>Prompts</a:t>
+                      </a:r>
+                    </a:p>
+                  </a:txBody>
+                  <a:tcPr/>
+                </a:tc>
+                <a:tc>
+                  <a:txBody>
+                    <a:bodyPr/>
+                    <a:lstStyle/>
+                    <a:p>
+                      <a:endParaRPr lang="en-US" sz="1200"/>
+                    </a:p>
+                  </a:txBody>
+                  <a:tcPr/>
+                </a:tc>
+                <a:extLst>
+                  <a:ext uri="{0D108BD9-81ED-4DB2-BD59-A6C34878D82A}">
+                    <a16:rowId xmlns:a16="http://schemas.microsoft.com/office/drawing/2014/main" val="2089251083"/>
+                  </a:ext>
+                </a:extLst>
+              </a:tr>
+              <a:tr h="370840">
+                <a:tc>
+                  <a:txBody>
+                    <a:bodyPr/>
+                    <a:lstStyle/>
+                    <a:p>
+                      <a:endParaRPr lang="en-US" sz="1200"/>
+                    </a:p>
+                  </a:txBody>
+                  <a:tcPr/>
+                </a:tc>
+                <a:tc>
+                  <a:txBody>
+                    <a:bodyPr/>
+                    <a:lstStyle/>
+                    <a:p>
+                      <a:endParaRPr lang="en-US" sz="1200"/>
+                    </a:p>
+                  </a:txBody>
+                  <a:tcPr/>
+                </a:tc>
+                <a:tc>
+                  <a:txBody>
+                    <a:bodyPr/>
+                    <a:lstStyle/>
+                    <a:p>
+                      <a:r>
+                        <a:rPr lang="en-US" sz="1200" dirty="0"/>
+                        <a:t>Agentic: Function Calling</a:t>
+                      </a:r>
+                    </a:p>
+                  </a:txBody>
+                  <a:tcPr/>
+                </a:tc>
+                <a:tc>
+                  <a:txBody>
+                    <a:bodyPr/>
+                    <a:lstStyle/>
+                    <a:p>
+                      <a:endParaRPr lang="en-US" sz="1200"/>
+                    </a:p>
+                  </a:txBody>
+                  <a:tcPr/>
+                </a:tc>
+                <a:extLst>
+                  <a:ext uri="{0D108BD9-81ED-4DB2-BD59-A6C34878D82A}">
+                    <a16:rowId xmlns:a16="http://schemas.microsoft.com/office/drawing/2014/main" val="2744664031"/>
+                  </a:ext>
+                </a:extLst>
+              </a:tr>
+              <a:tr h="370840">
+                <a:tc>
+                  <a:txBody>
+                    <a:bodyPr/>
+                    <a:lstStyle/>
+                    <a:p>
+                      <a:endParaRPr lang="en-US" sz="1200"/>
+                    </a:p>
+                  </a:txBody>
+                  <a:tcPr/>
+                </a:tc>
+                <a:tc>
+                  <a:txBody>
+                    <a:bodyPr/>
+                    <a:lstStyle/>
+                    <a:p>
+                      <a:endParaRPr lang="en-US" sz="1200"/>
+                    </a:p>
+                  </a:txBody>
+                  <a:tcPr/>
+                </a:tc>
+                <a:tc>
+                  <a:txBody>
+                    <a:bodyPr/>
+                    <a:lstStyle/>
+                    <a:p>
+                      <a:r>
+                        <a:rPr lang="en-US" sz="1200" dirty="0" err="1"/>
+                        <a:t>ReACT</a:t>
+                      </a:r>
+                      <a:endParaRPr lang="en-US" sz="1200" dirty="0"/>
+                    </a:p>
+                  </a:txBody>
+                  <a:tcPr/>
+                </a:tc>
+                <a:tc>
+                  <a:txBody>
+                    <a:bodyPr/>
+                    <a:lstStyle/>
+                    <a:p>
+                      <a:endParaRPr lang="en-US" sz="1200"/>
+                    </a:p>
+                  </a:txBody>
+                  <a:tcPr/>
+                </a:tc>
+                <a:extLst>
+                  <a:ext uri="{0D108BD9-81ED-4DB2-BD59-A6C34878D82A}">
+                    <a16:rowId xmlns:a16="http://schemas.microsoft.com/office/drawing/2014/main" val="1993520166"/>
+                  </a:ext>
+                </a:extLst>
+              </a:tr>
+              <a:tr h="370840">
+                <a:tc>
+                  <a:txBody>
+                    <a:bodyPr/>
+                    <a:lstStyle/>
+                    <a:p>
+                      <a:endParaRPr lang="en-US" sz="1200"/>
+                    </a:p>
+                  </a:txBody>
+                  <a:tcPr/>
+                </a:tc>
+                <a:tc>
+                  <a:txBody>
+                    <a:bodyPr/>
+                    <a:lstStyle/>
+                    <a:p>
+                      <a:endParaRPr lang="en-US" sz="1200" dirty="0"/>
+                    </a:p>
+                  </a:txBody>
+                  <a:tcPr/>
+                </a:tc>
+                <a:tc>
+                  <a:txBody>
+                    <a:bodyPr/>
+                    <a:lstStyle/>
+                    <a:p>
+                      <a:r>
+                        <a:rPr lang="en-US" sz="1200" dirty="0"/>
+                        <a:t>Vector RAG: Chunking, Embedding, Retrieval</a:t>
+                      </a:r>
+                    </a:p>
+                  </a:txBody>
+                  <a:tcPr/>
+                </a:tc>
+                <a:tc>
+                  <a:txBody>
+                    <a:bodyPr/>
+                    <a:lstStyle/>
+                    <a:p>
+                      <a:endParaRPr lang="en-US" sz="1200" dirty="0"/>
+                    </a:p>
+                  </a:txBody>
+                  <a:tcPr/>
+                </a:tc>
+                <a:extLst>
+                  <a:ext uri="{0D108BD9-81ED-4DB2-BD59-A6C34878D82A}">
+                    <a16:rowId xmlns:a16="http://schemas.microsoft.com/office/drawing/2014/main" val="3271882266"/>
+                  </a:ext>
+                </a:extLst>
+              </a:tr>
+              <a:tr h="370840">
+                <a:tc>
+                  <a:txBody>
+                    <a:bodyPr/>
+                    <a:lstStyle/>
+                    <a:p>
+                      <a:endParaRPr lang="en-US" sz="1200" dirty="0"/>
+                    </a:p>
+                  </a:txBody>
+                  <a:tcPr/>
+                </a:tc>
+                <a:tc>
+                  <a:txBody>
+                    <a:bodyPr/>
+                    <a:lstStyle/>
+                    <a:p>
+                      <a:endParaRPr lang="en-US" sz="1200" dirty="0"/>
+                    </a:p>
+                  </a:txBody>
+                  <a:tcPr/>
+                </a:tc>
+                <a:tc>
+                  <a:txBody>
+                    <a:bodyPr/>
+                    <a:lstStyle/>
+                    <a:p>
+                      <a:r>
+                        <a:rPr lang="en-US" sz="1200" dirty="0" err="1"/>
+                        <a:t>LangGraph</a:t>
+                      </a:r>
+                      <a:endParaRPr lang="en-US" sz="1200" dirty="0"/>
+                    </a:p>
+                  </a:txBody>
+                  <a:tcPr/>
+                </a:tc>
+                <a:tc>
+                  <a:txBody>
+                    <a:bodyPr/>
+                    <a:lstStyle/>
+                    <a:p>
+                      <a:endParaRPr lang="en-US" sz="1200" dirty="0"/>
+                    </a:p>
+                  </a:txBody>
+                  <a:tcPr/>
+                </a:tc>
+                <a:extLst>
+                  <a:ext uri="{0D108BD9-81ED-4DB2-BD59-A6C34878D82A}">
+                    <a16:rowId xmlns:a16="http://schemas.microsoft.com/office/drawing/2014/main" val="2737562533"/>
+                  </a:ext>
+                </a:extLst>
+              </a:tr>
+              <a:tr h="370840">
+                <a:tc>
+                  <a:txBody>
+                    <a:bodyPr/>
+                    <a:lstStyle/>
+                    <a:p>
+                      <a:endParaRPr lang="en-US" sz="1200" dirty="0"/>
+                    </a:p>
+                  </a:txBody>
+                  <a:tcPr/>
+                </a:tc>
+                <a:tc>
+                  <a:txBody>
+                    <a:bodyPr/>
+                    <a:lstStyle/>
+                    <a:p>
+                      <a:endParaRPr lang="en-US" sz="1200" dirty="0"/>
+                    </a:p>
+                  </a:txBody>
+                  <a:tcPr/>
+                </a:tc>
+                <a:tc>
+                  <a:txBody>
+                    <a:bodyPr/>
+                    <a:lstStyle/>
+                    <a:p>
+                      <a:r>
+                        <a:rPr lang="en-US" sz="1200" dirty="0"/>
+                        <a:t>Protocol: MCP</a:t>
+                      </a:r>
+                    </a:p>
+                  </a:txBody>
+                  <a:tcPr/>
+                </a:tc>
+                <a:tc>
+                  <a:txBody>
+                    <a:bodyPr/>
+                    <a:lstStyle/>
+                    <a:p>
+                      <a:endParaRPr lang="en-US" sz="1200" dirty="0"/>
+                    </a:p>
+                  </a:txBody>
+                  <a:tcPr/>
+                </a:tc>
+                <a:extLst>
+                  <a:ext uri="{0D108BD9-81ED-4DB2-BD59-A6C34878D82A}">
+                    <a16:rowId xmlns:a16="http://schemas.microsoft.com/office/drawing/2014/main" val="4045382501"/>
+                  </a:ext>
+                </a:extLst>
+              </a:tr>
+              <a:tr h="370840">
+                <a:tc>
+                  <a:txBody>
+                    <a:bodyPr/>
+                    <a:lstStyle/>
+                    <a:p>
+                      <a:endParaRPr lang="en-US" sz="1200" dirty="0"/>
+                    </a:p>
+                  </a:txBody>
+                  <a:tcPr/>
+                </a:tc>
+                <a:tc>
+                  <a:txBody>
+                    <a:bodyPr/>
+                    <a:lstStyle/>
+                    <a:p>
+                      <a:endParaRPr lang="en-US" sz="1200" dirty="0"/>
+                    </a:p>
+                  </a:txBody>
+                  <a:tcPr/>
+                </a:tc>
+                <a:tc>
+                  <a:txBody>
+                    <a:bodyPr/>
+                    <a:lstStyle/>
+                    <a:p>
+                      <a:r>
+                        <a:rPr lang="en-US" sz="1200" dirty="0"/>
+                        <a:t>Agents/</a:t>
+                      </a:r>
+                      <a:r>
+                        <a:rPr lang="en-US" sz="1200" dirty="0" err="1"/>
+                        <a:t>CrewAI</a:t>
+                      </a:r>
+                      <a:endParaRPr lang="en-US" sz="1200" dirty="0"/>
+                    </a:p>
+                  </a:txBody>
+                  <a:tcPr/>
+                </a:tc>
+                <a:tc>
+                  <a:txBody>
+                    <a:bodyPr/>
+                    <a:lstStyle/>
+                    <a:p>
+                      <a:endParaRPr lang="en-US" sz="1200" dirty="0"/>
+                    </a:p>
+                  </a:txBody>
+                  <a:tcPr/>
+                </a:tc>
+                <a:extLst>
+                  <a:ext uri="{0D108BD9-81ED-4DB2-BD59-A6C34878D82A}">
+                    <a16:rowId xmlns:a16="http://schemas.microsoft.com/office/drawing/2014/main" val="2395828522"/>
+                  </a:ext>
+                </a:extLst>
+              </a:tr>
+              <a:tr h="370840">
+                <a:tc>
+                  <a:txBody>
+                    <a:bodyPr/>
+                    <a:lstStyle/>
+                    <a:p>
+                      <a:endParaRPr lang="en-US" sz="1200" dirty="0"/>
+                    </a:p>
+                  </a:txBody>
+                  <a:tcPr/>
+                </a:tc>
+                <a:tc>
+                  <a:txBody>
+                    <a:bodyPr/>
+                    <a:lstStyle/>
+                    <a:p>
+                      <a:endParaRPr lang="en-US" sz="1200" dirty="0"/>
+                    </a:p>
+                  </a:txBody>
+                  <a:tcPr/>
+                </a:tc>
+                <a:tc>
+                  <a:txBody>
+                    <a:bodyPr/>
+                    <a:lstStyle/>
+                    <a:p>
+                      <a:r>
+                        <a:rPr lang="en-US" sz="1200" dirty="0"/>
+                        <a:t>Protocol: A2A</a:t>
+                      </a:r>
+                    </a:p>
+                  </a:txBody>
+                  <a:tcPr/>
+                </a:tc>
+                <a:tc>
+                  <a:txBody>
+                    <a:bodyPr/>
+                    <a:lstStyle/>
+                    <a:p>
+                      <a:endParaRPr lang="en-US" sz="1200" dirty="0"/>
+                    </a:p>
+                  </a:txBody>
+                  <a:tcPr/>
+                </a:tc>
+                <a:extLst>
+                  <a:ext uri="{0D108BD9-81ED-4DB2-BD59-A6C34878D82A}">
+                    <a16:rowId xmlns:a16="http://schemas.microsoft.com/office/drawing/2014/main" val="3775368327"/>
+                  </a:ext>
+                </a:extLst>
+              </a:tr>
+              <a:tr h="370840">
+                <a:tc>
+                  <a:txBody>
+                    <a:bodyPr/>
+                    <a:lstStyle/>
+                    <a:p>
+                      <a:endParaRPr lang="en-US" sz="1200" dirty="0"/>
+                    </a:p>
+                  </a:txBody>
+                  <a:tcPr/>
+                </a:tc>
+                <a:tc>
+                  <a:txBody>
+                    <a:bodyPr/>
+                    <a:lstStyle/>
+                    <a:p>
+                      <a:endParaRPr lang="en-US" sz="1200" dirty="0"/>
+                    </a:p>
+                  </a:txBody>
+                  <a:tcPr/>
+                </a:tc>
+                <a:tc>
+                  <a:txBody>
+                    <a:bodyPr/>
+                    <a:lstStyle/>
+                    <a:p>
+                      <a:endParaRPr lang="en-US" sz="1200" dirty="0"/>
+                    </a:p>
+                  </a:txBody>
+                  <a:tcPr/>
+                </a:tc>
+                <a:tc>
+                  <a:txBody>
+                    <a:bodyPr/>
+                    <a:lstStyle/>
+                    <a:p>
+                      <a:endParaRPr lang="en-US" sz="1200" dirty="0"/>
+                    </a:p>
+                  </a:txBody>
+                  <a:tcPr/>
+                </a:tc>
+                <a:extLst>
+                  <a:ext uri="{0D108BD9-81ED-4DB2-BD59-A6C34878D82A}">
+                    <a16:rowId xmlns:a16="http://schemas.microsoft.com/office/drawing/2014/main" val="573029930"/>
+                  </a:ext>
+                </a:extLst>
+              </a:tr>
+              <a:tr h="370840">
+                <a:tc>
+                  <a:txBody>
+                    <a:bodyPr/>
+                    <a:lstStyle/>
+                    <a:p>
+                      <a:endParaRPr lang="en-US" sz="1200" dirty="0"/>
+                    </a:p>
+                  </a:txBody>
+                  <a:tcPr/>
+                </a:tc>
+                <a:tc>
+                  <a:txBody>
+                    <a:bodyPr/>
+                    <a:lstStyle/>
+                    <a:p>
+                      <a:endParaRPr lang="en-US" sz="1200" dirty="0"/>
+                    </a:p>
+                  </a:txBody>
+                  <a:tcPr/>
+                </a:tc>
+                <a:tc>
+                  <a:txBody>
+                    <a:bodyPr/>
+                    <a:lstStyle/>
+                    <a:p>
+                      <a:endParaRPr lang="en-US" sz="1200" dirty="0"/>
+                    </a:p>
+                  </a:txBody>
+                  <a:tcPr/>
+                </a:tc>
+                <a:tc>
+                  <a:txBody>
+                    <a:bodyPr/>
+                    <a:lstStyle/>
+                    <a:p>
+                      <a:endParaRPr lang="en-US" sz="1200" dirty="0"/>
+                    </a:p>
+                  </a:txBody>
+                  <a:tcPr/>
+                </a:tc>
+                <a:extLst>
+                  <a:ext uri="{0D108BD9-81ED-4DB2-BD59-A6C34878D82A}">
+                    <a16:rowId xmlns:a16="http://schemas.microsoft.com/office/drawing/2014/main" val="3250879918"/>
+                  </a:ext>
+                </a:extLst>
+              </a:tr>
+            </a:tbl>
+          </a:graphicData>
+        </a:graphic>
+      </p:graphicFrame>
+    </p:spTree>
+    <p:extLst>
+      <p:ext uri="{BB962C8B-B14F-4D97-AF65-F5344CB8AC3E}">
+        <p14:creationId xmlns:p14="http://schemas.microsoft.com/office/powerpoint/2010/main" val="2885560608"/>
+      </p:ext>
+    </p:extLst>
+  </p:cSld>
+  <p:clrMapOvr>
+    <a:masterClrMapping/>
+  </p:clrMapOvr>
+</p:sld>
+</file>
+
+<file path=ppt/slides/slide19.xml><?xml version="1.0" encoding="utf-8"?>
+<p:sld xmlns:a="http://schemas.openxmlformats.org/drawingml/2006/main" xmlns:r="http://schemas.openxmlformats.org/officeDocument/2006/relationships" xmlns:p="http://schemas.openxmlformats.org/presentationml/2006/main">
+  <p:cSld>
+    <p:spTree>
+      <p:nvGrpSpPr>
+        <p:cNvPr id="1" name=""/>
+        <p:cNvGrpSpPr/>
+        <p:nvPr/>
+      </p:nvGrpSpPr>
+      <p:grpSpPr>
+        <a:xfrm>
+          <a:off x="0" y="0"/>
+          <a:ext cx="0" cy="0"/>
+          <a:chOff x="0" y="0"/>
+          <a:chExt cx="0" cy="0"/>
+        </a:xfrm>
+      </p:grpSpPr>
+      <p:sp>
+        <p:nvSpPr>
+          <p:cNvPr id="4" name="Title 3">
+            <a:extLst>
+              <a:ext uri="{FF2B5EF4-FFF2-40B4-BE49-F238E27FC236}">
+                <a16:creationId xmlns:a16="http://schemas.microsoft.com/office/drawing/2014/main" id="{B6780DC8-0F69-09B9-3693-249C8845B085}"/>
+              </a:ext>
+            </a:extLst>
+          </p:cNvPr>
+          <p:cNvSpPr>
+            <a:spLocks noGrp="1"/>
+          </p:cNvSpPr>
+          <p:nvPr>
+            <p:ph type="title"/>
+          </p:nvPr>
+        </p:nvSpPr>
+        <p:spPr/>
+        <p:txBody>
+          <a:bodyPr/>
+          <a:lstStyle/>
+          <a:p>
+            <a:r>
+              <a:rPr lang="en-US" dirty="0"/>
+              <a:t>Key References: Coding</a:t>
+            </a:r>
+          </a:p>
+        </p:txBody>
+      </p:sp>
+      <p:sp>
+        <p:nvSpPr>
+          <p:cNvPr id="3" name="Slide Number Placeholder 2">
+            <a:extLst>
+              <a:ext uri="{FF2B5EF4-FFF2-40B4-BE49-F238E27FC236}">
+                <a16:creationId xmlns:a16="http://schemas.microsoft.com/office/drawing/2014/main" id="{62C3FC39-DA47-74BD-16DF-A2D67154BD62}"/>
+              </a:ext>
+            </a:extLst>
+          </p:cNvPr>
+          <p:cNvSpPr>
+            <a:spLocks noGrp="1"/>
+          </p:cNvSpPr>
+          <p:nvPr>
+            <p:ph type="sldNum" sz="quarter" idx="12"/>
+          </p:nvPr>
+        </p:nvSpPr>
+        <p:spPr/>
+        <p:txBody>
+          <a:bodyPr/>
+          <a:lstStyle/>
+          <a:p>
+            <a:fld id="{80473052-BA07-4FC5-9696-A0F7625044DE}" type="slidenum">
+              <a:rPr lang="en-US" smtClean="0"/>
+              <a:t>19</a:t>
+            </a:fld>
+            <a:endParaRPr lang="en-US"/>
+          </a:p>
+        </p:txBody>
+      </p:sp>
+      <p:graphicFrame>
+        <p:nvGraphicFramePr>
+          <p:cNvPr id="5" name="Table 4">
+            <a:extLst>
+              <a:ext uri="{FF2B5EF4-FFF2-40B4-BE49-F238E27FC236}">
+                <a16:creationId xmlns:a16="http://schemas.microsoft.com/office/drawing/2014/main" id="{EBB13454-47D9-9C24-B983-F1A034920ED2}"/>
+              </a:ext>
+            </a:extLst>
+          </p:cNvPr>
+          <p:cNvGraphicFramePr>
+            <a:graphicFrameLocks noGrp="1"/>
+          </p:cNvGraphicFramePr>
+          <p:nvPr>
+            <p:extLst>
+              <p:ext uri="{D42A27DB-BD31-4B8C-83A1-F6EECF244321}">
+                <p14:modId xmlns:p14="http://schemas.microsoft.com/office/powerpoint/2010/main" val="1526453117"/>
+              </p:ext>
+            </p:extLst>
+          </p:nvPr>
+        </p:nvGraphicFramePr>
+        <p:xfrm>
+          <a:off x="552448" y="1043516"/>
+          <a:ext cx="11087104" cy="4079240"/>
+        </p:xfrm>
+        <a:graphic>
+          <a:graphicData uri="http://schemas.openxmlformats.org/drawingml/2006/table">
+            <a:tbl>
+              <a:tblPr firstRow="1" bandRow="1">
+                <a:tableStyleId>{5940675A-B579-460E-94D1-54222C63F5DA}</a:tableStyleId>
+              </a:tblPr>
+              <a:tblGrid>
+                <a:gridCol w="495302">
+                  <a:extLst>
+                    <a:ext uri="{9D8B030D-6E8A-4147-A177-3AD203B41FA5}">
+                      <a16:colId xmlns:a16="http://schemas.microsoft.com/office/drawing/2014/main" val="1085893701"/>
+                    </a:ext>
+                  </a:extLst>
+                </a:gridCol>
+                <a:gridCol w="838198">
+                  <a:extLst>
+                    <a:ext uri="{9D8B030D-6E8A-4147-A177-3AD203B41FA5}">
+                      <a16:colId xmlns:a16="http://schemas.microsoft.com/office/drawing/2014/main" val="3623498126"/>
+                    </a:ext>
+                  </a:extLst>
+                </a:gridCol>
+                <a:gridCol w="3648075">
+                  <a:extLst>
+                    <a:ext uri="{9D8B030D-6E8A-4147-A177-3AD203B41FA5}">
+                      <a16:colId xmlns:a16="http://schemas.microsoft.com/office/drawing/2014/main" val="1235041197"/>
+                    </a:ext>
+                  </a:extLst>
+                </a:gridCol>
+                <a:gridCol w="6105529">
+                  <a:extLst>
+                    <a:ext uri="{9D8B030D-6E8A-4147-A177-3AD203B41FA5}">
+                      <a16:colId xmlns:a16="http://schemas.microsoft.com/office/drawing/2014/main" val="1647297921"/>
+                    </a:ext>
+                  </a:extLst>
+                </a:gridCol>
+              </a:tblGrid>
+              <a:tr h="370840">
+                <a:tc>
+                  <a:txBody>
+                    <a:bodyPr/>
+                    <a:lstStyle/>
+                    <a:p>
+                      <a:r>
+                        <a:rPr lang="en-US" sz="1200" dirty="0"/>
+                        <a:t>#</a:t>
+                      </a:r>
+                    </a:p>
+                  </a:txBody>
+                  <a:tcPr>
+                    <a:solidFill>
+                      <a:schemeClr val="accent2">
+                        <a:lumMod val="20000"/>
+                        <a:lumOff val="80000"/>
+                      </a:schemeClr>
+                    </a:solidFill>
+                  </a:tcPr>
+                </a:tc>
+                <a:tc>
+                  <a:txBody>
+                    <a:bodyPr/>
+                    <a:lstStyle/>
+                    <a:p>
+                      <a:r>
+                        <a:rPr lang="en-US" sz="1200" dirty="0"/>
+                        <a:t>Dt</a:t>
+                      </a:r>
+                    </a:p>
+                  </a:txBody>
+                  <a:tcPr>
+                    <a:solidFill>
+                      <a:schemeClr val="accent2">
+                        <a:lumMod val="20000"/>
+                        <a:lumOff val="80000"/>
+                      </a:schemeClr>
+                    </a:solidFill>
+                  </a:tcPr>
+                </a:tc>
+                <a:tc>
+                  <a:txBody>
+                    <a:bodyPr/>
+                    <a:lstStyle/>
+                    <a:p>
+                      <a:r>
+                        <a:rPr lang="en-US" sz="1200" dirty="0"/>
+                        <a:t>Item</a:t>
+                      </a:r>
+                    </a:p>
+                  </a:txBody>
+                  <a:tcPr>
+                    <a:solidFill>
+                      <a:schemeClr val="accent2">
+                        <a:lumMod val="20000"/>
+                        <a:lumOff val="80000"/>
+                      </a:schemeClr>
+                    </a:solidFill>
+                  </a:tcPr>
+                </a:tc>
+                <a:tc>
+                  <a:txBody>
+                    <a:bodyPr/>
+                    <a:lstStyle/>
+                    <a:p>
+                      <a:r>
+                        <a:rPr lang="en-US" sz="1200" dirty="0"/>
+                        <a:t>Description</a:t>
+                      </a:r>
+                    </a:p>
+                  </a:txBody>
+                  <a:tcPr>
+                    <a:solidFill>
+                      <a:schemeClr val="accent2">
+                        <a:lumMod val="20000"/>
+                        <a:lumOff val="80000"/>
+                      </a:schemeClr>
+                    </a:solidFill>
+                  </a:tcPr>
+                </a:tc>
+                <a:extLst>
+                  <a:ext uri="{0D108BD9-81ED-4DB2-BD59-A6C34878D82A}">
+                    <a16:rowId xmlns:a16="http://schemas.microsoft.com/office/drawing/2014/main" val="2610551403"/>
+                  </a:ext>
+                </a:extLst>
+              </a:tr>
+              <a:tr h="370840">
+                <a:tc>
+                  <a:txBody>
+                    <a:bodyPr/>
+                    <a:lstStyle/>
+                    <a:p>
+                      <a:r>
+                        <a:rPr lang="en-US" sz="1200" dirty="0"/>
+                        <a:t>1</a:t>
+                      </a:r>
+                    </a:p>
+                  </a:txBody>
+                  <a:tcPr/>
+                </a:tc>
+                <a:tc>
+                  <a:txBody>
+                    <a:bodyPr/>
+                    <a:lstStyle/>
+                    <a:p>
+                      <a:r>
+                        <a:rPr lang="en-US" sz="1200" dirty="0"/>
+                        <a:t>6/21/25</a:t>
+                      </a:r>
+                    </a:p>
+                  </a:txBody>
+                  <a:tcPr/>
+                </a:tc>
+                <a:tc>
+                  <a:txBody>
+                    <a:bodyPr/>
+                    <a:lstStyle/>
+                    <a:p>
+                      <a:r>
+                        <a:rPr lang="en-US" sz="1200" dirty="0"/>
+                        <a:t>Github Copilot</a:t>
+                      </a:r>
+                    </a:p>
+                  </a:txBody>
+                  <a:tcPr/>
+                </a:tc>
+                <a:tc>
+                  <a:txBody>
+                    <a:bodyPr/>
+                    <a:lstStyle/>
+                    <a:p>
+                      <a:endParaRPr lang="en-US" sz="1200"/>
+                    </a:p>
+                  </a:txBody>
+                  <a:tcPr/>
+                </a:tc>
+                <a:extLst>
+                  <a:ext uri="{0D108BD9-81ED-4DB2-BD59-A6C34878D82A}">
+                    <a16:rowId xmlns:a16="http://schemas.microsoft.com/office/drawing/2014/main" val="2089251083"/>
+                  </a:ext>
+                </a:extLst>
+              </a:tr>
+              <a:tr h="370840">
+                <a:tc>
+                  <a:txBody>
+                    <a:bodyPr/>
+                    <a:lstStyle/>
+                    <a:p>
+                      <a:endParaRPr lang="en-US" sz="1200"/>
+                    </a:p>
+                  </a:txBody>
+                  <a:tcPr/>
+                </a:tc>
+                <a:tc>
+                  <a:txBody>
+                    <a:bodyPr/>
+                    <a:lstStyle/>
+                    <a:p>
+                      <a:endParaRPr lang="en-US" sz="1200"/>
+                    </a:p>
+                  </a:txBody>
+                  <a:tcPr/>
+                </a:tc>
+                <a:tc>
+                  <a:txBody>
+                    <a:bodyPr/>
+                    <a:lstStyle/>
+                    <a:p>
+                      <a:r>
+                        <a:rPr lang="en-US" sz="1200" dirty="0"/>
+                        <a:t>Cursor</a:t>
+                      </a:r>
+                    </a:p>
+                  </a:txBody>
+                  <a:tcPr/>
+                </a:tc>
+                <a:tc>
+                  <a:txBody>
+                    <a:bodyPr/>
+                    <a:lstStyle/>
+                    <a:p>
+                      <a:endParaRPr lang="en-US" sz="1200"/>
+                    </a:p>
+                  </a:txBody>
+                  <a:tcPr/>
+                </a:tc>
+                <a:extLst>
+                  <a:ext uri="{0D108BD9-81ED-4DB2-BD59-A6C34878D82A}">
+                    <a16:rowId xmlns:a16="http://schemas.microsoft.com/office/drawing/2014/main" val="2744664031"/>
+                  </a:ext>
+                </a:extLst>
+              </a:tr>
+              <a:tr h="370840">
+                <a:tc>
+                  <a:txBody>
+                    <a:bodyPr/>
+                    <a:lstStyle/>
+                    <a:p>
+                      <a:endParaRPr lang="en-US" sz="1200"/>
+                    </a:p>
+                  </a:txBody>
+                  <a:tcPr/>
+                </a:tc>
+                <a:tc>
+                  <a:txBody>
+                    <a:bodyPr/>
+                    <a:lstStyle/>
+                    <a:p>
+                      <a:endParaRPr lang="en-US" sz="1200"/>
+                    </a:p>
+                  </a:txBody>
+                  <a:tcPr/>
+                </a:tc>
+                <a:tc>
+                  <a:txBody>
+                    <a:bodyPr/>
+                    <a:lstStyle/>
+                    <a:p>
+                      <a:r>
+                        <a:rPr lang="en-US" sz="1200" dirty="0"/>
+                        <a:t>Anthropic</a:t>
+                      </a:r>
+                    </a:p>
+                  </a:txBody>
+                  <a:tcPr/>
+                </a:tc>
+                <a:tc>
+                  <a:txBody>
+                    <a:bodyPr/>
+                    <a:lstStyle/>
+                    <a:p>
+                      <a:endParaRPr lang="en-US" sz="1200"/>
+                    </a:p>
+                  </a:txBody>
+                  <a:tcPr/>
+                </a:tc>
+                <a:extLst>
+                  <a:ext uri="{0D108BD9-81ED-4DB2-BD59-A6C34878D82A}">
+                    <a16:rowId xmlns:a16="http://schemas.microsoft.com/office/drawing/2014/main" val="1993520166"/>
+                  </a:ext>
+                </a:extLst>
+              </a:tr>
+              <a:tr h="370840">
+                <a:tc>
+                  <a:txBody>
+                    <a:bodyPr/>
+                    <a:lstStyle/>
+                    <a:p>
+                      <a:endParaRPr lang="en-US" sz="1200"/>
+                    </a:p>
+                  </a:txBody>
+                  <a:tcPr/>
+                </a:tc>
+                <a:tc>
+                  <a:txBody>
+                    <a:bodyPr/>
+                    <a:lstStyle/>
+                    <a:p>
+                      <a:endParaRPr lang="en-US" sz="1200" dirty="0"/>
+                    </a:p>
+                  </a:txBody>
+                  <a:tcPr/>
+                </a:tc>
+                <a:tc>
+                  <a:txBody>
+                    <a:bodyPr/>
+                    <a:lstStyle/>
+                    <a:p>
+                      <a:r>
+                        <a:rPr lang="en-US" sz="1200" dirty="0"/>
+                        <a:t>OpenAI Canvas</a:t>
+                      </a:r>
+                    </a:p>
+                  </a:txBody>
+                  <a:tcPr/>
+                </a:tc>
+                <a:tc>
+                  <a:txBody>
+                    <a:bodyPr/>
+                    <a:lstStyle/>
+                    <a:p>
+                      <a:endParaRPr lang="en-US" sz="1200" dirty="0"/>
+                    </a:p>
+                  </a:txBody>
+                  <a:tcPr/>
+                </a:tc>
+                <a:extLst>
+                  <a:ext uri="{0D108BD9-81ED-4DB2-BD59-A6C34878D82A}">
+                    <a16:rowId xmlns:a16="http://schemas.microsoft.com/office/drawing/2014/main" val="3271882266"/>
+                  </a:ext>
+                </a:extLst>
+              </a:tr>
+              <a:tr h="370840">
+                <a:tc>
+                  <a:txBody>
+                    <a:bodyPr/>
+                    <a:lstStyle/>
+                    <a:p>
+                      <a:endParaRPr lang="en-US" sz="1200" dirty="0"/>
+                    </a:p>
+                  </a:txBody>
+                  <a:tcPr/>
+                </a:tc>
+                <a:tc>
+                  <a:txBody>
+                    <a:bodyPr/>
+                    <a:lstStyle/>
+                    <a:p>
+                      <a:endParaRPr lang="en-US" sz="1200" dirty="0"/>
+                    </a:p>
+                  </a:txBody>
+                  <a:tcPr/>
+                </a:tc>
+                <a:tc>
+                  <a:txBody>
+                    <a:bodyPr/>
+                    <a:lstStyle/>
+                    <a:p>
+                      <a:r>
+                        <a:rPr lang="en-US" sz="1200" dirty="0"/>
+                        <a:t>OpenAI Codex</a:t>
+                      </a:r>
+                    </a:p>
+                  </a:txBody>
+                  <a:tcPr/>
+                </a:tc>
+                <a:tc>
+                  <a:txBody>
+                    <a:bodyPr/>
+                    <a:lstStyle/>
+                    <a:p>
+                      <a:endParaRPr lang="en-US" sz="1200" dirty="0"/>
+                    </a:p>
+                  </a:txBody>
+                  <a:tcPr/>
+                </a:tc>
+                <a:extLst>
+                  <a:ext uri="{0D108BD9-81ED-4DB2-BD59-A6C34878D82A}">
+                    <a16:rowId xmlns:a16="http://schemas.microsoft.com/office/drawing/2014/main" val="2737562533"/>
+                  </a:ext>
+                </a:extLst>
+              </a:tr>
+              <a:tr h="370840">
+                <a:tc>
+                  <a:txBody>
+                    <a:bodyPr/>
+                    <a:lstStyle/>
+                    <a:p>
+                      <a:endParaRPr lang="en-US" sz="1200" dirty="0"/>
+                    </a:p>
+                  </a:txBody>
+                  <a:tcPr/>
+                </a:tc>
+                <a:tc>
+                  <a:txBody>
+                    <a:bodyPr/>
+                    <a:lstStyle/>
+                    <a:p>
+                      <a:endParaRPr lang="en-US" sz="1200" dirty="0"/>
+                    </a:p>
+                  </a:txBody>
+                  <a:tcPr/>
+                </a:tc>
+                <a:tc>
+                  <a:txBody>
+                    <a:bodyPr/>
+                    <a:lstStyle/>
+                    <a:p>
+                      <a:r>
+                        <a:rPr lang="en-US" sz="1200" dirty="0"/>
+                        <a:t>Perplexity</a:t>
+                      </a:r>
+                    </a:p>
+                  </a:txBody>
+                  <a:tcPr/>
+                </a:tc>
+                <a:tc>
+                  <a:txBody>
+                    <a:bodyPr/>
+                    <a:lstStyle/>
+                    <a:p>
+                      <a:endParaRPr lang="en-US" sz="1200" dirty="0"/>
+                    </a:p>
+                  </a:txBody>
+                  <a:tcPr/>
+                </a:tc>
+                <a:extLst>
+                  <a:ext uri="{0D108BD9-81ED-4DB2-BD59-A6C34878D82A}">
+                    <a16:rowId xmlns:a16="http://schemas.microsoft.com/office/drawing/2014/main" val="4045382501"/>
+                  </a:ext>
+                </a:extLst>
+              </a:tr>
+              <a:tr h="370840">
+                <a:tc>
+                  <a:txBody>
+                    <a:bodyPr/>
+                    <a:lstStyle/>
+                    <a:p>
+                      <a:endParaRPr lang="en-US" sz="1200" dirty="0"/>
+                    </a:p>
+                  </a:txBody>
+                  <a:tcPr/>
+                </a:tc>
+                <a:tc>
+                  <a:txBody>
+                    <a:bodyPr/>
+                    <a:lstStyle/>
+                    <a:p>
+                      <a:endParaRPr lang="en-US" sz="1200" dirty="0"/>
+                    </a:p>
+                  </a:txBody>
+                  <a:tcPr/>
+                </a:tc>
+                <a:tc>
+                  <a:txBody>
+                    <a:bodyPr/>
+                    <a:lstStyle/>
+                    <a:p>
+                      <a:r>
+                        <a:rPr lang="en-US" sz="1200" dirty="0"/>
+                        <a:t>Windsurf</a:t>
+                      </a:r>
+                    </a:p>
+                  </a:txBody>
+                  <a:tcPr/>
+                </a:tc>
+                <a:tc>
+                  <a:txBody>
+                    <a:bodyPr/>
+                    <a:lstStyle/>
+                    <a:p>
+                      <a:endParaRPr lang="en-US" sz="1200" dirty="0"/>
+                    </a:p>
+                  </a:txBody>
+                  <a:tcPr/>
+                </a:tc>
+                <a:extLst>
+                  <a:ext uri="{0D108BD9-81ED-4DB2-BD59-A6C34878D82A}">
+                    <a16:rowId xmlns:a16="http://schemas.microsoft.com/office/drawing/2014/main" val="2395828522"/>
+                  </a:ext>
+                </a:extLst>
+              </a:tr>
+              <a:tr h="370840">
+                <a:tc>
+                  <a:txBody>
+                    <a:bodyPr/>
+                    <a:lstStyle/>
+                    <a:p>
+                      <a:endParaRPr lang="en-US" sz="1200" dirty="0"/>
+                    </a:p>
+                  </a:txBody>
+                  <a:tcPr/>
+                </a:tc>
+                <a:tc>
+                  <a:txBody>
+                    <a:bodyPr/>
+                    <a:lstStyle/>
+                    <a:p>
+                      <a:endParaRPr lang="en-US" sz="1200" dirty="0"/>
+                    </a:p>
+                  </a:txBody>
+                  <a:tcPr/>
+                </a:tc>
+                <a:tc>
+                  <a:txBody>
+                    <a:bodyPr/>
+                    <a:lstStyle/>
+                    <a:p>
+                      <a:r>
+                        <a:rPr lang="en-US" sz="1200" dirty="0" err="1"/>
+                        <a:t>Vercel</a:t>
+                      </a:r>
+                      <a:endParaRPr lang="en-US" sz="1200" dirty="0"/>
+                    </a:p>
+                  </a:txBody>
+                  <a:tcPr/>
+                </a:tc>
+                <a:tc>
+                  <a:txBody>
+                    <a:bodyPr/>
+                    <a:lstStyle/>
+                    <a:p>
+                      <a:endParaRPr lang="en-US" sz="1200" dirty="0"/>
+                    </a:p>
+                  </a:txBody>
+                  <a:tcPr/>
+                </a:tc>
+                <a:extLst>
+                  <a:ext uri="{0D108BD9-81ED-4DB2-BD59-A6C34878D82A}">
+                    <a16:rowId xmlns:a16="http://schemas.microsoft.com/office/drawing/2014/main" val="3775368327"/>
+                  </a:ext>
+                </a:extLst>
+              </a:tr>
+              <a:tr h="370840">
+                <a:tc>
+                  <a:txBody>
+                    <a:bodyPr/>
+                    <a:lstStyle/>
+                    <a:p>
+                      <a:endParaRPr lang="en-US" sz="1200" dirty="0"/>
+                    </a:p>
+                  </a:txBody>
+                  <a:tcPr/>
+                </a:tc>
+                <a:tc>
+                  <a:txBody>
+                    <a:bodyPr/>
+                    <a:lstStyle/>
+                    <a:p>
+                      <a:endParaRPr lang="en-US" sz="1200" dirty="0"/>
+                    </a:p>
+                  </a:txBody>
+                  <a:tcPr/>
+                </a:tc>
+                <a:tc>
+                  <a:txBody>
+                    <a:bodyPr/>
+                    <a:lstStyle/>
+                    <a:p>
+                      <a:r>
+                        <a:rPr lang="en-US" sz="1200" dirty="0" err="1"/>
+                        <a:t>Replit</a:t>
+                      </a:r>
+                      <a:endParaRPr lang="en-US" sz="1200" dirty="0"/>
+                    </a:p>
+                  </a:txBody>
+                  <a:tcPr/>
+                </a:tc>
+                <a:tc>
+                  <a:txBody>
+                    <a:bodyPr/>
+                    <a:lstStyle/>
+                    <a:p>
+                      <a:endParaRPr lang="en-US" sz="1200" dirty="0"/>
+                    </a:p>
+                  </a:txBody>
+                  <a:tcPr/>
+                </a:tc>
+                <a:extLst>
+                  <a:ext uri="{0D108BD9-81ED-4DB2-BD59-A6C34878D82A}">
+                    <a16:rowId xmlns:a16="http://schemas.microsoft.com/office/drawing/2014/main" val="573029930"/>
+                  </a:ext>
+                </a:extLst>
+              </a:tr>
+              <a:tr h="370840">
+                <a:tc>
+                  <a:txBody>
+                    <a:bodyPr/>
+                    <a:lstStyle/>
+                    <a:p>
+                      <a:endParaRPr lang="en-US" sz="1200" dirty="0"/>
+                    </a:p>
+                  </a:txBody>
+                  <a:tcPr/>
+                </a:tc>
+                <a:tc>
+                  <a:txBody>
+                    <a:bodyPr/>
+                    <a:lstStyle/>
+                    <a:p>
+                      <a:endParaRPr lang="en-US" sz="1200" dirty="0"/>
+                    </a:p>
+                  </a:txBody>
+                  <a:tcPr/>
+                </a:tc>
+                <a:tc>
+                  <a:txBody>
+                    <a:bodyPr/>
+                    <a:lstStyle/>
+                    <a:p>
+                      <a:endParaRPr lang="en-US" sz="1200" dirty="0"/>
+                    </a:p>
+                  </a:txBody>
+                  <a:tcPr/>
+                </a:tc>
+                <a:tc>
+                  <a:txBody>
+                    <a:bodyPr/>
+                    <a:lstStyle/>
+                    <a:p>
+                      <a:endParaRPr lang="en-US" sz="1200" dirty="0"/>
+                    </a:p>
+                  </a:txBody>
+                  <a:tcPr/>
+                </a:tc>
+                <a:extLst>
+                  <a:ext uri="{0D108BD9-81ED-4DB2-BD59-A6C34878D82A}">
+                    <a16:rowId xmlns:a16="http://schemas.microsoft.com/office/drawing/2014/main" val="3250879918"/>
+                  </a:ext>
+                </a:extLst>
+              </a:tr>
+            </a:tbl>
+          </a:graphicData>
+        </a:graphic>
+      </p:graphicFrame>
+    </p:spTree>
+    <p:extLst>
+      <p:ext uri="{BB962C8B-B14F-4D97-AF65-F5344CB8AC3E}">
+        <p14:creationId xmlns:p14="http://schemas.microsoft.com/office/powerpoint/2010/main" val="4217840828"/>
       </p:ext>
     </p:extLst>
   </p:cSld>
@@ -3738,6 +8037,245 @@
 </p:sld>
 </file>
 
+<file path=ppt/slides/slide20.xml><?xml version="1.0" encoding="utf-8"?>
+<p:sld xmlns:a="http://schemas.openxmlformats.org/drawingml/2006/main" xmlns:r="http://schemas.openxmlformats.org/officeDocument/2006/relationships" xmlns:p="http://schemas.openxmlformats.org/presentationml/2006/main">
+  <p:cSld>
+    <p:spTree>
+      <p:nvGrpSpPr>
+        <p:cNvPr id="1" name=""/>
+        <p:cNvGrpSpPr/>
+        <p:nvPr/>
+      </p:nvGrpSpPr>
+      <p:grpSpPr>
+        <a:xfrm>
+          <a:off x="0" y="0"/>
+          <a:ext cx="0" cy="0"/>
+          <a:chOff x="0" y="0"/>
+          <a:chExt cx="0" cy="0"/>
+        </a:xfrm>
+      </p:grpSpPr>
+      <p:sp>
+        <p:nvSpPr>
+          <p:cNvPr id="2" name="Title 1">
+            <a:extLst>
+              <a:ext uri="{FF2B5EF4-FFF2-40B4-BE49-F238E27FC236}">
+                <a16:creationId xmlns:a16="http://schemas.microsoft.com/office/drawing/2014/main" id="{0AE687A3-72B9-622D-CE85-D3794DACED67}"/>
+              </a:ext>
+            </a:extLst>
+          </p:cNvPr>
+          <p:cNvSpPr>
+            <a:spLocks noGrp="1"/>
+          </p:cNvSpPr>
+          <p:nvPr>
+            <p:ph type="ctrTitle"/>
+          </p:nvPr>
+        </p:nvSpPr>
+        <p:spPr/>
+        <p:txBody>
+          <a:bodyPr/>
+          <a:lstStyle/>
+          <a:p>
+            <a:r>
+              <a:rPr lang="en-US" dirty="0"/>
+              <a:t>Appendix</a:t>
+            </a:r>
+            <a:endParaRPr lang="en-US" i="1" dirty="0">
+              <a:solidFill>
+                <a:srgbClr val="00B050"/>
+              </a:solidFill>
+            </a:endParaRPr>
+          </a:p>
+        </p:txBody>
+      </p:sp>
+      <p:sp>
+        <p:nvSpPr>
+          <p:cNvPr id="4" name="Slide Number Placeholder 3">
+            <a:extLst>
+              <a:ext uri="{FF2B5EF4-FFF2-40B4-BE49-F238E27FC236}">
+                <a16:creationId xmlns:a16="http://schemas.microsoft.com/office/drawing/2014/main" id="{8DF40182-E6B8-520F-7A96-E1EF7B5AFB9F}"/>
+              </a:ext>
+            </a:extLst>
+          </p:cNvPr>
+          <p:cNvSpPr>
+            <a:spLocks noGrp="1"/>
+          </p:cNvSpPr>
+          <p:nvPr>
+            <p:ph type="sldNum" sz="quarter" idx="12"/>
+          </p:nvPr>
+        </p:nvSpPr>
+        <p:spPr/>
+        <p:txBody>
+          <a:bodyPr/>
+          <a:lstStyle/>
+          <a:p>
+            <a:fld id="{80473052-BA07-4FC5-9696-A0F7625044DE}" type="slidenum">
+              <a:rPr lang="en-US" smtClean="0"/>
+              <a:t>20</a:t>
+            </a:fld>
+            <a:endParaRPr lang="en-US"/>
+          </a:p>
+        </p:txBody>
+      </p:sp>
+    </p:spTree>
+    <p:extLst>
+      <p:ext uri="{BB962C8B-B14F-4D97-AF65-F5344CB8AC3E}">
+        <p14:creationId xmlns:p14="http://schemas.microsoft.com/office/powerpoint/2010/main" val="1976386948"/>
+      </p:ext>
+    </p:extLst>
+  </p:cSld>
+  <p:clrMapOvr>
+    <a:masterClrMapping/>
+  </p:clrMapOvr>
+</p:sld>
+</file>
+
+<file path=ppt/slides/slide21.xml><?xml version="1.0" encoding="utf-8"?>
+<p:sld xmlns:a="http://schemas.openxmlformats.org/drawingml/2006/main" xmlns:r="http://schemas.openxmlformats.org/officeDocument/2006/relationships" xmlns:p="http://schemas.openxmlformats.org/presentationml/2006/main">
+  <p:cSld>
+    <p:spTree>
+      <p:nvGrpSpPr>
+        <p:cNvPr id="1" name=""/>
+        <p:cNvGrpSpPr/>
+        <p:nvPr/>
+      </p:nvGrpSpPr>
+      <p:grpSpPr>
+        <a:xfrm>
+          <a:off x="0" y="0"/>
+          <a:ext cx="0" cy="0"/>
+          <a:chOff x="0" y="0"/>
+          <a:chExt cx="0" cy="0"/>
+        </a:xfrm>
+      </p:grpSpPr>
+      <p:sp>
+        <p:nvSpPr>
+          <p:cNvPr id="4" name="Title 3">
+            <a:extLst>
+              <a:ext uri="{FF2B5EF4-FFF2-40B4-BE49-F238E27FC236}">
+                <a16:creationId xmlns:a16="http://schemas.microsoft.com/office/drawing/2014/main" id="{0D0E3244-86CC-ED51-EFBC-B4D48F99AEED}"/>
+              </a:ext>
+            </a:extLst>
+          </p:cNvPr>
+          <p:cNvSpPr>
+            <a:spLocks noGrp="1"/>
+          </p:cNvSpPr>
+          <p:nvPr>
+            <p:ph type="title"/>
+          </p:nvPr>
+        </p:nvSpPr>
+        <p:spPr/>
+        <p:txBody>
+          <a:bodyPr/>
+          <a:lstStyle/>
+          <a:p>
+            <a:r>
+              <a:rPr lang="en-US" dirty="0"/>
+              <a:t>Strategic work</a:t>
+            </a:r>
+          </a:p>
+        </p:txBody>
+      </p:sp>
+      <p:sp>
+        <p:nvSpPr>
+          <p:cNvPr id="3" name="Slide Number Placeholder 2">
+            <a:extLst>
+              <a:ext uri="{FF2B5EF4-FFF2-40B4-BE49-F238E27FC236}">
+                <a16:creationId xmlns:a16="http://schemas.microsoft.com/office/drawing/2014/main" id="{08336154-486A-B2F4-8DBD-C508C65D328D}"/>
+              </a:ext>
+            </a:extLst>
+          </p:cNvPr>
+          <p:cNvSpPr>
+            <a:spLocks noGrp="1"/>
+          </p:cNvSpPr>
+          <p:nvPr>
+            <p:ph type="sldNum" sz="quarter" idx="12"/>
+          </p:nvPr>
+        </p:nvSpPr>
+        <p:spPr/>
+        <p:txBody>
+          <a:bodyPr/>
+          <a:lstStyle/>
+          <a:p>
+            <a:fld id="{80473052-BA07-4FC5-9696-A0F7625044DE}" type="slidenum">
+              <a:rPr lang="en-US" smtClean="0"/>
+              <a:t>21</a:t>
+            </a:fld>
+            <a:endParaRPr lang="en-US"/>
+          </a:p>
+        </p:txBody>
+      </p:sp>
+      <p:pic>
+        <p:nvPicPr>
+          <p:cNvPr id="5" name="Picture 4">
+            <a:extLst>
+              <a:ext uri="{FF2B5EF4-FFF2-40B4-BE49-F238E27FC236}">
+                <a16:creationId xmlns:a16="http://schemas.microsoft.com/office/drawing/2014/main" id="{90F9C0D8-C97C-4657-20BD-A18ED26D0C08}"/>
+              </a:ext>
+            </a:extLst>
+          </p:cNvPr>
+          <p:cNvPicPr>
+            <a:picLocks noChangeAspect="1"/>
+          </p:cNvPicPr>
+          <p:nvPr/>
+        </p:nvPicPr>
+        <p:blipFill>
+          <a:blip r:embed="rId2"/>
+          <a:stretch>
+            <a:fillRect/>
+          </a:stretch>
+        </p:blipFill>
+        <p:spPr>
+          <a:xfrm>
+            <a:off x="753641" y="840517"/>
+            <a:ext cx="3818359" cy="5997456"/>
+          </a:xfrm>
+          <a:prstGeom prst="rect">
+            <a:avLst/>
+          </a:prstGeom>
+        </p:spPr>
+      </p:pic>
+      <p:pic>
+        <p:nvPicPr>
+          <p:cNvPr id="6" name="Picture 5">
+            <a:extLst>
+              <a:ext uri="{FF2B5EF4-FFF2-40B4-BE49-F238E27FC236}">
+                <a16:creationId xmlns:a16="http://schemas.microsoft.com/office/drawing/2014/main" id="{B1D132D0-6BD6-345D-2403-55F888A224F8}"/>
+              </a:ext>
+            </a:extLst>
+          </p:cNvPr>
+          <p:cNvPicPr>
+            <a:picLocks noChangeAspect="1"/>
+          </p:cNvPicPr>
+          <p:nvPr/>
+        </p:nvPicPr>
+        <p:blipFill>
+          <a:blip r:embed="rId3"/>
+          <a:stretch>
+            <a:fillRect/>
+          </a:stretch>
+        </p:blipFill>
+        <p:spPr>
+          <a:xfrm>
+            <a:off x="6602012" y="851517"/>
+            <a:ext cx="4355933" cy="5810036"/>
+          </a:xfrm>
+          <a:prstGeom prst="rect">
+            <a:avLst/>
+          </a:prstGeom>
+        </p:spPr>
+      </p:pic>
+    </p:spTree>
+    <p:extLst>
+      <p:ext uri="{BB962C8B-B14F-4D97-AF65-F5344CB8AC3E}">
+        <p14:creationId xmlns:p14="http://schemas.microsoft.com/office/powerpoint/2010/main" val="1594785490"/>
+      </p:ext>
+    </p:extLst>
+  </p:cSld>
+  <p:clrMapOvr>
+    <a:masterClrMapping/>
+  </p:clrMapOvr>
+</p:sld>
+</file>
+
 <file path=ppt/slides/slide3.xml><?xml version="1.0" encoding="utf-8"?>
 <p:sld xmlns:a="http://schemas.openxmlformats.org/drawingml/2006/main" xmlns:r="http://schemas.openxmlformats.org/officeDocument/2006/relationships" xmlns:p="http://schemas.openxmlformats.org/presentationml/2006/main">
   <p:cSld>
@@ -3757,18 +8295,18 @@
       </p:grpSpPr>
       <p:sp>
         <p:nvSpPr>
-          <p:cNvPr id="2" name="Title 1">
-            <a:extLst>
-              <a:ext uri="{FF2B5EF4-FFF2-40B4-BE49-F238E27FC236}">
-                <a16:creationId xmlns:a16="http://schemas.microsoft.com/office/drawing/2014/main" id="{0AE687A3-72B9-622D-CE85-D3794DACED67}"/>
-              </a:ext>
-            </a:extLst>
-          </p:cNvPr>
-          <p:cNvSpPr>
-            <a:spLocks noGrp="1"/>
-          </p:cNvSpPr>
-          <p:nvPr>
-            <p:ph type="ctrTitle"/>
+          <p:cNvPr id="4" name="Title 3">
+            <a:extLst>
+              <a:ext uri="{FF2B5EF4-FFF2-40B4-BE49-F238E27FC236}">
+                <a16:creationId xmlns:a16="http://schemas.microsoft.com/office/drawing/2014/main" id="{0D0E3244-86CC-ED51-EFBC-B4D48F99AEED}"/>
+              </a:ext>
+            </a:extLst>
+          </p:cNvPr>
+          <p:cNvSpPr>
+            <a:spLocks noGrp="1"/>
+          </p:cNvSpPr>
+          <p:nvPr>
+            <p:ph type="title"/>
           </p:nvPr>
         </p:nvSpPr>
         <p:spPr/>
@@ -3778,17 +8316,182 @@
           <a:p>
             <a:r>
               <a:rPr lang="en-US" dirty="0"/>
-              <a:t>Strategic work: Why</a:t>
-            </a:r>
-          </a:p>
-        </p:txBody>
-      </p:sp>
-      <p:sp>
-        <p:nvSpPr>
-          <p:cNvPr id="4" name="Slide Number Placeholder 3">
-            <a:extLst>
-              <a:ext uri="{FF2B5EF4-FFF2-40B4-BE49-F238E27FC236}">
-                <a16:creationId xmlns:a16="http://schemas.microsoft.com/office/drawing/2014/main" id="{8DF40182-E6B8-520F-7A96-E1EF7B5AFB9F}"/>
+              <a:t>Why: When I have this?</a:t>
+            </a:r>
+          </a:p>
+        </p:txBody>
+      </p:sp>
+      <p:sp>
+        <p:nvSpPr>
+          <p:cNvPr id="3" name="Content Placeholder 2">
+            <a:extLst>
+              <a:ext uri="{FF2B5EF4-FFF2-40B4-BE49-F238E27FC236}">
+                <a16:creationId xmlns:a16="http://schemas.microsoft.com/office/drawing/2014/main" id="{5F640BAD-5564-4449-341E-F0DC31C356F5}"/>
+              </a:ext>
+            </a:extLst>
+          </p:cNvPr>
+          <p:cNvSpPr>
+            <a:spLocks noGrp="1"/>
+          </p:cNvSpPr>
+          <p:nvPr>
+            <p:ph idx="4294967295"/>
+          </p:nvPr>
+        </p:nvSpPr>
+        <p:spPr>
+          <a:xfrm>
+            <a:off x="838200" y="1026635"/>
+            <a:ext cx="10515600" cy="4351338"/>
+          </a:xfrm>
+          <a:ln>
+            <a:noFill/>
+          </a:ln>
+        </p:spPr>
+        <p:txBody>
+          <a:bodyPr/>
+          <a:lstStyle/>
+          <a:p>
+            <a:pPr marL="342900" indent="-342900">
+              <a:buFont typeface="+mj-lt"/>
+              <a:buAutoNum type="arabicPeriod"/>
+            </a:pPr>
+            <a:r>
+              <a:rPr lang="en-US" sz="1800" dirty="0"/>
+              <a:t>Quickly test ideas</a:t>
+            </a:r>
+          </a:p>
+          <a:p>
+            <a:pPr marL="342900" indent="-342900">
+              <a:buFont typeface="+mj-lt"/>
+              <a:buAutoNum type="arabicPeriod"/>
+            </a:pPr>
+            <a:r>
+              <a:rPr lang="en-US" sz="1800" dirty="0"/>
+              <a:t>Enable smart people to be productive.</a:t>
+            </a:r>
+          </a:p>
+          <a:p>
+            <a:pPr marL="342900" indent="-342900">
+              <a:buFont typeface="+mj-lt"/>
+              <a:buAutoNum type="arabicPeriod"/>
+            </a:pPr>
+            <a:r>
+              <a:rPr lang="en-US" sz="1800" dirty="0"/>
+              <a:t>Remove impedance</a:t>
+            </a:r>
+          </a:p>
+          <a:p>
+            <a:pPr marL="342900" indent="-342900">
+              <a:buFont typeface="+mj-lt"/>
+              <a:buAutoNum type="arabicPeriod"/>
+            </a:pPr>
+            <a:r>
+              <a:rPr lang="en-US" sz="1800" dirty="0"/>
+              <a:t>Move value through </a:t>
+            </a:r>
+            <a:r>
+              <a:rPr lang="en-US" sz="1800" b="1" dirty="0"/>
+              <a:t>vibe coding</a:t>
+            </a:r>
+          </a:p>
+          <a:p>
+            <a:pPr marL="342900" indent="-342900">
+              <a:buFont typeface="+mj-lt"/>
+              <a:buAutoNum type="arabicPeriod"/>
+            </a:pPr>
+            <a:r>
+              <a:rPr lang="en-US" sz="1800" dirty="0"/>
+              <a:t>Have productivity to developers (vibe coding) and users (via prompts)</a:t>
+            </a:r>
+          </a:p>
+          <a:p>
+            <a:pPr marL="342900" indent="-342900">
+              <a:buFont typeface="+mj-lt"/>
+              <a:buAutoNum type="arabicPeriod"/>
+            </a:pPr>
+            <a:r>
+              <a:rPr lang="en-US" sz="1800" dirty="0"/>
+              <a:t>A Team platform</a:t>
+            </a:r>
+          </a:p>
+          <a:p>
+            <a:pPr marL="800100" lvl="1" indent="-342900">
+              <a:buFont typeface="+mj-lt"/>
+              <a:buAutoNum type="arabicPeriod"/>
+            </a:pPr>
+            <a:r>
+              <a:rPr lang="en-US" sz="1400" b="1" dirty="0"/>
+              <a:t>Teach others</a:t>
+            </a:r>
+            <a:r>
+              <a:rPr lang="en-US" sz="1400" dirty="0"/>
+              <a:t> to reach this goal in order to gain velocity</a:t>
+            </a:r>
+          </a:p>
+          <a:p>
+            <a:pPr marL="800100" lvl="1" indent="-342900">
+              <a:buFont typeface="+mj-lt"/>
+              <a:buAutoNum type="arabicPeriod"/>
+            </a:pPr>
+            <a:r>
+              <a:rPr lang="en-US" sz="1400" dirty="0"/>
+              <a:t>Trunk-and-leaf architecture to extend and enable new functionality</a:t>
+            </a:r>
+          </a:p>
+          <a:p>
+            <a:pPr marL="800100" lvl="1" indent="-342900">
+              <a:buFont typeface="+mj-lt"/>
+              <a:buAutoNum type="arabicPeriod"/>
+            </a:pPr>
+            <a:r>
+              <a:rPr lang="en-US" sz="1400" dirty="0"/>
+              <a:t>How to add leaves</a:t>
+            </a:r>
+          </a:p>
+          <a:p>
+            <a:pPr marL="800100" lvl="1" indent="-342900">
+              <a:buFont typeface="+mj-lt"/>
+              <a:buAutoNum type="arabicPeriod"/>
+            </a:pPr>
+            <a:r>
+              <a:rPr lang="en-US" sz="1400" dirty="0"/>
+              <a:t>How to add branches or trunks</a:t>
+            </a:r>
+          </a:p>
+          <a:p>
+            <a:pPr marL="800100" lvl="1" indent="-342900">
+              <a:buFont typeface="+mj-lt"/>
+              <a:buAutoNum type="arabicPeriod"/>
+            </a:pPr>
+            <a:r>
+              <a:rPr lang="en-US" sz="1400" dirty="0"/>
+              <a:t>A daily-use-tool-framework-platform for developers as well</a:t>
+            </a:r>
+          </a:p>
+          <a:p>
+            <a:pPr marL="800100" lvl="1" indent="-342900">
+              <a:buFont typeface="+mj-lt"/>
+              <a:buAutoNum type="arabicPeriod"/>
+            </a:pPr>
+            <a:r>
+              <a:rPr lang="en-US" sz="1400" dirty="0"/>
+              <a:t>Architecture easy to understand and update</a:t>
+            </a:r>
+          </a:p>
+          <a:p>
+            <a:pPr marL="342900" indent="-342900">
+              <a:buFont typeface="+mj-lt"/>
+              <a:buAutoNum type="arabicPeriod"/>
+            </a:pPr>
+            <a:endParaRPr lang="en-US" sz="1800" dirty="0"/>
+          </a:p>
+        </p:txBody>
+      </p:sp>
+      <p:sp>
+        <p:nvSpPr>
+          <p:cNvPr id="2" name="Slide Number Placeholder 1">
+            <a:extLst>
+              <a:ext uri="{FF2B5EF4-FFF2-40B4-BE49-F238E27FC236}">
+                <a16:creationId xmlns:a16="http://schemas.microsoft.com/office/drawing/2014/main" id="{58065E80-6FA4-305C-D89F-9C4C2F48B179}"/>
               </a:ext>
             </a:extLst>
           </p:cNvPr>
@@ -3815,7 +8518,7 @@
     </p:spTree>
     <p:extLst>
       <p:ext uri="{BB962C8B-B14F-4D97-AF65-F5344CB8AC3E}">
-        <p14:creationId xmlns:p14="http://schemas.microsoft.com/office/powerpoint/2010/main" val="1904073927"/>
+        <p14:creationId xmlns:p14="http://schemas.microsoft.com/office/powerpoint/2010/main" val="2334563881"/>
       </p:ext>
     </p:extLst>
   </p:cSld>
@@ -3865,17 +8568,97 @@
           <a:p>
             <a:r>
               <a:rPr lang="en-US" dirty="0"/>
-              <a:t>Strategic Vision</a:t>
-            </a:r>
-          </a:p>
-        </p:txBody>
-      </p:sp>
-      <p:sp>
-        <p:nvSpPr>
-          <p:cNvPr id="16" name="Slide Number Placeholder 15">
-            <a:extLst>
-              <a:ext uri="{FF2B5EF4-FFF2-40B4-BE49-F238E27FC236}">
-                <a16:creationId xmlns:a16="http://schemas.microsoft.com/office/drawing/2014/main" id="{A4E469EC-4DA2-E323-1CCE-DBF5839A422C}"/>
+              <a:t>What to watch out for</a:t>
+            </a:r>
+          </a:p>
+        </p:txBody>
+      </p:sp>
+      <p:sp>
+        <p:nvSpPr>
+          <p:cNvPr id="3" name="Content Placeholder 2">
+            <a:extLst>
+              <a:ext uri="{FF2B5EF4-FFF2-40B4-BE49-F238E27FC236}">
+                <a16:creationId xmlns:a16="http://schemas.microsoft.com/office/drawing/2014/main" id="{5F640BAD-5564-4449-341E-F0DC31C356F5}"/>
+              </a:ext>
+            </a:extLst>
+          </p:cNvPr>
+          <p:cNvSpPr>
+            <a:spLocks noGrp="1"/>
+          </p:cNvSpPr>
+          <p:nvPr>
+            <p:ph idx="4294967295"/>
+          </p:nvPr>
+        </p:nvSpPr>
+        <p:spPr>
+          <a:xfrm>
+            <a:off x="838200" y="1026635"/>
+            <a:ext cx="10515600" cy="4351338"/>
+          </a:xfrm>
+          <a:ln>
+            <a:noFill/>
+          </a:ln>
+        </p:spPr>
+        <p:txBody>
+          <a:bodyPr/>
+          <a:lstStyle/>
+          <a:p>
+            <a:pPr marL="342900" indent="-342900">
+              <a:buFont typeface="+mj-lt"/>
+              <a:buAutoNum type="arabicPeriod"/>
+            </a:pPr>
+            <a:r>
+              <a:rPr lang="en-US" sz="1800" dirty="0"/>
+              <a:t>Focus on the simplest road first</a:t>
+            </a:r>
+          </a:p>
+          <a:p>
+            <a:pPr marL="342900" indent="-342900">
+              <a:buFont typeface="+mj-lt"/>
+              <a:buAutoNum type="arabicPeriod"/>
+            </a:pPr>
+            <a:r>
+              <a:rPr lang="en-US" sz="1800" dirty="0"/>
+              <a:t>For example, focus on what is easy and readily available, such as text vs voice and video</a:t>
+            </a:r>
+          </a:p>
+          <a:p>
+            <a:pPr marL="342900" indent="-342900">
+              <a:buFont typeface="+mj-lt"/>
+              <a:buAutoNum type="arabicPeriod"/>
+            </a:pPr>
+            <a:r>
+              <a:rPr lang="en-US" sz="1800" dirty="0"/>
+              <a:t>Bring innovation to that “simple” work to have a platform that can mine/cultivate value</a:t>
+            </a:r>
+          </a:p>
+          <a:p>
+            <a:pPr marL="342900" indent="-342900">
+              <a:buFont typeface="+mj-lt"/>
+              <a:buAutoNum type="arabicPeriod"/>
+            </a:pPr>
+            <a:r>
+              <a:rPr lang="en-US" sz="1800" dirty="0"/>
+              <a:t>Take the “basic” not the complex, and make it valuable</a:t>
+            </a:r>
+          </a:p>
+          <a:p>
+            <a:pPr marL="342900" indent="-342900">
+              <a:buFont typeface="+mj-lt"/>
+              <a:buAutoNum type="arabicPeriod"/>
+            </a:pPr>
+            <a:r>
+              <a:rPr lang="en-US" sz="1800" dirty="0"/>
+              <a:t>AVOID COMPLEXITY (intentionally)</a:t>
+            </a:r>
+          </a:p>
+        </p:txBody>
+      </p:sp>
+      <p:sp>
+        <p:nvSpPr>
+          <p:cNvPr id="2" name="Slide Number Placeholder 1">
+            <a:extLst>
+              <a:ext uri="{FF2B5EF4-FFF2-40B4-BE49-F238E27FC236}">
+                <a16:creationId xmlns:a16="http://schemas.microsoft.com/office/drawing/2014/main" id="{58065E80-6FA4-305C-D89F-9C4C2F48B179}"/>
               </a:ext>
             </a:extLst>
           </p:cNvPr>
@@ -3894,6 +8677,687 @@
             <a:fld id="{80473052-BA07-4FC5-9696-A0F7625044DE}" type="slidenum">
               <a:rPr lang="en-US" smtClean="0"/>
               <a:t>4</a:t>
+            </a:fld>
+            <a:endParaRPr lang="en-US"/>
+          </a:p>
+        </p:txBody>
+      </p:sp>
+    </p:spTree>
+    <p:extLst>
+      <p:ext uri="{BB962C8B-B14F-4D97-AF65-F5344CB8AC3E}">
+        <p14:creationId xmlns:p14="http://schemas.microsoft.com/office/powerpoint/2010/main" val="3527349317"/>
+      </p:ext>
+    </p:extLst>
+  </p:cSld>
+  <p:clrMapOvr>
+    <a:masterClrMapping/>
+  </p:clrMapOvr>
+</p:sld>
+</file>
+
+<file path=ppt/slides/slide5.xml><?xml version="1.0" encoding="utf-8"?>
+<p:sld xmlns:a="http://schemas.openxmlformats.org/drawingml/2006/main" xmlns:r="http://schemas.openxmlformats.org/officeDocument/2006/relationships" xmlns:p="http://schemas.openxmlformats.org/presentationml/2006/main">
+  <p:cSld>
+    <p:spTree>
+      <p:nvGrpSpPr>
+        <p:cNvPr id="1" name=""/>
+        <p:cNvGrpSpPr/>
+        <p:nvPr/>
+      </p:nvGrpSpPr>
+      <p:grpSpPr>
+        <a:xfrm>
+          <a:off x="0" y="0"/>
+          <a:ext cx="0" cy="0"/>
+          <a:chOff x="0" y="0"/>
+          <a:chExt cx="0" cy="0"/>
+        </a:xfrm>
+      </p:grpSpPr>
+      <p:sp>
+        <p:nvSpPr>
+          <p:cNvPr id="4" name="Title 3">
+            <a:extLst>
+              <a:ext uri="{FF2B5EF4-FFF2-40B4-BE49-F238E27FC236}">
+                <a16:creationId xmlns:a16="http://schemas.microsoft.com/office/drawing/2014/main" id="{0D0E3244-86CC-ED51-EFBC-B4D48F99AEED}"/>
+              </a:ext>
+            </a:extLst>
+          </p:cNvPr>
+          <p:cNvSpPr>
+            <a:spLocks noGrp="1"/>
+          </p:cNvSpPr>
+          <p:nvPr>
+            <p:ph type="title"/>
+          </p:nvPr>
+        </p:nvSpPr>
+        <p:spPr/>
+        <p:txBody>
+          <a:bodyPr/>
+          <a:lstStyle/>
+          <a:p>
+            <a:r>
+              <a:rPr lang="en-US" dirty="0"/>
+              <a:t>How: The Approach Guidelines</a:t>
+            </a:r>
+          </a:p>
+        </p:txBody>
+      </p:sp>
+      <p:sp>
+        <p:nvSpPr>
+          <p:cNvPr id="3" name="Content Placeholder 2">
+            <a:extLst>
+              <a:ext uri="{FF2B5EF4-FFF2-40B4-BE49-F238E27FC236}">
+                <a16:creationId xmlns:a16="http://schemas.microsoft.com/office/drawing/2014/main" id="{5F640BAD-5564-4449-341E-F0DC31C356F5}"/>
+              </a:ext>
+            </a:extLst>
+          </p:cNvPr>
+          <p:cNvSpPr>
+            <a:spLocks noGrp="1"/>
+          </p:cNvSpPr>
+          <p:nvPr>
+            <p:ph idx="4294967295"/>
+          </p:nvPr>
+        </p:nvSpPr>
+        <p:spPr>
+          <a:xfrm>
+            <a:off x="838200" y="1026635"/>
+            <a:ext cx="10515600" cy="4351338"/>
+          </a:xfrm>
+          <a:ln>
+            <a:noFill/>
+          </a:ln>
+        </p:spPr>
+        <p:txBody>
+          <a:bodyPr/>
+          <a:lstStyle/>
+          <a:p>
+            <a:pPr marL="342900" indent="-342900">
+              <a:buFont typeface="+mj-lt"/>
+              <a:buAutoNum type="arabicPeriod"/>
+            </a:pPr>
+            <a:r>
+              <a:rPr lang="en-US" sz="1800" dirty="0"/>
+              <a:t>Negotiating between Vision and Development expertise and prowess</a:t>
+            </a:r>
+          </a:p>
+          <a:p>
+            <a:pPr marL="342900" indent="-342900">
+              <a:buFont typeface="+mj-lt"/>
+              <a:buAutoNum type="arabicPeriod"/>
+            </a:pPr>
+            <a:r>
+              <a:rPr lang="en-US" sz="1800" dirty="0"/>
+              <a:t>Developers may come and go!</a:t>
+            </a:r>
+          </a:p>
+          <a:p>
+            <a:pPr marL="342900" indent="-342900">
+              <a:buFont typeface="+mj-lt"/>
+              <a:buAutoNum type="arabicPeriod"/>
+            </a:pPr>
+            <a:r>
+              <a:rPr lang="en-US" sz="1800" b="1" dirty="0"/>
+              <a:t>The Pillar need:</a:t>
+            </a:r>
+            <a:r>
+              <a:rPr lang="en-US" sz="1800" dirty="0"/>
+              <a:t> There needs to be “ONE” developer that knows this, in and out, at all times and be part of the central team that doesn’t waver.  Preferably more than one.</a:t>
+            </a:r>
+          </a:p>
+          <a:p>
+            <a:pPr marL="342900" indent="-342900">
+              <a:buFont typeface="+mj-lt"/>
+              <a:buAutoNum type="arabicPeriod"/>
+            </a:pPr>
+            <a:r>
+              <a:rPr lang="en-US" sz="1800" dirty="0"/>
+              <a:t>Framework team and an implementation team: Aspire Model.</a:t>
+            </a:r>
+          </a:p>
+          <a:p>
+            <a:pPr marL="342900" indent="-342900">
+              <a:buFont typeface="+mj-lt"/>
+              <a:buAutoNum type="arabicPeriod"/>
+            </a:pPr>
+            <a:r>
+              <a:rPr lang="en-US" sz="1800" dirty="0"/>
+              <a:t>Non-core contributing framework (Trunk-leaf architecture)</a:t>
+            </a:r>
+          </a:p>
+          <a:p>
+            <a:pPr marL="342900" indent="-342900">
+              <a:buFont typeface="+mj-lt"/>
+              <a:buAutoNum type="arabicPeriod"/>
+            </a:pPr>
+            <a:r>
+              <a:rPr lang="en-US" sz="1800" dirty="0"/>
+              <a:t>Enabled for vibe coding</a:t>
+            </a:r>
+          </a:p>
+          <a:p>
+            <a:pPr marL="342900" indent="-342900">
+              <a:buFont typeface="+mj-lt"/>
+              <a:buAutoNum type="arabicPeriod"/>
+            </a:pPr>
+            <a:r>
+              <a:rPr lang="en-US" sz="1800" dirty="0"/>
+              <a:t>Content as code</a:t>
+            </a:r>
+          </a:p>
+          <a:p>
+            <a:pPr marL="342900" indent="-342900">
+              <a:buFont typeface="+mj-lt"/>
+              <a:buAutoNum type="arabicPeriod"/>
+            </a:pPr>
+            <a:r>
+              <a:rPr lang="en-US" sz="1800" dirty="0"/>
+              <a:t>New functionality without deployment</a:t>
+            </a:r>
+          </a:p>
+        </p:txBody>
+      </p:sp>
+      <p:sp>
+        <p:nvSpPr>
+          <p:cNvPr id="2" name="Slide Number Placeholder 1">
+            <a:extLst>
+              <a:ext uri="{FF2B5EF4-FFF2-40B4-BE49-F238E27FC236}">
+                <a16:creationId xmlns:a16="http://schemas.microsoft.com/office/drawing/2014/main" id="{58065E80-6FA4-305C-D89F-9C4C2F48B179}"/>
+              </a:ext>
+            </a:extLst>
+          </p:cNvPr>
+          <p:cNvSpPr>
+            <a:spLocks noGrp="1"/>
+          </p:cNvSpPr>
+          <p:nvPr>
+            <p:ph type="sldNum" sz="quarter" idx="12"/>
+          </p:nvPr>
+        </p:nvSpPr>
+        <p:spPr/>
+        <p:txBody>
+          <a:bodyPr/>
+          <a:lstStyle/>
+          <a:p>
+            <a:fld id="{80473052-BA07-4FC5-9696-A0F7625044DE}" type="slidenum">
+              <a:rPr lang="en-US" smtClean="0"/>
+              <a:t>5</a:t>
+            </a:fld>
+            <a:endParaRPr lang="en-US"/>
+          </a:p>
+        </p:txBody>
+      </p:sp>
+    </p:spTree>
+    <p:extLst>
+      <p:ext uri="{BB962C8B-B14F-4D97-AF65-F5344CB8AC3E}">
+        <p14:creationId xmlns:p14="http://schemas.microsoft.com/office/powerpoint/2010/main" val="3541190123"/>
+      </p:ext>
+    </p:extLst>
+  </p:cSld>
+  <p:clrMapOvr>
+    <a:masterClrMapping/>
+  </p:clrMapOvr>
+</p:sld>
+</file>
+
+<file path=ppt/slides/slide6.xml><?xml version="1.0" encoding="utf-8"?>
+<p:sld xmlns:a="http://schemas.openxmlformats.org/drawingml/2006/main" xmlns:r="http://schemas.openxmlformats.org/officeDocument/2006/relationships" xmlns:p="http://schemas.openxmlformats.org/presentationml/2006/main">
+  <p:cSld>
+    <p:spTree>
+      <p:nvGrpSpPr>
+        <p:cNvPr id="1" name=""/>
+        <p:cNvGrpSpPr/>
+        <p:nvPr/>
+      </p:nvGrpSpPr>
+      <p:grpSpPr>
+        <a:xfrm>
+          <a:off x="0" y="0"/>
+          <a:ext cx="0" cy="0"/>
+          <a:chOff x="0" y="0"/>
+          <a:chExt cx="0" cy="0"/>
+        </a:xfrm>
+      </p:grpSpPr>
+      <p:sp>
+        <p:nvSpPr>
+          <p:cNvPr id="4" name="Title 3">
+            <a:extLst>
+              <a:ext uri="{FF2B5EF4-FFF2-40B4-BE49-F238E27FC236}">
+                <a16:creationId xmlns:a16="http://schemas.microsoft.com/office/drawing/2014/main" id="{0D0E3244-86CC-ED51-EFBC-B4D48F99AEED}"/>
+              </a:ext>
+            </a:extLst>
+          </p:cNvPr>
+          <p:cNvSpPr>
+            <a:spLocks noGrp="1"/>
+          </p:cNvSpPr>
+          <p:nvPr>
+            <p:ph type="title"/>
+          </p:nvPr>
+        </p:nvSpPr>
+        <p:spPr/>
+        <p:txBody>
+          <a:bodyPr/>
+          <a:lstStyle/>
+          <a:p>
+            <a:r>
+              <a:rPr lang="en-US" dirty="0"/>
+              <a:t>Approaches for Team Cross Pollination</a:t>
+            </a:r>
+          </a:p>
+        </p:txBody>
+      </p:sp>
+      <p:sp>
+        <p:nvSpPr>
+          <p:cNvPr id="3" name="Content Placeholder 2">
+            <a:extLst>
+              <a:ext uri="{FF2B5EF4-FFF2-40B4-BE49-F238E27FC236}">
+                <a16:creationId xmlns:a16="http://schemas.microsoft.com/office/drawing/2014/main" id="{5F640BAD-5564-4449-341E-F0DC31C356F5}"/>
+              </a:ext>
+            </a:extLst>
+          </p:cNvPr>
+          <p:cNvSpPr>
+            <a:spLocks noGrp="1"/>
+          </p:cNvSpPr>
+          <p:nvPr>
+            <p:ph idx="4294967295"/>
+          </p:nvPr>
+        </p:nvSpPr>
+        <p:spPr>
+          <a:xfrm>
+            <a:off x="838200" y="1026634"/>
+            <a:ext cx="10515600" cy="4696071"/>
+          </a:xfrm>
+          <a:ln>
+            <a:noFill/>
+          </a:ln>
+        </p:spPr>
+        <p:txBody>
+          <a:bodyPr>
+            <a:normAutofit lnSpcReduction="10000"/>
+          </a:bodyPr>
+          <a:lstStyle/>
+          <a:p>
+            <a:pPr marL="342900" indent="-342900">
+              <a:buFont typeface="+mj-lt"/>
+              <a:buAutoNum type="arabicPeriod"/>
+            </a:pPr>
+            <a:r>
+              <a:rPr lang="en-US" sz="1800" dirty="0"/>
+              <a:t>How do you share work</a:t>
+            </a:r>
+          </a:p>
+          <a:p>
+            <a:pPr marL="342900" indent="-342900">
+              <a:buFont typeface="+mj-lt"/>
+              <a:buAutoNum type="arabicPeriod"/>
+            </a:pPr>
+            <a:r>
+              <a:rPr lang="en-US" sz="1800" dirty="0"/>
+              <a:t>How do you bring others to contribute to the output??</a:t>
+            </a:r>
+          </a:p>
+          <a:p>
+            <a:pPr marL="342900" indent="-342900">
+              <a:buFont typeface="+mj-lt"/>
+              <a:buAutoNum type="arabicPeriod"/>
+            </a:pPr>
+            <a:r>
+              <a:rPr lang="en-US" sz="1800" dirty="0"/>
+              <a:t>How do mentees teach mentors?</a:t>
+            </a:r>
+          </a:p>
+          <a:p>
+            <a:pPr marL="342900" indent="-342900">
+              <a:buFont typeface="+mj-lt"/>
+              <a:buAutoNum type="arabicPeriod"/>
+            </a:pPr>
+            <a:r>
+              <a:rPr lang="en-US" sz="1800" dirty="0"/>
+              <a:t>Lot of TBDs here</a:t>
+            </a:r>
+          </a:p>
+          <a:p>
+            <a:pPr marL="342900" indent="-342900">
+              <a:buFont typeface="+mj-lt"/>
+              <a:buAutoNum type="arabicPeriod"/>
+            </a:pPr>
+            <a:r>
+              <a:rPr lang="en-US" sz="1800" dirty="0"/>
+              <a:t>Follow Book writing example</a:t>
+            </a:r>
+          </a:p>
+          <a:p>
+            <a:pPr marL="800100" lvl="1" indent="-342900">
+              <a:buFont typeface="+mj-lt"/>
+              <a:buAutoNum type="arabicPeriod"/>
+            </a:pPr>
+            <a:r>
+              <a:rPr lang="en-US" sz="1400" dirty="0"/>
+              <a:t>Explore the idea</a:t>
+            </a:r>
+          </a:p>
+          <a:p>
+            <a:pPr marL="800100" lvl="1" indent="-342900">
+              <a:buFont typeface="+mj-lt"/>
+              <a:buAutoNum type="arabicPeriod"/>
+            </a:pPr>
+            <a:r>
+              <a:rPr lang="en-US" sz="1400" dirty="0"/>
+              <a:t>Write sample code in </a:t>
+            </a:r>
+            <a:r>
+              <a:rPr lang="en-US" sz="1400" dirty="0" err="1"/>
+              <a:t>github</a:t>
+            </a:r>
+            <a:endParaRPr lang="en-US" sz="1400" dirty="0"/>
+          </a:p>
+          <a:p>
+            <a:pPr marL="800100" lvl="1" indent="-342900">
+              <a:buFont typeface="+mj-lt"/>
+              <a:buAutoNum type="arabicPeriod"/>
+            </a:pPr>
+            <a:r>
+              <a:rPr lang="en-US" sz="1400" dirty="0"/>
+              <a:t>Write the article in </a:t>
+            </a:r>
+            <a:r>
+              <a:rPr lang="en-US" sz="1400" dirty="0" err="1"/>
+              <a:t>github</a:t>
+            </a:r>
+            <a:r>
+              <a:rPr lang="en-US" sz="1400" dirty="0"/>
+              <a:t> with Sample code as the anchor</a:t>
+            </a:r>
+          </a:p>
+          <a:p>
+            <a:pPr marL="800100" lvl="1" indent="-342900">
+              <a:buFont typeface="+mj-lt"/>
+              <a:buAutoNum type="arabicPeriod"/>
+            </a:pPr>
+            <a:r>
+              <a:rPr lang="en-US" sz="1400" dirty="0"/>
+              <a:t>Have the mentor as the reviewer</a:t>
+            </a:r>
+          </a:p>
+          <a:p>
+            <a:pPr marL="800100" lvl="1" indent="-342900">
+              <a:buFont typeface="+mj-lt"/>
+              <a:buAutoNum type="arabicPeriod"/>
+            </a:pPr>
+            <a:r>
+              <a:rPr lang="en-US" sz="1400" dirty="0"/>
+              <a:t>Allows for large teams to collaborate</a:t>
+            </a:r>
+          </a:p>
+          <a:p>
+            <a:pPr marL="800100" lvl="1" indent="-342900">
+              <a:buFont typeface="+mj-lt"/>
+              <a:buAutoNum type="arabicPeriod"/>
+            </a:pPr>
+            <a:r>
+              <a:rPr lang="en-US" sz="1400" dirty="0"/>
+              <a:t>Have an integrator that is the PILLAR to bring it along</a:t>
+            </a:r>
+          </a:p>
+          <a:p>
+            <a:pPr marL="342900" indent="-342900">
+              <a:buFont typeface="+mj-lt"/>
+              <a:buAutoNum type="arabicPeriod"/>
+            </a:pPr>
+            <a:r>
+              <a:rPr lang="en-US" sz="1800" dirty="0"/>
+              <a:t>Conduct hands on coaching</a:t>
+            </a:r>
+          </a:p>
+          <a:p>
+            <a:pPr marL="342900" indent="-342900">
+              <a:buFont typeface="+mj-lt"/>
+              <a:buAutoNum type="arabicPeriod"/>
+            </a:pPr>
+            <a:r>
+              <a:rPr lang="en-US" sz="1800" dirty="0"/>
+              <a:t>Consider following a Development sabbatical model</a:t>
+            </a:r>
+          </a:p>
+          <a:p>
+            <a:pPr marL="342900" indent="-342900">
+              <a:buFont typeface="+mj-lt"/>
+              <a:buAutoNum type="arabicPeriod"/>
+            </a:pPr>
+            <a:r>
+              <a:rPr lang="en-US" sz="1800" dirty="0"/>
+              <a:t>Show how Trunk-leaf architecture can be put to action</a:t>
+            </a:r>
+          </a:p>
+          <a:p>
+            <a:pPr marL="342900" indent="-342900">
+              <a:buFont typeface="+mj-lt"/>
+              <a:buAutoNum type="arabicPeriod"/>
+            </a:pPr>
+            <a:r>
+              <a:rPr lang="en-US" sz="1800" dirty="0"/>
+              <a:t>Everything you discover, on a daily basis, publish in </a:t>
+            </a:r>
+            <a:r>
+              <a:rPr lang="en-US" sz="1800" dirty="0" err="1"/>
+              <a:t>github</a:t>
+            </a:r>
+            <a:r>
+              <a:rPr lang="en-US" sz="1800" dirty="0"/>
+              <a:t>!! Small or big!</a:t>
+            </a:r>
+          </a:p>
+        </p:txBody>
+      </p:sp>
+      <p:sp>
+        <p:nvSpPr>
+          <p:cNvPr id="2" name="Slide Number Placeholder 1">
+            <a:extLst>
+              <a:ext uri="{FF2B5EF4-FFF2-40B4-BE49-F238E27FC236}">
+                <a16:creationId xmlns:a16="http://schemas.microsoft.com/office/drawing/2014/main" id="{58065E80-6FA4-305C-D89F-9C4C2F48B179}"/>
+              </a:ext>
+            </a:extLst>
+          </p:cNvPr>
+          <p:cNvSpPr>
+            <a:spLocks noGrp="1"/>
+          </p:cNvSpPr>
+          <p:nvPr>
+            <p:ph type="sldNum" sz="quarter" idx="12"/>
+          </p:nvPr>
+        </p:nvSpPr>
+        <p:spPr/>
+        <p:txBody>
+          <a:bodyPr/>
+          <a:lstStyle/>
+          <a:p>
+            <a:fld id="{80473052-BA07-4FC5-9696-A0F7625044DE}" type="slidenum">
+              <a:rPr lang="en-US" smtClean="0"/>
+              <a:t>6</a:t>
+            </a:fld>
+            <a:endParaRPr lang="en-US"/>
+          </a:p>
+        </p:txBody>
+      </p:sp>
+    </p:spTree>
+    <p:extLst>
+      <p:ext uri="{BB962C8B-B14F-4D97-AF65-F5344CB8AC3E}">
+        <p14:creationId xmlns:p14="http://schemas.microsoft.com/office/powerpoint/2010/main" val="3890914027"/>
+      </p:ext>
+    </p:extLst>
+  </p:cSld>
+  <p:clrMapOvr>
+    <a:masterClrMapping/>
+  </p:clrMapOvr>
+</p:sld>
+</file>
+
+<file path=ppt/slides/slide7.xml><?xml version="1.0" encoding="utf-8"?>
+<p:sld xmlns:a="http://schemas.openxmlformats.org/drawingml/2006/main" xmlns:r="http://schemas.openxmlformats.org/officeDocument/2006/relationships" xmlns:p="http://schemas.openxmlformats.org/presentationml/2006/main">
+  <p:cSld>
+    <p:spTree>
+      <p:nvGrpSpPr>
+        <p:cNvPr id="1" name=""/>
+        <p:cNvGrpSpPr/>
+        <p:nvPr/>
+      </p:nvGrpSpPr>
+      <p:grpSpPr>
+        <a:xfrm>
+          <a:off x="0" y="0"/>
+          <a:ext cx="0" cy="0"/>
+          <a:chOff x="0" y="0"/>
+          <a:chExt cx="0" cy="0"/>
+        </a:xfrm>
+      </p:grpSpPr>
+      <p:sp>
+        <p:nvSpPr>
+          <p:cNvPr id="2" name="Title 1">
+            <a:extLst>
+              <a:ext uri="{FF2B5EF4-FFF2-40B4-BE49-F238E27FC236}">
+                <a16:creationId xmlns:a16="http://schemas.microsoft.com/office/drawing/2014/main" id="{0AE687A3-72B9-622D-CE85-D3794DACED67}"/>
+              </a:ext>
+            </a:extLst>
+          </p:cNvPr>
+          <p:cNvSpPr>
+            <a:spLocks noGrp="1"/>
+          </p:cNvSpPr>
+          <p:nvPr>
+            <p:ph type="ctrTitle"/>
+          </p:nvPr>
+        </p:nvSpPr>
+        <p:spPr/>
+        <p:txBody>
+          <a:bodyPr/>
+          <a:lstStyle/>
+          <a:p>
+            <a:r>
+              <a:rPr lang="en-US" dirty="0"/>
+              <a:t>Strategic work</a:t>
+            </a:r>
+            <a:br>
+              <a:rPr lang="en-US" dirty="0"/>
+            </a:br>
+            <a:r>
+              <a:rPr lang="en-US" sz="2800" i="1" dirty="0">
+                <a:solidFill>
+                  <a:srgbClr val="00B050"/>
+                </a:solidFill>
+              </a:rPr>
+              <a:t>- The Why via What -</a:t>
+            </a:r>
+            <a:endParaRPr lang="en-US" i="1" dirty="0">
+              <a:solidFill>
+                <a:srgbClr val="00B050"/>
+              </a:solidFill>
+            </a:endParaRPr>
+          </a:p>
+        </p:txBody>
+      </p:sp>
+      <p:sp>
+        <p:nvSpPr>
+          <p:cNvPr id="4" name="Slide Number Placeholder 3">
+            <a:extLst>
+              <a:ext uri="{FF2B5EF4-FFF2-40B4-BE49-F238E27FC236}">
+                <a16:creationId xmlns:a16="http://schemas.microsoft.com/office/drawing/2014/main" id="{8DF40182-E6B8-520F-7A96-E1EF7B5AFB9F}"/>
+              </a:ext>
+            </a:extLst>
+          </p:cNvPr>
+          <p:cNvSpPr>
+            <a:spLocks noGrp="1"/>
+          </p:cNvSpPr>
+          <p:nvPr>
+            <p:ph type="sldNum" sz="quarter" idx="12"/>
+          </p:nvPr>
+        </p:nvSpPr>
+        <p:spPr/>
+        <p:txBody>
+          <a:bodyPr/>
+          <a:lstStyle/>
+          <a:p>
+            <a:fld id="{80473052-BA07-4FC5-9696-A0F7625044DE}" type="slidenum">
+              <a:rPr lang="en-US" smtClean="0"/>
+              <a:t>7</a:t>
+            </a:fld>
+            <a:endParaRPr lang="en-US"/>
+          </a:p>
+        </p:txBody>
+      </p:sp>
+    </p:spTree>
+    <p:extLst>
+      <p:ext uri="{BB962C8B-B14F-4D97-AF65-F5344CB8AC3E}">
+        <p14:creationId xmlns:p14="http://schemas.microsoft.com/office/powerpoint/2010/main" val="1904073927"/>
+      </p:ext>
+    </p:extLst>
+  </p:cSld>
+  <p:clrMapOvr>
+    <a:masterClrMapping/>
+  </p:clrMapOvr>
+</p:sld>
+</file>
+
+<file path=ppt/slides/slide8.xml><?xml version="1.0" encoding="utf-8"?>
+<p:sld xmlns:a="http://schemas.openxmlformats.org/drawingml/2006/main" xmlns:r="http://schemas.openxmlformats.org/officeDocument/2006/relationships" xmlns:p="http://schemas.openxmlformats.org/presentationml/2006/main">
+  <p:cSld>
+    <p:spTree>
+      <p:nvGrpSpPr>
+        <p:cNvPr id="1" name=""/>
+        <p:cNvGrpSpPr/>
+        <p:nvPr/>
+      </p:nvGrpSpPr>
+      <p:grpSpPr>
+        <a:xfrm>
+          <a:off x="0" y="0"/>
+          <a:ext cx="0" cy="0"/>
+          <a:chOff x="0" y="0"/>
+          <a:chExt cx="0" cy="0"/>
+        </a:xfrm>
+      </p:grpSpPr>
+      <p:sp>
+        <p:nvSpPr>
+          <p:cNvPr id="4" name="Title 3">
+            <a:extLst>
+              <a:ext uri="{FF2B5EF4-FFF2-40B4-BE49-F238E27FC236}">
+                <a16:creationId xmlns:a16="http://schemas.microsoft.com/office/drawing/2014/main" id="{0D0E3244-86CC-ED51-EFBC-B4D48F99AEED}"/>
+              </a:ext>
+            </a:extLst>
+          </p:cNvPr>
+          <p:cNvSpPr>
+            <a:spLocks noGrp="1"/>
+          </p:cNvSpPr>
+          <p:nvPr>
+            <p:ph type="title"/>
+          </p:nvPr>
+        </p:nvSpPr>
+        <p:spPr/>
+        <p:txBody>
+          <a:bodyPr/>
+          <a:lstStyle/>
+          <a:p>
+            <a:r>
+              <a:rPr lang="en-US" dirty="0"/>
+              <a:t>Strategic Vision</a:t>
+            </a:r>
+          </a:p>
+        </p:txBody>
+      </p:sp>
+      <p:sp>
+        <p:nvSpPr>
+          <p:cNvPr id="16" name="Slide Number Placeholder 15">
+            <a:extLst>
+              <a:ext uri="{FF2B5EF4-FFF2-40B4-BE49-F238E27FC236}">
+                <a16:creationId xmlns:a16="http://schemas.microsoft.com/office/drawing/2014/main" id="{A4E469EC-4DA2-E323-1CCE-DBF5839A422C}"/>
+              </a:ext>
+            </a:extLst>
+          </p:cNvPr>
+          <p:cNvSpPr>
+            <a:spLocks noGrp="1"/>
+          </p:cNvSpPr>
+          <p:nvPr>
+            <p:ph type="sldNum" sz="quarter" idx="12"/>
+          </p:nvPr>
+        </p:nvSpPr>
+        <p:spPr/>
+        <p:txBody>
+          <a:bodyPr/>
+          <a:lstStyle/>
+          <a:p>
+            <a:fld id="{80473052-BA07-4FC5-9696-A0F7625044DE}" type="slidenum">
+              <a:rPr lang="en-US" smtClean="0"/>
+              <a:t>8</a:t>
             </a:fld>
             <a:endParaRPr lang="en-US"/>
           </a:p>
@@ -3980,6 +9444,12 @@
             <a:r>
               <a:rPr lang="en-US" dirty="0"/>
               <a:t>MCP Tools</a:t>
+            </a:r>
+          </a:p>
+          <a:p>
+            <a:r>
+              <a:rPr lang="en-US" b="1" dirty="0"/>
+              <a:t>Automation with Agents (Crew)</a:t>
             </a:r>
           </a:p>
           <a:p>
@@ -4064,7 +9534,7 @@
 </p:sld>
 </file>
 
-<file path=ppt/slides/slide5.xml><?xml version="1.0" encoding="utf-8"?>
+<file path=ppt/slides/slide9.xml><?xml version="1.0" encoding="utf-8"?>
 <p:sld xmlns:a="http://schemas.openxmlformats.org/drawingml/2006/main" xmlns:r="http://schemas.openxmlformats.org/officeDocument/2006/relationships" xmlns:p="http://schemas.openxmlformats.org/presentationml/2006/main">
   <p:cSld>
     <p:spTree>
@@ -4276,7 +9746,7 @@
           <a:p>
             <a:fld id="{80473052-BA07-4FC5-9696-A0F7625044DE}" type="slidenum">
               <a:rPr lang="en-US" smtClean="0"/>
-              <a:t>5</a:t>
+              <a:t>9</a:t>
             </a:fld>
             <a:endParaRPr lang="en-US"/>
           </a:p>
@@ -4386,419 +9856,6 @@
     <p:extLst>
       <p:ext uri="{BB962C8B-B14F-4D97-AF65-F5344CB8AC3E}">
         <p14:creationId xmlns:p14="http://schemas.microsoft.com/office/powerpoint/2010/main" val="2195562112"/>
-      </p:ext>
-    </p:extLst>
-  </p:cSld>
-  <p:clrMapOvr>
-    <a:masterClrMapping/>
-  </p:clrMapOvr>
-</p:sld>
-</file>
-
-<file path=ppt/slides/slide6.xml><?xml version="1.0" encoding="utf-8"?>
-<p:sld xmlns:a="http://schemas.openxmlformats.org/drawingml/2006/main" xmlns:r="http://schemas.openxmlformats.org/officeDocument/2006/relationships" xmlns:p="http://schemas.openxmlformats.org/presentationml/2006/main">
-  <p:cSld>
-    <p:spTree>
-      <p:nvGrpSpPr>
-        <p:cNvPr id="1" name=""/>
-        <p:cNvGrpSpPr/>
-        <p:nvPr/>
-      </p:nvGrpSpPr>
-      <p:grpSpPr>
-        <a:xfrm>
-          <a:off x="0" y="0"/>
-          <a:ext cx="0" cy="0"/>
-          <a:chOff x="0" y="0"/>
-          <a:chExt cx="0" cy="0"/>
-        </a:xfrm>
-      </p:grpSpPr>
-      <p:sp>
-        <p:nvSpPr>
-          <p:cNvPr id="4" name="Title 3">
-            <a:extLst>
-              <a:ext uri="{FF2B5EF4-FFF2-40B4-BE49-F238E27FC236}">
-                <a16:creationId xmlns:a16="http://schemas.microsoft.com/office/drawing/2014/main" id="{0D0E3244-86CC-ED51-EFBC-B4D48F99AEED}"/>
-              </a:ext>
-            </a:extLst>
-          </p:cNvPr>
-          <p:cNvSpPr>
-            <a:spLocks noGrp="1"/>
-          </p:cNvSpPr>
-          <p:nvPr>
-            <p:ph type="title"/>
-          </p:nvPr>
-        </p:nvSpPr>
-        <p:spPr/>
-        <p:txBody>
-          <a:bodyPr/>
-          <a:lstStyle/>
-          <a:p>
-            <a:r>
-              <a:rPr lang="en-US" dirty="0"/>
-              <a:t>Strategic work: Platform</a:t>
-            </a:r>
-          </a:p>
-        </p:txBody>
-      </p:sp>
-      <p:sp>
-        <p:nvSpPr>
-          <p:cNvPr id="3" name="Content Placeholder 2">
-            <a:extLst>
-              <a:ext uri="{FF2B5EF4-FFF2-40B4-BE49-F238E27FC236}">
-                <a16:creationId xmlns:a16="http://schemas.microsoft.com/office/drawing/2014/main" id="{5F640BAD-5564-4449-341E-F0DC31C356F5}"/>
-              </a:ext>
-            </a:extLst>
-          </p:cNvPr>
-          <p:cNvSpPr>
-            <a:spLocks noGrp="1"/>
-          </p:cNvSpPr>
-          <p:nvPr>
-            <p:ph idx="1"/>
-          </p:nvPr>
-        </p:nvSpPr>
-        <p:spPr>
-          <a:ln>
-            <a:noFill/>
-          </a:ln>
-        </p:spPr>
-        <p:txBody>
-          <a:bodyPr/>
-          <a:lstStyle/>
-          <a:p>
-            <a:pPr marL="342900" indent="-342900">
-              <a:buFont typeface="+mj-lt"/>
-              <a:buAutoNum type="arabicPeriod"/>
-            </a:pPr>
-            <a:r>
-              <a:rPr lang="en-US" sz="1800" dirty="0"/>
-              <a:t>Multi-user</a:t>
-            </a:r>
-          </a:p>
-          <a:p>
-            <a:pPr marL="342900" indent="-342900">
-              <a:buFont typeface="+mj-lt"/>
-              <a:buAutoNum type="arabicPeriod"/>
-            </a:pPr>
-            <a:r>
-              <a:rPr lang="en-US" sz="1800" dirty="0" err="1"/>
-              <a:t>Mulit</a:t>
-            </a:r>
-            <a:r>
-              <a:rPr lang="en-US" sz="1800" dirty="0"/>
-              <a:t>-tenanted</a:t>
-            </a:r>
-          </a:p>
-          <a:p>
-            <a:pPr marL="342900" indent="-342900">
-              <a:buFont typeface="+mj-lt"/>
-              <a:buAutoNum type="arabicPeriod"/>
-            </a:pPr>
-            <a:r>
-              <a:rPr lang="en-US" sz="1800" dirty="0"/>
-              <a:t>Web based deployment</a:t>
-            </a:r>
-          </a:p>
-          <a:p>
-            <a:pPr marL="342900" indent="-342900">
-              <a:buFont typeface="+mj-lt"/>
-              <a:buAutoNum type="arabicPeriod"/>
-            </a:pPr>
-            <a:r>
-              <a:rPr lang="en-US" sz="1800" dirty="0"/>
-              <a:t>Mobile – Responsive UX version</a:t>
-            </a:r>
-          </a:p>
-          <a:p>
-            <a:pPr marL="342900" indent="-342900">
-              <a:buFont typeface="+mj-lt"/>
-              <a:buAutoNum type="arabicPeriod"/>
-            </a:pPr>
-            <a:r>
-              <a:rPr lang="en-US" sz="1800" dirty="0"/>
-              <a:t>Mobile – Native using Google Flutter</a:t>
-            </a:r>
-          </a:p>
-        </p:txBody>
-      </p:sp>
-      <p:sp>
-        <p:nvSpPr>
-          <p:cNvPr id="2" name="Slide Number Placeholder 1">
-            <a:extLst>
-              <a:ext uri="{FF2B5EF4-FFF2-40B4-BE49-F238E27FC236}">
-                <a16:creationId xmlns:a16="http://schemas.microsoft.com/office/drawing/2014/main" id="{58065E80-6FA4-305C-D89F-9C4C2F48B179}"/>
-              </a:ext>
-            </a:extLst>
-          </p:cNvPr>
-          <p:cNvSpPr>
-            <a:spLocks noGrp="1"/>
-          </p:cNvSpPr>
-          <p:nvPr>
-            <p:ph type="sldNum" sz="quarter" idx="12"/>
-          </p:nvPr>
-        </p:nvSpPr>
-        <p:spPr/>
-        <p:txBody>
-          <a:bodyPr/>
-          <a:lstStyle/>
-          <a:p>
-            <a:fld id="{80473052-BA07-4FC5-9696-A0F7625044DE}" type="slidenum">
-              <a:rPr lang="en-US" smtClean="0"/>
-              <a:t>6</a:t>
-            </a:fld>
-            <a:endParaRPr lang="en-US"/>
-          </a:p>
-        </p:txBody>
-      </p:sp>
-      <p:sp>
-        <p:nvSpPr>
-          <p:cNvPr id="5" name="Text Placeholder 4">
-            <a:extLst>
-              <a:ext uri="{FF2B5EF4-FFF2-40B4-BE49-F238E27FC236}">
-                <a16:creationId xmlns:a16="http://schemas.microsoft.com/office/drawing/2014/main" id="{A4AD4569-5AAB-6E49-B8EF-7B66196C5C92}"/>
-              </a:ext>
-            </a:extLst>
-          </p:cNvPr>
-          <p:cNvSpPr>
-            <a:spLocks noGrp="1"/>
-          </p:cNvSpPr>
-          <p:nvPr>
-            <p:ph type="body" sz="quarter" idx="13"/>
-          </p:nvPr>
-        </p:nvSpPr>
-        <p:spPr>
-          <a:xfrm>
-            <a:off x="9348833" y="1225211"/>
-            <a:ext cx="2556768" cy="2627598"/>
-          </a:xfrm>
-        </p:spPr>
-        <p:txBody>
-          <a:bodyPr/>
-          <a:lstStyle/>
-          <a:p>
-            <a:r>
-              <a:rPr lang="en-US" dirty="0" err="1"/>
-              <a:t>Devops</a:t>
-            </a:r>
-            <a:endParaRPr lang="en-US" dirty="0"/>
-          </a:p>
-          <a:p>
-            <a:r>
-              <a:rPr lang="en-US" dirty="0"/>
-              <a:t>Google Cloud</a:t>
-            </a:r>
-          </a:p>
-          <a:p>
-            <a:r>
-              <a:rPr lang="en-US" dirty="0"/>
-              <a:t>React stack from </a:t>
-            </a:r>
-            <a:r>
-              <a:rPr lang="en-US" dirty="0" err="1"/>
-              <a:t>Copilotkit</a:t>
-            </a:r>
-            <a:r>
-              <a:rPr lang="en-US" dirty="0"/>
-              <a:t> or Assistant </a:t>
-            </a:r>
-            <a:r>
-              <a:rPr lang="en-US" dirty="0" err="1"/>
-              <a:t>Ux</a:t>
-            </a:r>
-            <a:endParaRPr lang="en-US" dirty="0"/>
-          </a:p>
-          <a:p>
-            <a:r>
-              <a:rPr lang="en-US" dirty="0"/>
-              <a:t>Flutter</a:t>
-            </a:r>
-          </a:p>
-          <a:p>
-            <a:endParaRPr lang="en-US" dirty="0"/>
-          </a:p>
-          <a:p>
-            <a:endParaRPr lang="en-US" dirty="0"/>
-          </a:p>
-        </p:txBody>
-      </p:sp>
-      <p:sp>
-        <p:nvSpPr>
-          <p:cNvPr id="6" name="Text Placeholder 5">
-            <a:extLst>
-              <a:ext uri="{FF2B5EF4-FFF2-40B4-BE49-F238E27FC236}">
-                <a16:creationId xmlns:a16="http://schemas.microsoft.com/office/drawing/2014/main" id="{A1CDB29D-6882-3B8A-8CEB-BCF193FF1395}"/>
-              </a:ext>
-            </a:extLst>
-          </p:cNvPr>
-          <p:cNvSpPr>
-            <a:spLocks noGrp="1"/>
-          </p:cNvSpPr>
-          <p:nvPr>
-            <p:ph type="body" sz="quarter" idx="14"/>
-          </p:nvPr>
-        </p:nvSpPr>
-        <p:spPr/>
-        <p:txBody>
-          <a:bodyPr/>
-          <a:lstStyle/>
-          <a:p>
-            <a:r>
-              <a:rPr lang="en-US" dirty="0"/>
-              <a:t>Notes/Technologies</a:t>
-            </a:r>
-          </a:p>
-        </p:txBody>
-      </p:sp>
-    </p:spTree>
-    <p:extLst>
-      <p:ext uri="{BB962C8B-B14F-4D97-AF65-F5344CB8AC3E}">
-        <p14:creationId xmlns:p14="http://schemas.microsoft.com/office/powerpoint/2010/main" val="873046487"/>
-      </p:ext>
-    </p:extLst>
-  </p:cSld>
-  <p:clrMapOvr>
-    <a:masterClrMapping/>
-  </p:clrMapOvr>
-</p:sld>
-</file>
-
-<file path=ppt/slides/slide7.xml><?xml version="1.0" encoding="utf-8"?>
-<p:sld xmlns:a="http://schemas.openxmlformats.org/drawingml/2006/main" xmlns:r="http://schemas.openxmlformats.org/officeDocument/2006/relationships" xmlns:p="http://schemas.openxmlformats.org/presentationml/2006/main">
-  <p:cSld>
-    <p:spTree>
-      <p:nvGrpSpPr>
-        <p:cNvPr id="1" name=""/>
-        <p:cNvGrpSpPr/>
-        <p:nvPr/>
-      </p:nvGrpSpPr>
-      <p:grpSpPr>
-        <a:xfrm>
-          <a:off x="0" y="0"/>
-          <a:ext cx="0" cy="0"/>
-          <a:chOff x="0" y="0"/>
-          <a:chExt cx="0" cy="0"/>
-        </a:xfrm>
-      </p:grpSpPr>
-      <p:sp>
-        <p:nvSpPr>
-          <p:cNvPr id="4" name="Title 3">
-            <a:extLst>
-              <a:ext uri="{FF2B5EF4-FFF2-40B4-BE49-F238E27FC236}">
-                <a16:creationId xmlns:a16="http://schemas.microsoft.com/office/drawing/2014/main" id="{0D0E3244-86CC-ED51-EFBC-B4D48F99AEED}"/>
-              </a:ext>
-            </a:extLst>
-          </p:cNvPr>
-          <p:cNvSpPr>
-            <a:spLocks noGrp="1"/>
-          </p:cNvSpPr>
-          <p:nvPr>
-            <p:ph type="title"/>
-          </p:nvPr>
-        </p:nvSpPr>
-        <p:spPr/>
-        <p:txBody>
-          <a:bodyPr/>
-          <a:lstStyle/>
-          <a:p>
-            <a:r>
-              <a:rPr lang="en-US" dirty="0"/>
-              <a:t>Strategic work</a:t>
-            </a:r>
-          </a:p>
-        </p:txBody>
-      </p:sp>
-      <p:sp>
-        <p:nvSpPr>
-          <p:cNvPr id="3" name="Slide Number Placeholder 2">
-            <a:extLst>
-              <a:ext uri="{FF2B5EF4-FFF2-40B4-BE49-F238E27FC236}">
-                <a16:creationId xmlns:a16="http://schemas.microsoft.com/office/drawing/2014/main" id="{08336154-486A-B2F4-8DBD-C508C65D328D}"/>
-              </a:ext>
-            </a:extLst>
-          </p:cNvPr>
-          <p:cNvSpPr>
-            <a:spLocks noGrp="1"/>
-          </p:cNvSpPr>
-          <p:nvPr>
-            <p:ph type="sldNum" sz="quarter" idx="12"/>
-          </p:nvPr>
-        </p:nvSpPr>
-        <p:spPr/>
-        <p:txBody>
-          <a:bodyPr/>
-          <a:lstStyle/>
-          <a:p>
-            <a:fld id="{80473052-BA07-4FC5-9696-A0F7625044DE}" type="slidenum">
-              <a:rPr lang="en-US" smtClean="0"/>
-              <a:t>7</a:t>
-            </a:fld>
-            <a:endParaRPr lang="en-US"/>
-          </a:p>
-        </p:txBody>
-      </p:sp>
-      <p:pic>
-        <p:nvPicPr>
-          <p:cNvPr id="5" name="Picture 4">
-            <a:extLst>
-              <a:ext uri="{FF2B5EF4-FFF2-40B4-BE49-F238E27FC236}">
-                <a16:creationId xmlns:a16="http://schemas.microsoft.com/office/drawing/2014/main" id="{90F9C0D8-C97C-4657-20BD-A18ED26D0C08}"/>
-              </a:ext>
-            </a:extLst>
-          </p:cNvPr>
-          <p:cNvPicPr>
-            <a:picLocks noChangeAspect="1"/>
-          </p:cNvPicPr>
-          <p:nvPr/>
-        </p:nvPicPr>
-        <p:blipFill>
-          <a:blip r:embed="rId2"/>
-          <a:stretch>
-            <a:fillRect/>
-          </a:stretch>
-        </p:blipFill>
-        <p:spPr>
-          <a:xfrm>
-            <a:off x="753641" y="840517"/>
-            <a:ext cx="3818359" cy="5997456"/>
-          </a:xfrm>
-          <a:prstGeom prst="rect">
-            <a:avLst/>
-          </a:prstGeom>
-        </p:spPr>
-      </p:pic>
-      <p:pic>
-        <p:nvPicPr>
-          <p:cNvPr id="6" name="Picture 5">
-            <a:extLst>
-              <a:ext uri="{FF2B5EF4-FFF2-40B4-BE49-F238E27FC236}">
-                <a16:creationId xmlns:a16="http://schemas.microsoft.com/office/drawing/2014/main" id="{B1D132D0-6BD6-345D-2403-55F888A224F8}"/>
-              </a:ext>
-            </a:extLst>
-          </p:cNvPr>
-          <p:cNvPicPr>
-            <a:picLocks noChangeAspect="1"/>
-          </p:cNvPicPr>
-          <p:nvPr/>
-        </p:nvPicPr>
-        <p:blipFill>
-          <a:blip r:embed="rId3"/>
-          <a:stretch>
-            <a:fillRect/>
-          </a:stretch>
-        </p:blipFill>
-        <p:spPr>
-          <a:xfrm>
-            <a:off x="6602012" y="851517"/>
-            <a:ext cx="4355933" cy="5810036"/>
-          </a:xfrm>
-          <a:prstGeom prst="rect">
-            <a:avLst/>
-          </a:prstGeom>
-        </p:spPr>
-      </p:pic>
-    </p:spTree>
-    <p:extLst>
-      <p:ext uri="{BB962C8B-B14F-4D97-AF65-F5344CB8AC3E}">
-        <p14:creationId xmlns:p14="http://schemas.microsoft.com/office/powerpoint/2010/main" val="1594785490"/>
       </p:ext>
     </p:extLst>
   </p:cSld>
